--- a/心靈的迴響.pptx
+++ b/心靈的迴響.pptx
@@ -2,17 +2,17 @@
 <file path=ppt/presentation.xml><?xml version="1.0" encoding="utf-8"?>
 <p:presentation xmlns:a="http://schemas.openxmlformats.org/drawingml/2006/main" xmlns:r="http://schemas.openxmlformats.org/officeDocument/2006/relationships" xmlns:p="http://schemas.openxmlformats.org/presentationml/2006/main" saveSubsetFonts="1">
   <p:sldMasterIdLst>
-    <p:sldMasterId id="2147483672" r:id="rId1"/>
+    <p:sldMasterId id="2147483684" r:id="rId1"/>
   </p:sldMasterIdLst>
   <p:notesMasterIdLst>
     <p:notesMasterId r:id="rId5"/>
   </p:notesMasterIdLst>
   <p:sldIdLst>
-    <p:sldId id="257" r:id="rId2"/>
+    <p:sldId id="261" r:id="rId2"/>
     <p:sldId id="259" r:id="rId3"/>
-    <p:sldId id="260" r:id="rId4"/>
+    <p:sldId id="262" r:id="rId4"/>
   </p:sldIdLst>
-  <p:sldSz cx="9144000" cy="6858000" type="screen4x3"/>
+  <p:sldSz cx="12192000" cy="6858000"/>
   <p:notesSz cx="6858000" cy="9144000"/>
   <p:defaultTextStyle>
     <a:defPPr>
@@ -109,6 +109,22 @@
       </a:defRPr>
     </a:lvl9pPr>
   </p:defaultTextStyle>
+  <p:extLst>
+    <p:ext uri="{EFAFB233-063F-42B5-8137-9DF3F51BA10A}">
+      <p15:sldGuideLst xmlns:p15="http://schemas.microsoft.com/office/powerpoint/2012/main">
+        <p15:guide id="1" orient="horz" pos="2160" userDrawn="1">
+          <p15:clr>
+            <a:srgbClr val="A4A3A4"/>
+          </p15:clr>
+        </p15:guide>
+        <p15:guide id="2" pos="3840" userDrawn="1">
+          <p15:clr>
+            <a:srgbClr val="A4A3A4"/>
+          </p15:clr>
+        </p15:guide>
+      </p15:sldGuideLst>
+    </p:ext>
+  </p:extLst>
 </p:presentation>
 </file>
 
@@ -195,7 +211,7 @@
             <a:fld id="{D90E67A1-01C2-48C0-ACA6-CDEA53C65BF1}" type="datetimeFigureOut">
               <a:rPr lang="zh-TW" altLang="en-US" smtClean="0"/>
               <a:pPr/>
-              <a:t>2013/11/2</a:t>
+              <a:t>2020/5/23</a:t>
             </a:fld>
             <a:endParaRPr lang="zh-TW" altLang="en-US"/>
           </a:p>
@@ -213,8 +229,8 @@
         </p:nvSpPr>
         <p:spPr>
           <a:xfrm>
-            <a:off x="1143000" y="685800"/>
-            <a:ext cx="4572000" cy="3429000"/>
+            <a:off x="381000" y="685800"/>
+            <a:ext cx="6096000" cy="3429000"/>
           </a:xfrm>
           <a:prstGeom prst="rect">
             <a:avLst/>
@@ -575,6 +591,11 @@
         </p:txBody>
       </p:sp>
     </p:spTree>
+    <p:extLst>
+      <p:ext uri="{BB962C8B-B14F-4D97-AF65-F5344CB8AC3E}">
+        <p14:creationId xmlns:p14="http://schemas.microsoft.com/office/powerpoint/2010/main" val="3348750650"/>
+      </p:ext>
+    </p:extLst>
   </p:cSld>
   <p:clrMapOvr>
     <a:masterClrMapping/>
@@ -817,6 +838,11 @@
         </p:txBody>
       </p:sp>
     </p:spTree>
+    <p:extLst>
+      <p:ext uri="{BB962C8B-B14F-4D97-AF65-F5344CB8AC3E}">
+        <p14:creationId xmlns:p14="http://schemas.microsoft.com/office/powerpoint/2010/main" val="1974725040"/>
+      </p:ext>
+    </p:extLst>
   </p:cSld>
   <p:clrMapOvr>
     <a:masterClrMapping/>
@@ -843,118 +869,62 @@
       </p:grpSpPr>
       <p:sp>
         <p:nvSpPr>
-          <p:cNvPr id="8" name="TextBox 7"/>
-          <p:cNvSpPr txBox="1"/>
-          <p:nvPr/>
+          <p:cNvPr id="2" name="標題 1"/>
+          <p:cNvSpPr>
+            <a:spLocks noGrp="1"/>
+          </p:cNvSpPr>
+          <p:nvPr>
+            <p:ph type="ctrTitle"/>
+          </p:nvPr>
         </p:nvSpPr>
         <p:spPr>
           <a:xfrm>
-            <a:off x="1828800" y="3159760"/>
-            <a:ext cx="457200" cy="1034129"/>
+            <a:off x="914400" y="2130426"/>
+            <a:ext cx="10363200" cy="1470025"/>
           </a:xfrm>
-          <a:prstGeom prst="rect">
-            <a:avLst/>
-          </a:prstGeom>
-          <a:noFill/>
         </p:spPr>
         <p:txBody>
-          <a:bodyPr wrap="square" lIns="0" tIns="9144" rIns="0" bIns="9144" rtlCol="0" anchor="ctr" anchorCtr="0">
-            <a:spAutoFit/>
-          </a:bodyPr>
-          <a:lstStyle/>
-          <a:p>
-            <a:r>
-              <a:rPr lang="en-US" sz="6600" dirty="0" smtClean="0">
-                <a:effectLst>
-                  <a:outerShdw blurRad="38100" dist="38100" dir="2700000" algn="tl">
-                    <a:srgbClr val="000000">
-                      <a:alpha val="43137"/>
-                    </a:srgbClr>
-                  </a:outerShdw>
-                </a:effectLst>
-                <a:latin typeface="+mn-lt"/>
-              </a:rPr>
-              <a:t>{</a:t>
-            </a:r>
-            <a:endParaRPr lang="en-US" sz="6600" dirty="0">
-              <a:effectLst>
-                <a:outerShdw blurRad="38100" dist="38100" dir="2700000" algn="tl">
-                  <a:srgbClr val="000000">
-                    <a:alpha val="43137"/>
-                  </a:srgbClr>
-                </a:outerShdw>
-              </a:effectLst>
-              <a:latin typeface="+mn-lt"/>
-            </a:endParaRPr>
-          </a:p>
-        </p:txBody>
-      </p:sp>
-      <p:sp>
-        <p:nvSpPr>
-          <p:cNvPr id="2" name="Title 1"/>
-          <p:cNvSpPr>
-            <a:spLocks noGrp="1"/>
-          </p:cNvSpPr>
-          <p:nvPr>
-            <p:ph type="ctrTitle"/>
+          <a:bodyPr/>
+          <a:lstStyle/>
+          <a:p>
+            <a:r>
+              <a:rPr lang="en-US" altLang="zh-TW" smtClean="0"/>
+              <a:t>Click to edit Master title style</a:t>
+            </a:r>
+            <a:endParaRPr lang="zh-TW" altLang="en-US"/>
+          </a:p>
+        </p:txBody>
+      </p:sp>
+      <p:sp>
+        <p:nvSpPr>
+          <p:cNvPr id="3" name="副標題 2"/>
+          <p:cNvSpPr>
+            <a:spLocks noGrp="1"/>
+          </p:cNvSpPr>
+          <p:nvPr>
+            <p:ph type="subTitle" idx="1"/>
           </p:nvPr>
         </p:nvSpPr>
         <p:spPr>
           <a:xfrm>
-            <a:off x="777240" y="1219200"/>
-            <a:ext cx="7543800" cy="2152650"/>
+            <a:off x="1828800" y="3886200"/>
+            <a:ext cx="8534400" cy="1752600"/>
           </a:xfrm>
         </p:spPr>
         <p:txBody>
-          <a:bodyPr>
-            <a:noAutofit/>
-          </a:bodyPr>
+          <a:bodyPr/>
           <a:lstStyle>
-            <a:lvl1pPr>
-              <a:defRPr sz="6000">
+            <a:lvl1pPr marL="0" indent="0" algn="ctr">
+              <a:buNone/>
+              <a:defRPr>
                 <a:solidFill>
-                  <a:schemeClr val="tx1"/>
+                  <a:schemeClr val="tx1">
+                    <a:tint val="75000"/>
+                  </a:schemeClr>
                 </a:solidFill>
               </a:defRPr>
             </a:lvl1pPr>
-          </a:lstStyle>
-          <a:p>
-            <a:r>
-              <a:rPr lang="zh-TW" altLang="en-US" smtClean="0"/>
-              <a:t>按一下以編輯母片標題樣式</a:t>
-            </a:r>
-            <a:endParaRPr lang="en-US" dirty="0"/>
-          </a:p>
-        </p:txBody>
-      </p:sp>
-      <p:sp>
-        <p:nvSpPr>
-          <p:cNvPr id="3" name="Subtitle 2"/>
-          <p:cNvSpPr>
-            <a:spLocks noGrp="1"/>
-          </p:cNvSpPr>
-          <p:nvPr>
-            <p:ph type="subTitle" idx="1"/>
-          </p:nvPr>
-        </p:nvSpPr>
-        <p:spPr>
-          <a:xfrm>
-            <a:off x="2133600" y="3375491"/>
-            <a:ext cx="6172200" cy="685800"/>
-          </a:xfrm>
-        </p:spPr>
-        <p:txBody>
-          <a:bodyPr anchor="ctr"/>
-          <a:lstStyle>
-            <a:lvl1pPr marL="0" indent="0" algn="l">
-              <a:buNone/>
-              <a:defRPr>
-                <a:solidFill>
-                  <a:schemeClr val="tx1"/>
-                </a:solidFill>
-              </a:defRPr>
-            </a:lvl1pPr>
-            <a:lvl2pPr marL="457200" indent="0" algn="ctr">
+            <a:lvl2pPr marL="609585" indent="0" algn="ctr">
               <a:buNone/>
               <a:defRPr>
                 <a:solidFill>
@@ -964,7 +934,7 @@
                 </a:solidFill>
               </a:defRPr>
             </a:lvl2pPr>
-            <a:lvl3pPr marL="914400" indent="0" algn="ctr">
+            <a:lvl3pPr marL="1219170" indent="0" algn="ctr">
               <a:buNone/>
               <a:defRPr>
                 <a:solidFill>
@@ -974,7 +944,7 @@
                 </a:solidFill>
               </a:defRPr>
             </a:lvl3pPr>
-            <a:lvl4pPr marL="1371600" indent="0" algn="ctr">
+            <a:lvl4pPr marL="1828754" indent="0" algn="ctr">
               <a:buNone/>
               <a:defRPr>
                 <a:solidFill>
@@ -984,7 +954,7 @@
                 </a:solidFill>
               </a:defRPr>
             </a:lvl4pPr>
-            <a:lvl5pPr marL="1828800" indent="0" algn="ctr">
+            <a:lvl5pPr marL="2438339" indent="0" algn="ctr">
               <a:buNone/>
               <a:defRPr>
                 <a:solidFill>
@@ -994,7 +964,7 @@
                 </a:solidFill>
               </a:defRPr>
             </a:lvl5pPr>
-            <a:lvl6pPr marL="2286000" indent="0" algn="ctr">
+            <a:lvl6pPr marL="3047924" indent="0" algn="ctr">
               <a:buNone/>
               <a:defRPr>
                 <a:solidFill>
@@ -1004,7 +974,7 @@
                 </a:solidFill>
               </a:defRPr>
             </a:lvl6pPr>
-            <a:lvl7pPr marL="2743200" indent="0" algn="ctr">
+            <a:lvl7pPr marL="3657509" indent="0" algn="ctr">
               <a:buNone/>
               <a:defRPr>
                 <a:solidFill>
@@ -1014,7 +984,7 @@
                 </a:solidFill>
               </a:defRPr>
             </a:lvl7pPr>
-            <a:lvl8pPr marL="3200400" indent="0" algn="ctr">
+            <a:lvl8pPr marL="4267093" indent="0" algn="ctr">
               <a:buNone/>
               <a:defRPr>
                 <a:solidFill>
@@ -1024,7 +994,7 @@
                 </a:solidFill>
               </a:defRPr>
             </a:lvl8pPr>
-            <a:lvl9pPr marL="3657600" indent="0" algn="ctr">
+            <a:lvl9pPr marL="4876678" indent="0" algn="ctr">
               <a:buNone/>
               <a:defRPr>
                 <a:solidFill>
@@ -1037,16 +1007,16 @@
           </a:lstStyle>
           <a:p>
             <a:r>
-              <a:rPr lang="zh-TW" altLang="en-US" smtClean="0"/>
-              <a:t>按一下以編輯母片副標題樣式</a:t>
-            </a:r>
-            <a:endParaRPr lang="en-US" dirty="0"/>
-          </a:p>
-        </p:txBody>
-      </p:sp>
-      <p:sp>
-        <p:nvSpPr>
-          <p:cNvPr id="15" name="Date Placeholder 14"/>
+              <a:rPr lang="en-US" altLang="zh-TW" smtClean="0"/>
+              <a:t>Click to edit Master subtitle style</a:t>
+            </a:r>
+            <a:endParaRPr lang="zh-TW" altLang="en-US"/>
+          </a:p>
+        </p:txBody>
+      </p:sp>
+      <p:sp>
+        <p:nvSpPr>
+          <p:cNvPr id="4" name="日期版面配置區 3"/>
           <p:cNvSpPr>
             <a:spLocks noGrp="1"/>
           </p:cNvSpPr>
@@ -1062,7 +1032,7 @@
             <a:fld id="{6AC36C85-032A-4F88-A352-327B4A999953}" type="datetimeFigureOut">
               <a:rPr lang="zh-TW" altLang="en-US" smtClean="0"/>
               <a:pPr/>
-              <a:t>2013/11/2</a:t>
+              <a:t>2020/5/23</a:t>
             </a:fld>
             <a:endParaRPr lang="zh-TW" altLang="en-US"/>
           </a:p>
@@ -1070,12 +1040,31 @@
       </p:sp>
       <p:sp>
         <p:nvSpPr>
-          <p:cNvPr id="16" name="Slide Number Placeholder 15"/>
-          <p:cNvSpPr>
-            <a:spLocks noGrp="1"/>
-          </p:cNvSpPr>
-          <p:nvPr>
-            <p:ph type="sldNum" sz="quarter" idx="11"/>
+          <p:cNvPr id="5" name="頁尾版面配置區 4"/>
+          <p:cNvSpPr>
+            <a:spLocks noGrp="1"/>
+          </p:cNvSpPr>
+          <p:nvPr>
+            <p:ph type="ftr" sz="quarter" idx="11"/>
+          </p:nvPr>
+        </p:nvSpPr>
+        <p:spPr/>
+        <p:txBody>
+          <a:bodyPr/>
+          <a:lstStyle/>
+          <a:p>
+            <a:endParaRPr lang="zh-TW" altLang="en-US"/>
+          </a:p>
+        </p:txBody>
+      </p:sp>
+      <p:sp>
+        <p:nvSpPr>
+          <p:cNvPr id="6" name="投影片編號版面配置區 5"/>
+          <p:cNvSpPr>
+            <a:spLocks noGrp="1"/>
+          </p:cNvSpPr>
+          <p:nvPr>
+            <p:ph type="sldNum" sz="quarter" idx="12"/>
           </p:nvPr>
         </p:nvSpPr>
         <p:spPr/>
@@ -1092,26 +1081,12 @@
           </a:p>
         </p:txBody>
       </p:sp>
-      <p:sp>
-        <p:nvSpPr>
-          <p:cNvPr id="17" name="Footer Placeholder 16"/>
-          <p:cNvSpPr>
-            <a:spLocks noGrp="1"/>
-          </p:cNvSpPr>
-          <p:nvPr>
-            <p:ph type="ftr" sz="quarter" idx="12"/>
-          </p:nvPr>
-        </p:nvSpPr>
-        <p:spPr/>
-        <p:txBody>
-          <a:bodyPr/>
-          <a:lstStyle/>
-          <a:p>
-            <a:endParaRPr lang="zh-TW" altLang="en-US"/>
-          </a:p>
-        </p:txBody>
-      </p:sp>
     </p:spTree>
+    <p:extLst>
+      <p:ext uri="{BB962C8B-B14F-4D97-AF65-F5344CB8AC3E}">
+        <p14:creationId xmlns:p14="http://schemas.microsoft.com/office/powerpoint/2010/main" val="1750873221"/>
+      </p:ext>
+    </p:extLst>
   </p:cSld>
   <p:clrMapOvr>
     <a:masterClrMapping/>
@@ -1138,7 +1113,7 @@
       </p:grpSpPr>
       <p:sp>
         <p:nvSpPr>
-          <p:cNvPr id="2" name="Title 1"/>
+          <p:cNvPr id="2" name="標題 1"/>
           <p:cNvSpPr>
             <a:spLocks noGrp="1"/>
           </p:cNvSpPr>
@@ -1152,16 +1127,16 @@
           <a:lstStyle/>
           <a:p>
             <a:r>
-              <a:rPr lang="zh-TW" altLang="en-US" smtClean="0"/>
-              <a:t>按一下以編輯母片標題樣式</a:t>
-            </a:r>
-            <a:endParaRPr lang="en-US" dirty="0"/>
-          </a:p>
-        </p:txBody>
-      </p:sp>
-      <p:sp>
-        <p:nvSpPr>
-          <p:cNvPr id="3" name="Vertical Text Placeholder 2"/>
+              <a:rPr lang="en-US" altLang="zh-TW" smtClean="0"/>
+              <a:t>Click to edit Master title style</a:t>
+            </a:r>
+            <a:endParaRPr lang="zh-TW" altLang="en-US"/>
+          </a:p>
+        </p:txBody>
+      </p:sp>
+      <p:sp>
+        <p:nvSpPr>
+          <p:cNvPr id="3" name="直排文字版面配置區 2"/>
           <p:cNvSpPr>
             <a:spLocks noGrp="1"/>
           </p:cNvSpPr>
@@ -1169,56 +1144,51 @@
             <p:ph type="body" orient="vert" idx="1"/>
           </p:nvPr>
         </p:nvSpPr>
-        <p:spPr>
-          <a:xfrm>
-            <a:off x="2133600" y="685801"/>
-            <a:ext cx="5791200" cy="3505199"/>
-          </a:xfrm>
-        </p:spPr>
-        <p:txBody>
-          <a:bodyPr vert="eaVert" anchor="t"/>
+        <p:spPr/>
+        <p:txBody>
+          <a:bodyPr vert="eaVert"/>
           <a:lstStyle/>
           <a:p>
             <a:pPr lvl="0"/>
             <a:r>
-              <a:rPr lang="zh-TW" altLang="en-US" smtClean="0"/>
-              <a:t>按一下以編輯母片文字樣式</a:t>
+              <a:rPr lang="en-US" altLang="zh-TW" smtClean="0"/>
+              <a:t>Edit Master text styles</a:t>
             </a:r>
           </a:p>
           <a:p>
             <a:pPr lvl="1"/>
             <a:r>
-              <a:rPr lang="zh-TW" altLang="en-US" smtClean="0"/>
-              <a:t>第二層</a:t>
+              <a:rPr lang="en-US" altLang="zh-TW" smtClean="0"/>
+              <a:t>Second level</a:t>
             </a:r>
           </a:p>
           <a:p>
             <a:pPr lvl="2"/>
             <a:r>
-              <a:rPr lang="zh-TW" altLang="en-US" smtClean="0"/>
-              <a:t>第三層</a:t>
+              <a:rPr lang="en-US" altLang="zh-TW" smtClean="0"/>
+              <a:t>Third level</a:t>
             </a:r>
           </a:p>
           <a:p>
             <a:pPr lvl="3"/>
             <a:r>
-              <a:rPr lang="zh-TW" altLang="en-US" smtClean="0"/>
-              <a:t>第四層</a:t>
+              <a:rPr lang="en-US" altLang="zh-TW" smtClean="0"/>
+              <a:t>Fourth level</a:t>
             </a:r>
           </a:p>
           <a:p>
             <a:pPr lvl="4"/>
             <a:r>
-              <a:rPr lang="zh-TW" altLang="en-US" smtClean="0"/>
-              <a:t>第五層</a:t>
-            </a:r>
-            <a:endParaRPr lang="en-US"/>
-          </a:p>
-        </p:txBody>
-      </p:sp>
-      <p:sp>
-        <p:nvSpPr>
-          <p:cNvPr id="4" name="Date Placeholder 3"/>
+              <a:rPr lang="en-US" altLang="zh-TW" smtClean="0"/>
+              <a:t>Fifth level</a:t>
+            </a:r>
+            <a:endParaRPr lang="zh-TW" altLang="en-US"/>
+          </a:p>
+        </p:txBody>
+      </p:sp>
+      <p:sp>
+        <p:nvSpPr>
+          <p:cNvPr id="4" name="日期版面配置區 3"/>
           <p:cNvSpPr>
             <a:spLocks noGrp="1"/>
           </p:cNvSpPr>
@@ -1234,7 +1204,7 @@
             <a:fld id="{6AC36C85-032A-4F88-A352-327B4A999953}" type="datetimeFigureOut">
               <a:rPr lang="zh-TW" altLang="en-US" smtClean="0"/>
               <a:pPr/>
-              <a:t>2013/11/2</a:t>
+              <a:t>2020/5/23</a:t>
             </a:fld>
             <a:endParaRPr lang="zh-TW" altLang="en-US"/>
           </a:p>
@@ -1242,7 +1212,7 @@
       </p:sp>
       <p:sp>
         <p:nvSpPr>
-          <p:cNvPr id="5" name="Footer Placeholder 4"/>
+          <p:cNvPr id="5" name="頁尾版面配置區 4"/>
           <p:cNvSpPr>
             <a:spLocks noGrp="1"/>
           </p:cNvSpPr>
@@ -1261,7 +1231,7 @@
       </p:sp>
       <p:sp>
         <p:nvSpPr>
-          <p:cNvPr id="6" name="Slide Number Placeholder 5"/>
+          <p:cNvPr id="6" name="投影片編號版面配置區 5"/>
           <p:cNvSpPr>
             <a:spLocks noGrp="1"/>
           </p:cNvSpPr>
@@ -1284,6 +1254,11 @@
         </p:txBody>
       </p:sp>
     </p:spTree>
+    <p:extLst>
+      <p:ext uri="{BB962C8B-B14F-4D97-AF65-F5344CB8AC3E}">
+        <p14:creationId xmlns:p14="http://schemas.microsoft.com/office/powerpoint/2010/main" val="2964206421"/>
+      </p:ext>
+    </p:extLst>
   </p:cSld>
   <p:clrMapOvr>
     <a:masterClrMapping/>
@@ -1310,7 +1285,7 @@
       </p:grpSpPr>
       <p:sp>
         <p:nvSpPr>
-          <p:cNvPr id="2" name="Vertical Title 1"/>
+          <p:cNvPr id="2" name="直排標題 1"/>
           <p:cNvSpPr>
             <a:spLocks noGrp="1"/>
           </p:cNvSpPr>
@@ -1320,8 +1295,8 @@
         </p:nvSpPr>
         <p:spPr>
           <a:xfrm>
-            <a:off x="609600" y="609601"/>
-            <a:ext cx="2133600" cy="5181600"/>
+            <a:off x="8839200" y="274639"/>
+            <a:ext cx="2743200" cy="5851525"/>
           </a:xfrm>
         </p:spPr>
         <p:txBody>
@@ -1329,16 +1304,16 @@
           <a:lstStyle/>
           <a:p>
             <a:r>
-              <a:rPr lang="zh-TW" altLang="en-US" smtClean="0"/>
-              <a:t>按一下以編輯母片標題樣式</a:t>
-            </a:r>
-            <a:endParaRPr lang="en-US" dirty="0"/>
-          </a:p>
-        </p:txBody>
-      </p:sp>
-      <p:sp>
-        <p:nvSpPr>
-          <p:cNvPr id="3" name="Vertical Text Placeholder 2"/>
+              <a:rPr lang="en-US" altLang="zh-TW" smtClean="0"/>
+              <a:t>Click to edit Master title style</a:t>
+            </a:r>
+            <a:endParaRPr lang="zh-TW" altLang="en-US"/>
+          </a:p>
+        </p:txBody>
+      </p:sp>
+      <p:sp>
+        <p:nvSpPr>
+          <p:cNvPr id="3" name="直排文字版面配置區 2"/>
           <p:cNvSpPr>
             <a:spLocks noGrp="1"/>
           </p:cNvSpPr>
@@ -1348,54 +1323,54 @@
         </p:nvSpPr>
         <p:spPr>
           <a:xfrm>
-            <a:off x="2895600" y="685801"/>
-            <a:ext cx="5029200" cy="4572000"/>
+            <a:off x="609600" y="274639"/>
+            <a:ext cx="8026400" cy="5851525"/>
           </a:xfrm>
         </p:spPr>
         <p:txBody>
-          <a:bodyPr vert="eaVert" anchor="t"/>
+          <a:bodyPr vert="eaVert"/>
           <a:lstStyle/>
           <a:p>
             <a:pPr lvl="0"/>
             <a:r>
-              <a:rPr lang="zh-TW" altLang="en-US" smtClean="0"/>
-              <a:t>按一下以編輯母片文字樣式</a:t>
+              <a:rPr lang="en-US" altLang="zh-TW" smtClean="0"/>
+              <a:t>Edit Master text styles</a:t>
             </a:r>
           </a:p>
           <a:p>
             <a:pPr lvl="1"/>
             <a:r>
-              <a:rPr lang="zh-TW" altLang="en-US" smtClean="0"/>
-              <a:t>第二層</a:t>
+              <a:rPr lang="en-US" altLang="zh-TW" smtClean="0"/>
+              <a:t>Second level</a:t>
             </a:r>
           </a:p>
           <a:p>
             <a:pPr lvl="2"/>
             <a:r>
-              <a:rPr lang="zh-TW" altLang="en-US" smtClean="0"/>
-              <a:t>第三層</a:t>
+              <a:rPr lang="en-US" altLang="zh-TW" smtClean="0"/>
+              <a:t>Third level</a:t>
             </a:r>
           </a:p>
           <a:p>
             <a:pPr lvl="3"/>
             <a:r>
-              <a:rPr lang="zh-TW" altLang="en-US" smtClean="0"/>
-              <a:t>第四層</a:t>
+              <a:rPr lang="en-US" altLang="zh-TW" smtClean="0"/>
+              <a:t>Fourth level</a:t>
             </a:r>
           </a:p>
           <a:p>
             <a:pPr lvl="4"/>
             <a:r>
-              <a:rPr lang="zh-TW" altLang="en-US" smtClean="0"/>
-              <a:t>第五層</a:t>
-            </a:r>
-            <a:endParaRPr lang="en-US" dirty="0"/>
-          </a:p>
-        </p:txBody>
-      </p:sp>
-      <p:sp>
-        <p:nvSpPr>
-          <p:cNvPr id="4" name="Date Placeholder 3"/>
+              <a:rPr lang="en-US" altLang="zh-TW" smtClean="0"/>
+              <a:t>Fifth level</a:t>
+            </a:r>
+            <a:endParaRPr lang="zh-TW" altLang="en-US"/>
+          </a:p>
+        </p:txBody>
+      </p:sp>
+      <p:sp>
+        <p:nvSpPr>
+          <p:cNvPr id="4" name="日期版面配置區 3"/>
           <p:cNvSpPr>
             <a:spLocks noGrp="1"/>
           </p:cNvSpPr>
@@ -1411,7 +1386,7 @@
             <a:fld id="{6AC36C85-032A-4F88-A352-327B4A999953}" type="datetimeFigureOut">
               <a:rPr lang="zh-TW" altLang="en-US" smtClean="0"/>
               <a:pPr/>
-              <a:t>2013/11/2</a:t>
+              <a:t>2020/5/23</a:t>
             </a:fld>
             <a:endParaRPr lang="zh-TW" altLang="en-US"/>
           </a:p>
@@ -1419,7 +1394,7 @@
       </p:sp>
       <p:sp>
         <p:nvSpPr>
-          <p:cNvPr id="5" name="Footer Placeholder 4"/>
+          <p:cNvPr id="5" name="頁尾版面配置區 4"/>
           <p:cNvSpPr>
             <a:spLocks noGrp="1"/>
           </p:cNvSpPr>
@@ -1438,7 +1413,7 @@
       </p:sp>
       <p:sp>
         <p:nvSpPr>
-          <p:cNvPr id="6" name="Slide Number Placeholder 5"/>
+          <p:cNvPr id="6" name="投影片編號版面配置區 5"/>
           <p:cNvSpPr>
             <a:spLocks noGrp="1"/>
           </p:cNvSpPr>
@@ -1461,6 +1436,11 @@
         </p:txBody>
       </p:sp>
     </p:spTree>
+    <p:extLst>
+      <p:ext uri="{BB962C8B-B14F-4D97-AF65-F5344CB8AC3E}">
+        <p14:creationId xmlns:p14="http://schemas.microsoft.com/office/powerpoint/2010/main" val="633415519"/>
+      </p:ext>
+    </p:extLst>
   </p:cSld>
   <p:clrMapOvr>
     <a:masterClrMapping/>
@@ -1487,7 +1467,30 @@
       </p:grpSpPr>
       <p:sp>
         <p:nvSpPr>
-          <p:cNvPr id="3" name="Content Placeholder 2"/>
+          <p:cNvPr id="2" name="標題 1"/>
+          <p:cNvSpPr>
+            <a:spLocks noGrp="1"/>
+          </p:cNvSpPr>
+          <p:nvPr>
+            <p:ph type="title"/>
+          </p:nvPr>
+        </p:nvSpPr>
+        <p:spPr/>
+        <p:txBody>
+          <a:bodyPr/>
+          <a:lstStyle/>
+          <a:p>
+            <a:r>
+              <a:rPr lang="en-US" altLang="zh-TW" smtClean="0"/>
+              <a:t>Click to edit Master title style</a:t>
+            </a:r>
+            <a:endParaRPr lang="zh-TW" altLang="en-US"/>
+          </a:p>
+        </p:txBody>
+      </p:sp>
+      <p:sp>
+        <p:nvSpPr>
+          <p:cNvPr id="3" name="內容版面配置區 2"/>
           <p:cNvSpPr>
             <a:spLocks noGrp="1"/>
           </p:cNvSpPr>
@@ -1502,67 +1505,44 @@
           <a:p>
             <a:pPr lvl="0"/>
             <a:r>
-              <a:rPr lang="zh-TW" altLang="en-US" smtClean="0"/>
-              <a:t>按一下以編輯母片文字樣式</a:t>
+              <a:rPr lang="en-US" altLang="zh-TW" smtClean="0"/>
+              <a:t>Edit Master text styles</a:t>
             </a:r>
           </a:p>
           <a:p>
             <a:pPr lvl="1"/>
             <a:r>
-              <a:rPr lang="zh-TW" altLang="en-US" smtClean="0"/>
-              <a:t>第二層</a:t>
+              <a:rPr lang="en-US" altLang="zh-TW" smtClean="0"/>
+              <a:t>Second level</a:t>
             </a:r>
           </a:p>
           <a:p>
             <a:pPr lvl="2"/>
             <a:r>
-              <a:rPr lang="zh-TW" altLang="en-US" smtClean="0"/>
-              <a:t>第三層</a:t>
+              <a:rPr lang="en-US" altLang="zh-TW" smtClean="0"/>
+              <a:t>Third level</a:t>
             </a:r>
           </a:p>
           <a:p>
             <a:pPr lvl="3"/>
             <a:r>
-              <a:rPr lang="zh-TW" altLang="en-US" smtClean="0"/>
-              <a:t>第四層</a:t>
+              <a:rPr lang="en-US" altLang="zh-TW" smtClean="0"/>
+              <a:t>Fourth level</a:t>
             </a:r>
           </a:p>
           <a:p>
             <a:pPr lvl="4"/>
             <a:r>
-              <a:rPr lang="zh-TW" altLang="en-US" smtClean="0"/>
-              <a:t>第五層</a:t>
-            </a:r>
-            <a:endParaRPr lang="en-US"/>
-          </a:p>
-        </p:txBody>
-      </p:sp>
-      <p:sp>
-        <p:nvSpPr>
-          <p:cNvPr id="13" name="Title 12"/>
-          <p:cNvSpPr>
-            <a:spLocks noGrp="1"/>
-          </p:cNvSpPr>
-          <p:nvPr>
-            <p:ph type="title"/>
-          </p:nvPr>
-        </p:nvSpPr>
-        <p:spPr/>
-        <p:txBody>
-          <a:bodyPr/>
-          <a:lstStyle/>
-          <a:p>
-            <a:r>
-              <a:rPr lang="zh-TW" altLang="en-US" smtClean="0"/>
-              <a:t>按一下以編輯母片標題樣式</a:t>
-            </a:r>
-            <a:endParaRPr lang="en-US"/>
-          </a:p>
-        </p:txBody>
-      </p:sp>
-      <p:sp>
-        <p:nvSpPr>
-          <p:cNvPr id="14" name="Date Placeholder 13"/>
+              <a:rPr lang="en-US" altLang="zh-TW" smtClean="0"/>
+              <a:t>Fifth level</a:t>
+            </a:r>
+            <a:endParaRPr lang="zh-TW" altLang="en-US"/>
+          </a:p>
+        </p:txBody>
+      </p:sp>
+      <p:sp>
+        <p:nvSpPr>
+          <p:cNvPr id="4" name="日期版面配置區 3"/>
           <p:cNvSpPr>
             <a:spLocks noGrp="1"/>
           </p:cNvSpPr>
@@ -1578,7 +1558,7 @@
             <a:fld id="{6AC36C85-032A-4F88-A352-327B4A999953}" type="datetimeFigureOut">
               <a:rPr lang="zh-TW" altLang="en-US" smtClean="0"/>
               <a:pPr/>
-              <a:t>2013/11/2</a:t>
+              <a:t>2020/5/23</a:t>
             </a:fld>
             <a:endParaRPr lang="zh-TW" altLang="en-US"/>
           </a:p>
@@ -1586,12 +1566,31 @@
       </p:sp>
       <p:sp>
         <p:nvSpPr>
-          <p:cNvPr id="15" name="Slide Number Placeholder 14"/>
-          <p:cNvSpPr>
-            <a:spLocks noGrp="1"/>
-          </p:cNvSpPr>
-          <p:nvPr>
-            <p:ph type="sldNum" sz="quarter" idx="11"/>
+          <p:cNvPr id="5" name="頁尾版面配置區 4"/>
+          <p:cNvSpPr>
+            <a:spLocks noGrp="1"/>
+          </p:cNvSpPr>
+          <p:nvPr>
+            <p:ph type="ftr" sz="quarter" idx="11"/>
+          </p:nvPr>
+        </p:nvSpPr>
+        <p:spPr/>
+        <p:txBody>
+          <a:bodyPr/>
+          <a:lstStyle/>
+          <a:p>
+            <a:endParaRPr lang="zh-TW" altLang="en-US"/>
+          </a:p>
+        </p:txBody>
+      </p:sp>
+      <p:sp>
+        <p:nvSpPr>
+          <p:cNvPr id="6" name="投影片編號版面配置區 5"/>
+          <p:cNvSpPr>
+            <a:spLocks noGrp="1"/>
+          </p:cNvSpPr>
+          <p:nvPr>
+            <p:ph type="sldNum" sz="quarter" idx="12"/>
           </p:nvPr>
         </p:nvSpPr>
         <p:spPr/>
@@ -1608,26 +1607,12 @@
           </a:p>
         </p:txBody>
       </p:sp>
-      <p:sp>
-        <p:nvSpPr>
-          <p:cNvPr id="16" name="Footer Placeholder 15"/>
-          <p:cNvSpPr>
-            <a:spLocks noGrp="1"/>
-          </p:cNvSpPr>
-          <p:nvPr>
-            <p:ph type="ftr" sz="quarter" idx="12"/>
-          </p:nvPr>
-        </p:nvSpPr>
-        <p:spPr/>
-        <p:txBody>
-          <a:bodyPr/>
-          <a:lstStyle/>
-          <a:p>
-            <a:endParaRPr lang="zh-TW" altLang="en-US"/>
-          </a:p>
-        </p:txBody>
-      </p:sp>
     </p:spTree>
+    <p:extLst>
+      <p:ext uri="{BB962C8B-B14F-4D97-AF65-F5344CB8AC3E}">
+        <p14:creationId xmlns:p14="http://schemas.microsoft.com/office/powerpoint/2010/main" val="1919164895"/>
+      </p:ext>
+    </p:extLst>
   </p:cSld>
   <p:clrMapOvr>
     <a:masterClrMapping/>
@@ -1654,55 +1639,39 @@
       </p:grpSpPr>
       <p:sp>
         <p:nvSpPr>
-          <p:cNvPr id="8" name="TextBox 7"/>
-          <p:cNvSpPr txBox="1"/>
-          <p:nvPr/>
+          <p:cNvPr id="2" name="標題 1"/>
+          <p:cNvSpPr>
+            <a:spLocks noGrp="1"/>
+          </p:cNvSpPr>
+          <p:nvPr>
+            <p:ph type="title"/>
+          </p:nvPr>
         </p:nvSpPr>
         <p:spPr>
           <a:xfrm>
-            <a:off x="4267200" y="4074497"/>
-            <a:ext cx="457200" cy="1015663"/>
+            <a:off x="963084" y="4406901"/>
+            <a:ext cx="10363200" cy="1362075"/>
           </a:xfrm>
-          <a:prstGeom prst="rect">
-            <a:avLst/>
-          </a:prstGeom>
-          <a:noFill/>
         </p:spPr>
         <p:txBody>
-          <a:bodyPr wrap="square" lIns="0" tIns="0" rIns="0" bIns="0" rtlCol="0" anchor="t" anchorCtr="0">
-            <a:spAutoFit/>
-          </a:bodyPr>
-          <a:lstStyle/>
-          <a:p>
-            <a:r>
-              <a:rPr lang="en-US" sz="6600" dirty="0" smtClean="0">
-                <a:effectLst>
-                  <a:outerShdw blurRad="38100" dist="38100" dir="2700000" algn="tl">
-                    <a:srgbClr val="000000">
-                      <a:alpha val="43137"/>
-                    </a:srgbClr>
-                  </a:outerShdw>
-                </a:effectLst>
-                <a:latin typeface="+mn-lt"/>
-              </a:rPr>
-              <a:t>{</a:t>
-            </a:r>
-            <a:endParaRPr lang="en-US" sz="6600" dirty="0">
-              <a:effectLst>
-                <a:outerShdw blurRad="38100" dist="38100" dir="2700000" algn="tl">
-                  <a:srgbClr val="000000">
-                    <a:alpha val="43137"/>
-                  </a:srgbClr>
-                </a:outerShdw>
-              </a:effectLst>
-              <a:latin typeface="+mn-lt"/>
-            </a:endParaRPr>
-          </a:p>
-        </p:txBody>
-      </p:sp>
-      <p:sp>
-        <p:nvSpPr>
-          <p:cNvPr id="3" name="Text Placeholder 2"/>
+          <a:bodyPr anchor="t"/>
+          <a:lstStyle>
+            <a:lvl1pPr algn="l">
+              <a:defRPr sz="5333" b="1" cap="all"/>
+            </a:lvl1pPr>
+          </a:lstStyle>
+          <a:p>
+            <a:r>
+              <a:rPr lang="en-US" altLang="zh-TW" smtClean="0"/>
+              <a:t>Click to edit Master title style</a:t>
+            </a:r>
+            <a:endParaRPr lang="zh-TW" altLang="en-US"/>
+          </a:p>
+        </p:txBody>
+      </p:sp>
+      <p:sp>
+        <p:nvSpPr>
+          <p:cNvPr id="3" name="文字版面配置區 2"/>
           <p:cNvSpPr>
             <a:spLocks noGrp="1"/>
           </p:cNvSpPr>
@@ -1712,26 +1681,26 @@
         </p:nvSpPr>
         <p:spPr>
           <a:xfrm>
-            <a:off x="4572000" y="4267368"/>
-            <a:ext cx="3733800" cy="731520"/>
+            <a:off x="963084" y="2906713"/>
+            <a:ext cx="10363200" cy="1500187"/>
           </a:xfrm>
         </p:spPr>
         <p:txBody>
-          <a:bodyPr anchor="ctr">
-            <a:normAutofit/>
-          </a:bodyPr>
+          <a:bodyPr anchor="b"/>
           <a:lstStyle>
             <a:lvl1pPr marL="0" indent="0">
               <a:buNone/>
-              <a:defRPr sz="1800">
+              <a:defRPr sz="2667">
                 <a:solidFill>
-                  <a:schemeClr val="tx1"/>
+                  <a:schemeClr val="tx1">
+                    <a:tint val="75000"/>
+                  </a:schemeClr>
                 </a:solidFill>
               </a:defRPr>
             </a:lvl1pPr>
-            <a:lvl2pPr marL="457200" indent="0">
-              <a:buNone/>
-              <a:defRPr sz="1800">
+            <a:lvl2pPr marL="609585" indent="0">
+              <a:buNone/>
+              <a:defRPr sz="2400">
                 <a:solidFill>
                   <a:schemeClr val="tx1">
                     <a:tint val="75000"/>
@@ -1739,9 +1708,9 @@
                 </a:solidFill>
               </a:defRPr>
             </a:lvl2pPr>
-            <a:lvl3pPr marL="914400" indent="0">
-              <a:buNone/>
-              <a:defRPr sz="1600">
+            <a:lvl3pPr marL="1219170" indent="0">
+              <a:buNone/>
+              <a:defRPr sz="2133">
                 <a:solidFill>
                   <a:schemeClr val="tx1">
                     <a:tint val="75000"/>
@@ -1749,9 +1718,9 @@
                 </a:solidFill>
               </a:defRPr>
             </a:lvl3pPr>
-            <a:lvl4pPr marL="1371600" indent="0">
-              <a:buNone/>
-              <a:defRPr sz="1400">
+            <a:lvl4pPr marL="1828754" indent="0">
+              <a:buNone/>
+              <a:defRPr sz="1867">
                 <a:solidFill>
                   <a:schemeClr val="tx1">
                     <a:tint val="75000"/>
@@ -1759,9 +1728,9 @@
                 </a:solidFill>
               </a:defRPr>
             </a:lvl4pPr>
-            <a:lvl5pPr marL="1828800" indent="0">
-              <a:buNone/>
-              <a:defRPr sz="1400">
+            <a:lvl5pPr marL="2438339" indent="0">
+              <a:buNone/>
+              <a:defRPr sz="1867">
                 <a:solidFill>
                   <a:schemeClr val="tx1">
                     <a:tint val="75000"/>
@@ -1769,9 +1738,9 @@
                 </a:solidFill>
               </a:defRPr>
             </a:lvl5pPr>
-            <a:lvl6pPr marL="2286000" indent="0">
-              <a:buNone/>
-              <a:defRPr sz="1400">
+            <a:lvl6pPr marL="3047924" indent="0">
+              <a:buNone/>
+              <a:defRPr sz="1867">
                 <a:solidFill>
                   <a:schemeClr val="tx1">
                     <a:tint val="75000"/>
@@ -1779,9 +1748,9 @@
                 </a:solidFill>
               </a:defRPr>
             </a:lvl6pPr>
-            <a:lvl7pPr marL="2743200" indent="0">
-              <a:buNone/>
-              <a:defRPr sz="1400">
+            <a:lvl7pPr marL="3657509" indent="0">
+              <a:buNone/>
+              <a:defRPr sz="1867">
                 <a:solidFill>
                   <a:schemeClr val="tx1">
                     <a:tint val="75000"/>
@@ -1789,9 +1758,9 @@
                 </a:solidFill>
               </a:defRPr>
             </a:lvl7pPr>
-            <a:lvl8pPr marL="3200400" indent="0">
-              <a:buNone/>
-              <a:defRPr sz="1400">
+            <a:lvl8pPr marL="4267093" indent="0">
+              <a:buNone/>
+              <a:defRPr sz="1867">
                 <a:solidFill>
                   <a:schemeClr val="tx1">
                     <a:tint val="75000"/>
@@ -1799,9 +1768,9 @@
                 </a:solidFill>
               </a:defRPr>
             </a:lvl8pPr>
-            <a:lvl9pPr marL="3657600" indent="0">
-              <a:buNone/>
-              <a:defRPr sz="1400">
+            <a:lvl9pPr marL="4876678" indent="0">
+              <a:buNone/>
+              <a:defRPr sz="1867">
                 <a:solidFill>
                   <a:schemeClr val="tx1">
                     <a:tint val="75000"/>
@@ -1813,15 +1782,15 @@
           <a:p>
             <a:pPr lvl="0"/>
             <a:r>
-              <a:rPr lang="zh-TW" altLang="en-US" smtClean="0"/>
-              <a:t>按一下以編輯母片文字樣式</a:t>
-            </a:r>
-          </a:p>
-        </p:txBody>
-      </p:sp>
-      <p:sp>
-        <p:nvSpPr>
-          <p:cNvPr id="12" name="Date Placeholder 11"/>
+              <a:rPr lang="en-US" altLang="zh-TW" smtClean="0"/>
+              <a:t>Edit Master text styles</a:t>
+            </a:r>
+          </a:p>
+        </p:txBody>
+      </p:sp>
+      <p:sp>
+        <p:nvSpPr>
+          <p:cNvPr id="4" name="日期版面配置區 3"/>
           <p:cNvSpPr>
             <a:spLocks noGrp="1"/>
           </p:cNvSpPr>
@@ -1837,7 +1806,7 @@
             <a:fld id="{6AC36C85-032A-4F88-A352-327B4A999953}" type="datetimeFigureOut">
               <a:rPr lang="zh-TW" altLang="en-US" smtClean="0"/>
               <a:pPr/>
-              <a:t>2013/11/2</a:t>
+              <a:t>2020/5/23</a:t>
             </a:fld>
             <a:endParaRPr lang="zh-TW" altLang="en-US"/>
           </a:p>
@@ -1845,12 +1814,31 @@
       </p:sp>
       <p:sp>
         <p:nvSpPr>
-          <p:cNvPr id="13" name="Slide Number Placeholder 12"/>
-          <p:cNvSpPr>
-            <a:spLocks noGrp="1"/>
-          </p:cNvSpPr>
-          <p:nvPr>
-            <p:ph type="sldNum" sz="quarter" idx="11"/>
+          <p:cNvPr id="5" name="頁尾版面配置區 4"/>
+          <p:cNvSpPr>
+            <a:spLocks noGrp="1"/>
+          </p:cNvSpPr>
+          <p:nvPr>
+            <p:ph type="ftr" sz="quarter" idx="11"/>
+          </p:nvPr>
+        </p:nvSpPr>
+        <p:spPr/>
+        <p:txBody>
+          <a:bodyPr/>
+          <a:lstStyle/>
+          <a:p>
+            <a:endParaRPr lang="zh-TW" altLang="en-US"/>
+          </a:p>
+        </p:txBody>
+      </p:sp>
+      <p:sp>
+        <p:nvSpPr>
+          <p:cNvPr id="6" name="投影片編號版面配置區 5"/>
+          <p:cNvSpPr>
+            <a:spLocks noGrp="1"/>
+          </p:cNvSpPr>
+          <p:nvPr>
+            <p:ph type="sldNum" sz="quarter" idx="12"/>
           </p:nvPr>
         </p:nvSpPr>
         <p:spPr/>
@@ -1867,76 +1855,12 @@
           </a:p>
         </p:txBody>
       </p:sp>
-      <p:sp>
-        <p:nvSpPr>
-          <p:cNvPr id="14" name="Footer Placeholder 13"/>
-          <p:cNvSpPr>
-            <a:spLocks noGrp="1"/>
-          </p:cNvSpPr>
-          <p:nvPr>
-            <p:ph type="ftr" sz="quarter" idx="12"/>
-          </p:nvPr>
-        </p:nvSpPr>
-        <p:spPr/>
-        <p:txBody>
-          <a:bodyPr/>
-          <a:lstStyle/>
-          <a:p>
-            <a:endParaRPr lang="zh-TW" altLang="en-US"/>
-          </a:p>
-        </p:txBody>
-      </p:sp>
-      <p:sp>
-        <p:nvSpPr>
-          <p:cNvPr id="4" name="Title 3"/>
-          <p:cNvSpPr>
-            <a:spLocks noGrp="1"/>
-          </p:cNvSpPr>
-          <p:nvPr>
-            <p:ph type="title"/>
-          </p:nvPr>
-        </p:nvSpPr>
-        <p:spPr>
-          <a:xfrm>
-            <a:off x="2286000" y="1905000"/>
-            <a:ext cx="6035040" cy="2350008"/>
-          </a:xfrm>
-        </p:spPr>
-        <p:txBody>
-          <a:bodyPr/>
-          <a:lstStyle>
-            <a:lvl1pPr marL="0" algn="l" defTabSz="914400" rtl="0" eaLnBrk="1" latinLnBrk="0" hangingPunct="1">
-              <a:spcBef>
-                <a:spcPct val="0"/>
-              </a:spcBef>
-              <a:buNone/>
-              <a:defRPr lang="en-US" sz="5400" b="0" kern="1200" cap="none" dirty="0" smtClean="0">
-                <a:solidFill>
-                  <a:schemeClr val="tx1"/>
-                </a:solidFill>
-                <a:effectLst>
-                  <a:outerShdw blurRad="38100" dist="38100" dir="2700000" algn="tl">
-                    <a:srgbClr val="000000">
-                      <a:alpha val="43137"/>
-                    </a:srgbClr>
-                  </a:outerShdw>
-                </a:effectLst>
-                <a:latin typeface="+mj-lt"/>
-                <a:ea typeface="+mj-ea"/>
-                <a:cs typeface="+mj-cs"/>
-              </a:defRPr>
-            </a:lvl1pPr>
-          </a:lstStyle>
-          <a:p>
-            <a:r>
-              <a:rPr lang="zh-TW" altLang="en-US" smtClean="0"/>
-              <a:t>按一下以編輯母片標題樣式</a:t>
-            </a:r>
-            <a:endParaRPr lang="en-US" dirty="0"/>
-          </a:p>
-        </p:txBody>
-      </p:sp>
     </p:spTree>
+    <p:extLst>
+      <p:ext uri="{BB962C8B-B14F-4D97-AF65-F5344CB8AC3E}">
+        <p14:creationId xmlns:p14="http://schemas.microsoft.com/office/powerpoint/2010/main" val="2431590232"/>
+      </p:ext>
+    </p:extLst>
   </p:cSld>
   <p:clrMapOvr>
     <a:masterClrMapping/>
@@ -1963,7 +1887,200 @@
       </p:grpSpPr>
       <p:sp>
         <p:nvSpPr>
-          <p:cNvPr id="8" name="Date Placeholder 7"/>
+          <p:cNvPr id="2" name="標題 1"/>
+          <p:cNvSpPr>
+            <a:spLocks noGrp="1"/>
+          </p:cNvSpPr>
+          <p:nvPr>
+            <p:ph type="title"/>
+          </p:nvPr>
+        </p:nvSpPr>
+        <p:spPr/>
+        <p:txBody>
+          <a:bodyPr/>
+          <a:lstStyle/>
+          <a:p>
+            <a:r>
+              <a:rPr lang="en-US" altLang="zh-TW" smtClean="0"/>
+              <a:t>Click to edit Master title style</a:t>
+            </a:r>
+            <a:endParaRPr lang="zh-TW" altLang="en-US"/>
+          </a:p>
+        </p:txBody>
+      </p:sp>
+      <p:sp>
+        <p:nvSpPr>
+          <p:cNvPr id="3" name="內容版面配置區 2"/>
+          <p:cNvSpPr>
+            <a:spLocks noGrp="1"/>
+          </p:cNvSpPr>
+          <p:nvPr>
+            <p:ph sz="half" idx="1"/>
+          </p:nvPr>
+        </p:nvSpPr>
+        <p:spPr>
+          <a:xfrm>
+            <a:off x="609600" y="1600201"/>
+            <a:ext cx="5384800" cy="4525963"/>
+          </a:xfrm>
+        </p:spPr>
+        <p:txBody>
+          <a:bodyPr/>
+          <a:lstStyle>
+            <a:lvl1pPr>
+              <a:defRPr sz="3733"/>
+            </a:lvl1pPr>
+            <a:lvl2pPr>
+              <a:defRPr sz="3200"/>
+            </a:lvl2pPr>
+            <a:lvl3pPr>
+              <a:defRPr sz="2667"/>
+            </a:lvl3pPr>
+            <a:lvl4pPr>
+              <a:defRPr sz="2400"/>
+            </a:lvl4pPr>
+            <a:lvl5pPr>
+              <a:defRPr sz="2400"/>
+            </a:lvl5pPr>
+            <a:lvl6pPr>
+              <a:defRPr sz="2400"/>
+            </a:lvl6pPr>
+            <a:lvl7pPr>
+              <a:defRPr sz="2400"/>
+            </a:lvl7pPr>
+            <a:lvl8pPr>
+              <a:defRPr sz="2400"/>
+            </a:lvl8pPr>
+            <a:lvl9pPr>
+              <a:defRPr sz="2400"/>
+            </a:lvl9pPr>
+          </a:lstStyle>
+          <a:p>
+            <a:pPr lvl="0"/>
+            <a:r>
+              <a:rPr lang="en-US" altLang="zh-TW" smtClean="0"/>
+              <a:t>Edit Master text styles</a:t>
+            </a:r>
+          </a:p>
+          <a:p>
+            <a:pPr lvl="1"/>
+            <a:r>
+              <a:rPr lang="en-US" altLang="zh-TW" smtClean="0"/>
+              <a:t>Second level</a:t>
+            </a:r>
+          </a:p>
+          <a:p>
+            <a:pPr lvl="2"/>
+            <a:r>
+              <a:rPr lang="en-US" altLang="zh-TW" smtClean="0"/>
+              <a:t>Third level</a:t>
+            </a:r>
+          </a:p>
+          <a:p>
+            <a:pPr lvl="3"/>
+            <a:r>
+              <a:rPr lang="en-US" altLang="zh-TW" smtClean="0"/>
+              <a:t>Fourth level</a:t>
+            </a:r>
+          </a:p>
+          <a:p>
+            <a:pPr lvl="4"/>
+            <a:r>
+              <a:rPr lang="en-US" altLang="zh-TW" smtClean="0"/>
+              <a:t>Fifth level</a:t>
+            </a:r>
+            <a:endParaRPr lang="zh-TW" altLang="en-US"/>
+          </a:p>
+        </p:txBody>
+      </p:sp>
+      <p:sp>
+        <p:nvSpPr>
+          <p:cNvPr id="4" name="內容版面配置區 3"/>
+          <p:cNvSpPr>
+            <a:spLocks noGrp="1"/>
+          </p:cNvSpPr>
+          <p:nvPr>
+            <p:ph sz="half" idx="2"/>
+          </p:nvPr>
+        </p:nvSpPr>
+        <p:spPr>
+          <a:xfrm>
+            <a:off x="6197600" y="1600201"/>
+            <a:ext cx="5384800" cy="4525963"/>
+          </a:xfrm>
+        </p:spPr>
+        <p:txBody>
+          <a:bodyPr/>
+          <a:lstStyle>
+            <a:lvl1pPr>
+              <a:defRPr sz="3733"/>
+            </a:lvl1pPr>
+            <a:lvl2pPr>
+              <a:defRPr sz="3200"/>
+            </a:lvl2pPr>
+            <a:lvl3pPr>
+              <a:defRPr sz="2667"/>
+            </a:lvl3pPr>
+            <a:lvl4pPr>
+              <a:defRPr sz="2400"/>
+            </a:lvl4pPr>
+            <a:lvl5pPr>
+              <a:defRPr sz="2400"/>
+            </a:lvl5pPr>
+            <a:lvl6pPr>
+              <a:defRPr sz="2400"/>
+            </a:lvl6pPr>
+            <a:lvl7pPr>
+              <a:defRPr sz="2400"/>
+            </a:lvl7pPr>
+            <a:lvl8pPr>
+              <a:defRPr sz="2400"/>
+            </a:lvl8pPr>
+            <a:lvl9pPr>
+              <a:defRPr sz="2400"/>
+            </a:lvl9pPr>
+          </a:lstStyle>
+          <a:p>
+            <a:pPr lvl="0"/>
+            <a:r>
+              <a:rPr lang="en-US" altLang="zh-TW" smtClean="0"/>
+              <a:t>Edit Master text styles</a:t>
+            </a:r>
+          </a:p>
+          <a:p>
+            <a:pPr lvl="1"/>
+            <a:r>
+              <a:rPr lang="en-US" altLang="zh-TW" smtClean="0"/>
+              <a:t>Second level</a:t>
+            </a:r>
+          </a:p>
+          <a:p>
+            <a:pPr lvl="2"/>
+            <a:r>
+              <a:rPr lang="en-US" altLang="zh-TW" smtClean="0"/>
+              <a:t>Third level</a:t>
+            </a:r>
+          </a:p>
+          <a:p>
+            <a:pPr lvl="3"/>
+            <a:r>
+              <a:rPr lang="en-US" altLang="zh-TW" smtClean="0"/>
+              <a:t>Fourth level</a:t>
+            </a:r>
+          </a:p>
+          <a:p>
+            <a:pPr lvl="4"/>
+            <a:r>
+              <a:rPr lang="en-US" altLang="zh-TW" smtClean="0"/>
+              <a:t>Fifth level</a:t>
+            </a:r>
+            <a:endParaRPr lang="zh-TW" altLang="en-US"/>
+          </a:p>
+        </p:txBody>
+      </p:sp>
+      <p:sp>
+        <p:nvSpPr>
+          <p:cNvPr id="5" name="日期版面配置區 4"/>
           <p:cNvSpPr>
             <a:spLocks noGrp="1"/>
           </p:cNvSpPr>
@@ -1979,7 +2096,7 @@
             <a:fld id="{6AC36C85-032A-4F88-A352-327B4A999953}" type="datetimeFigureOut">
               <a:rPr lang="zh-TW" altLang="en-US" smtClean="0"/>
               <a:pPr/>
-              <a:t>2013/11/2</a:t>
+              <a:t>2020/5/23</a:t>
             </a:fld>
             <a:endParaRPr lang="zh-TW" altLang="en-US"/>
           </a:p>
@@ -1987,12 +2104,31 @@
       </p:sp>
       <p:sp>
         <p:nvSpPr>
-          <p:cNvPr id="9" name="Slide Number Placeholder 8"/>
-          <p:cNvSpPr>
-            <a:spLocks noGrp="1"/>
-          </p:cNvSpPr>
-          <p:nvPr>
-            <p:ph type="sldNum" sz="quarter" idx="11"/>
+          <p:cNvPr id="6" name="頁尾版面配置區 5"/>
+          <p:cNvSpPr>
+            <a:spLocks noGrp="1"/>
+          </p:cNvSpPr>
+          <p:nvPr>
+            <p:ph type="ftr" sz="quarter" idx="11"/>
+          </p:nvPr>
+        </p:nvSpPr>
+        <p:spPr/>
+        <p:txBody>
+          <a:bodyPr/>
+          <a:lstStyle/>
+          <a:p>
+            <a:endParaRPr lang="zh-TW" altLang="en-US"/>
+          </a:p>
+        </p:txBody>
+      </p:sp>
+      <p:sp>
+        <p:nvSpPr>
+          <p:cNvPr id="7" name="投影片編號版面配置區 6"/>
+          <p:cNvSpPr>
+            <a:spLocks noGrp="1"/>
+          </p:cNvSpPr>
+          <p:nvPr>
+            <p:ph type="sldNum" sz="quarter" idx="12"/>
           </p:nvPr>
         </p:nvSpPr>
         <p:spPr/>
@@ -2009,163 +2145,12 @@
           </a:p>
         </p:txBody>
       </p:sp>
-      <p:sp>
-        <p:nvSpPr>
-          <p:cNvPr id="10" name="Footer Placeholder 9"/>
-          <p:cNvSpPr>
-            <a:spLocks noGrp="1"/>
-          </p:cNvSpPr>
-          <p:nvPr>
-            <p:ph type="ftr" sz="quarter" idx="12"/>
-          </p:nvPr>
-        </p:nvSpPr>
-        <p:spPr/>
-        <p:txBody>
-          <a:bodyPr/>
-          <a:lstStyle/>
-          <a:p>
-            <a:endParaRPr lang="zh-TW" altLang="en-US"/>
-          </a:p>
-        </p:txBody>
-      </p:sp>
-      <p:sp>
-        <p:nvSpPr>
-          <p:cNvPr id="11" name="Title 10"/>
-          <p:cNvSpPr>
-            <a:spLocks noGrp="1"/>
-          </p:cNvSpPr>
-          <p:nvPr>
-            <p:ph type="title"/>
-          </p:nvPr>
-        </p:nvSpPr>
-        <p:spPr/>
-        <p:txBody>
-          <a:bodyPr/>
-          <a:lstStyle/>
-          <a:p>
-            <a:r>
-              <a:rPr lang="zh-TW" altLang="en-US" smtClean="0"/>
-              <a:t>按一下以編輯母片標題樣式</a:t>
-            </a:r>
-            <a:endParaRPr lang="en-US" dirty="0"/>
-          </a:p>
-        </p:txBody>
-      </p:sp>
-      <p:sp>
-        <p:nvSpPr>
-          <p:cNvPr id="5" name="Content Placeholder 4"/>
-          <p:cNvSpPr>
-            <a:spLocks noGrp="1"/>
-          </p:cNvSpPr>
-          <p:nvPr>
-            <p:ph sz="quarter" idx="13"/>
-          </p:nvPr>
-        </p:nvSpPr>
-        <p:spPr>
-          <a:xfrm>
-            <a:off x="1344168" y="658368"/>
-            <a:ext cx="3273552" cy="3429000"/>
-          </a:xfrm>
-        </p:spPr>
-        <p:txBody>
-          <a:bodyPr/>
-          <a:lstStyle/>
-          <a:p>
-            <a:pPr lvl="0"/>
-            <a:r>
-              <a:rPr lang="zh-TW" altLang="en-US" smtClean="0"/>
-              <a:t>按一下以編輯母片文字樣式</a:t>
-            </a:r>
-          </a:p>
-          <a:p>
-            <a:pPr lvl="1"/>
-            <a:r>
-              <a:rPr lang="zh-TW" altLang="en-US" smtClean="0"/>
-              <a:t>第二層</a:t>
-            </a:r>
-          </a:p>
-          <a:p>
-            <a:pPr lvl="2"/>
-            <a:r>
-              <a:rPr lang="zh-TW" altLang="en-US" smtClean="0"/>
-              <a:t>第三層</a:t>
-            </a:r>
-          </a:p>
-          <a:p>
-            <a:pPr lvl="3"/>
-            <a:r>
-              <a:rPr lang="zh-TW" altLang="en-US" smtClean="0"/>
-              <a:t>第四層</a:t>
-            </a:r>
-          </a:p>
-          <a:p>
-            <a:pPr lvl="4"/>
-            <a:r>
-              <a:rPr lang="zh-TW" altLang="en-US" smtClean="0"/>
-              <a:t>第五層</a:t>
-            </a:r>
-            <a:endParaRPr lang="en-US" dirty="0"/>
-          </a:p>
-        </p:txBody>
-      </p:sp>
-      <p:sp>
-        <p:nvSpPr>
-          <p:cNvPr id="7" name="Content Placeholder 6"/>
-          <p:cNvSpPr>
-            <a:spLocks noGrp="1"/>
-          </p:cNvSpPr>
-          <p:nvPr>
-            <p:ph sz="quarter" idx="14"/>
-          </p:nvPr>
-        </p:nvSpPr>
-        <p:spPr>
-          <a:xfrm>
-            <a:off x="5029200" y="658368"/>
-            <a:ext cx="3273552" cy="3432175"/>
-          </a:xfrm>
-        </p:spPr>
-        <p:txBody>
-          <a:bodyPr/>
-          <a:lstStyle/>
-          <a:p>
-            <a:pPr lvl="0"/>
-            <a:r>
-              <a:rPr lang="zh-TW" altLang="en-US" smtClean="0"/>
-              <a:t>按一下以編輯母片文字樣式</a:t>
-            </a:r>
-          </a:p>
-          <a:p>
-            <a:pPr lvl="1"/>
-            <a:r>
-              <a:rPr lang="zh-TW" altLang="en-US" smtClean="0"/>
-              <a:t>第二層</a:t>
-            </a:r>
-          </a:p>
-          <a:p>
-            <a:pPr lvl="2"/>
-            <a:r>
-              <a:rPr lang="zh-TW" altLang="en-US" smtClean="0"/>
-              <a:t>第三層</a:t>
-            </a:r>
-          </a:p>
-          <a:p>
-            <a:pPr lvl="3"/>
-            <a:r>
-              <a:rPr lang="zh-TW" altLang="en-US" smtClean="0"/>
-              <a:t>第四層</a:t>
-            </a:r>
-          </a:p>
-          <a:p>
-            <a:pPr lvl="4"/>
-            <a:r>
-              <a:rPr lang="zh-TW" altLang="en-US" smtClean="0"/>
-              <a:t>第五層</a:t>
-            </a:r>
-            <a:endParaRPr lang="en-US"/>
-          </a:p>
-        </p:txBody>
-      </p:sp>
     </p:spTree>
+    <p:extLst>
+      <p:ext uri="{BB962C8B-B14F-4D97-AF65-F5344CB8AC3E}">
+        <p14:creationId xmlns:p14="http://schemas.microsoft.com/office/powerpoint/2010/main" val="1571976487"/>
+      </p:ext>
+    </p:extLst>
   </p:cSld>
   <p:clrMapOvr>
     <a:masterClrMapping/>
@@ -2192,7 +2177,34 @@
       </p:grpSpPr>
       <p:sp>
         <p:nvSpPr>
-          <p:cNvPr id="3" name="Text Placeholder 2"/>
+          <p:cNvPr id="2" name="標題 1"/>
+          <p:cNvSpPr>
+            <a:spLocks noGrp="1"/>
+          </p:cNvSpPr>
+          <p:nvPr>
+            <p:ph type="title"/>
+          </p:nvPr>
+        </p:nvSpPr>
+        <p:spPr/>
+        <p:txBody>
+          <a:bodyPr/>
+          <a:lstStyle>
+            <a:lvl1pPr>
+              <a:defRPr/>
+            </a:lvl1pPr>
+          </a:lstStyle>
+          <a:p>
+            <a:r>
+              <a:rPr lang="en-US" altLang="zh-TW" smtClean="0"/>
+              <a:t>Click to edit Master title style</a:t>
+            </a:r>
+            <a:endParaRPr lang="zh-TW" altLang="en-US"/>
+          </a:p>
+        </p:txBody>
+      </p:sp>
+      <p:sp>
+        <p:nvSpPr>
+          <p:cNvPr id="3" name="文字版面配置區 2"/>
           <p:cNvSpPr>
             <a:spLocks noGrp="1"/>
           </p:cNvSpPr>
@@ -2202,64 +2214,62 @@
         </p:nvSpPr>
         <p:spPr>
           <a:xfrm>
-            <a:off x="1341120" y="661976"/>
-            <a:ext cx="3273552" cy="639762"/>
+            <a:off x="609600" y="1535113"/>
+            <a:ext cx="5386917" cy="639763"/>
           </a:xfrm>
         </p:spPr>
         <p:txBody>
-          <a:bodyPr anchor="ctr">
-            <a:noAutofit/>
-          </a:bodyPr>
+          <a:bodyPr anchor="b"/>
           <a:lstStyle>
             <a:lvl1pPr marL="0" indent="0">
               <a:buNone/>
-              <a:defRPr sz="2200" b="0"/>
+              <a:defRPr sz="3200" b="1"/>
             </a:lvl1pPr>
-            <a:lvl2pPr marL="457200" indent="0">
-              <a:buNone/>
-              <a:defRPr sz="2000" b="1"/>
+            <a:lvl2pPr marL="609585" indent="0">
+              <a:buNone/>
+              <a:defRPr sz="2667" b="1"/>
             </a:lvl2pPr>
-            <a:lvl3pPr marL="914400" indent="0">
-              <a:buNone/>
-              <a:defRPr sz="1800" b="1"/>
+            <a:lvl3pPr marL="1219170" indent="0">
+              <a:buNone/>
+              <a:defRPr sz="2400" b="1"/>
             </a:lvl3pPr>
-            <a:lvl4pPr marL="1371600" indent="0">
-              <a:buNone/>
-              <a:defRPr sz="1600" b="1"/>
+            <a:lvl4pPr marL="1828754" indent="0">
+              <a:buNone/>
+              <a:defRPr sz="2133" b="1"/>
             </a:lvl4pPr>
-            <a:lvl5pPr marL="1828800" indent="0">
-              <a:buNone/>
-              <a:defRPr sz="1600" b="1"/>
+            <a:lvl5pPr marL="2438339" indent="0">
+              <a:buNone/>
+              <a:defRPr sz="2133" b="1"/>
             </a:lvl5pPr>
-            <a:lvl6pPr marL="2286000" indent="0">
-              <a:buNone/>
-              <a:defRPr sz="1600" b="1"/>
+            <a:lvl6pPr marL="3047924" indent="0">
+              <a:buNone/>
+              <a:defRPr sz="2133" b="1"/>
             </a:lvl6pPr>
-            <a:lvl7pPr marL="2743200" indent="0">
-              <a:buNone/>
-              <a:defRPr sz="1600" b="1"/>
+            <a:lvl7pPr marL="3657509" indent="0">
+              <a:buNone/>
+              <a:defRPr sz="2133" b="1"/>
             </a:lvl7pPr>
-            <a:lvl8pPr marL="3200400" indent="0">
-              <a:buNone/>
-              <a:defRPr sz="1600" b="1"/>
+            <a:lvl8pPr marL="4267093" indent="0">
+              <a:buNone/>
+              <a:defRPr sz="2133" b="1"/>
             </a:lvl8pPr>
-            <a:lvl9pPr marL="3657600" indent="0">
-              <a:buNone/>
-              <a:defRPr sz="1600" b="1"/>
+            <a:lvl9pPr marL="4876678" indent="0">
+              <a:buNone/>
+              <a:defRPr sz="2133" b="1"/>
             </a:lvl9pPr>
           </a:lstStyle>
           <a:p>
             <a:pPr lvl="0"/>
             <a:r>
-              <a:rPr lang="zh-TW" altLang="en-US" smtClean="0"/>
-              <a:t>按一下以編輯母片文字樣式</a:t>
-            </a:r>
-          </a:p>
-        </p:txBody>
-      </p:sp>
-      <p:sp>
-        <p:nvSpPr>
-          <p:cNvPr id="4" name="Content Placeholder 3"/>
+              <a:rPr lang="en-US" altLang="zh-TW" smtClean="0"/>
+              <a:t>Edit Master text styles</a:t>
+            </a:r>
+          </a:p>
+        </p:txBody>
+      </p:sp>
+      <p:sp>
+        <p:nvSpPr>
+          <p:cNvPr id="4" name="內容版面配置區 3"/>
           <p:cNvSpPr>
             <a:spLocks noGrp="1"/>
           </p:cNvSpPr>
@@ -2269,82 +2279,82 @@
         </p:nvSpPr>
         <p:spPr>
           <a:xfrm>
-            <a:off x="1344168" y="1371600"/>
-            <a:ext cx="3276600" cy="2743200"/>
+            <a:off x="609600" y="2174875"/>
+            <a:ext cx="5386917" cy="3951288"/>
           </a:xfrm>
         </p:spPr>
         <p:txBody>
-          <a:bodyPr anchor="t"/>
+          <a:bodyPr/>
           <a:lstStyle>
             <a:lvl1pPr>
-              <a:defRPr sz="2400"/>
+              <a:defRPr sz="3200"/>
             </a:lvl1pPr>
             <a:lvl2pPr>
-              <a:defRPr sz="2000"/>
+              <a:defRPr sz="2667"/>
             </a:lvl2pPr>
             <a:lvl3pPr>
-              <a:defRPr sz="1800"/>
+              <a:defRPr sz="2400"/>
             </a:lvl3pPr>
             <a:lvl4pPr>
-              <a:defRPr sz="1600"/>
+              <a:defRPr sz="2133"/>
             </a:lvl4pPr>
             <a:lvl5pPr>
-              <a:defRPr sz="1600"/>
+              <a:defRPr sz="2133"/>
             </a:lvl5pPr>
             <a:lvl6pPr>
-              <a:defRPr sz="1600"/>
+              <a:defRPr sz="2133"/>
             </a:lvl6pPr>
             <a:lvl7pPr>
-              <a:defRPr sz="1600"/>
+              <a:defRPr sz="2133"/>
             </a:lvl7pPr>
             <a:lvl8pPr>
-              <a:defRPr sz="1600"/>
+              <a:defRPr sz="2133"/>
             </a:lvl8pPr>
             <a:lvl9pPr>
-              <a:defRPr sz="1600"/>
+              <a:defRPr sz="2133"/>
             </a:lvl9pPr>
           </a:lstStyle>
           <a:p>
             <a:pPr lvl="0"/>
             <a:r>
-              <a:rPr lang="zh-TW" altLang="en-US" smtClean="0"/>
-              <a:t>按一下以編輯母片文字樣式</a:t>
+              <a:rPr lang="en-US" altLang="zh-TW" smtClean="0"/>
+              <a:t>Edit Master text styles</a:t>
             </a:r>
           </a:p>
           <a:p>
             <a:pPr lvl="1"/>
             <a:r>
-              <a:rPr lang="zh-TW" altLang="en-US" smtClean="0"/>
-              <a:t>第二層</a:t>
+              <a:rPr lang="en-US" altLang="zh-TW" smtClean="0"/>
+              <a:t>Second level</a:t>
             </a:r>
           </a:p>
           <a:p>
             <a:pPr lvl="2"/>
             <a:r>
-              <a:rPr lang="zh-TW" altLang="en-US" smtClean="0"/>
-              <a:t>第三層</a:t>
+              <a:rPr lang="en-US" altLang="zh-TW" smtClean="0"/>
+              <a:t>Third level</a:t>
             </a:r>
           </a:p>
           <a:p>
             <a:pPr lvl="3"/>
             <a:r>
-              <a:rPr lang="zh-TW" altLang="en-US" smtClean="0"/>
-              <a:t>第四層</a:t>
+              <a:rPr lang="en-US" altLang="zh-TW" smtClean="0"/>
+              <a:t>Fourth level</a:t>
             </a:r>
           </a:p>
           <a:p>
             <a:pPr lvl="4"/>
             <a:r>
-              <a:rPr lang="zh-TW" altLang="en-US" smtClean="0"/>
-              <a:t>第五層</a:t>
-            </a:r>
-            <a:endParaRPr lang="en-US" dirty="0"/>
-          </a:p>
-        </p:txBody>
-      </p:sp>
-      <p:sp>
-        <p:nvSpPr>
-          <p:cNvPr id="5" name="Text Placeholder 4"/>
+              <a:rPr lang="en-US" altLang="zh-TW" smtClean="0"/>
+              <a:t>Fifth level</a:t>
+            </a:r>
+            <a:endParaRPr lang="zh-TW" altLang="en-US"/>
+          </a:p>
+        </p:txBody>
+      </p:sp>
+      <p:sp>
+        <p:nvSpPr>
+          <p:cNvPr id="5" name="文字版面配置區 4"/>
           <p:cNvSpPr>
             <a:spLocks noGrp="1"/>
           </p:cNvSpPr>
@@ -2354,64 +2364,62 @@
         </p:nvSpPr>
         <p:spPr>
           <a:xfrm>
-            <a:off x="5029200" y="661976"/>
-            <a:ext cx="3273552" cy="639762"/>
+            <a:off x="6193369" y="1535113"/>
+            <a:ext cx="5389033" cy="639763"/>
           </a:xfrm>
         </p:spPr>
         <p:txBody>
-          <a:bodyPr anchor="ctr">
-            <a:noAutofit/>
-          </a:bodyPr>
+          <a:bodyPr anchor="b"/>
           <a:lstStyle>
             <a:lvl1pPr marL="0" indent="0">
               <a:buNone/>
-              <a:defRPr sz="2200" b="0"/>
+              <a:defRPr sz="3200" b="1"/>
             </a:lvl1pPr>
-            <a:lvl2pPr marL="457200" indent="0">
-              <a:buNone/>
-              <a:defRPr sz="2000" b="1"/>
+            <a:lvl2pPr marL="609585" indent="0">
+              <a:buNone/>
+              <a:defRPr sz="2667" b="1"/>
             </a:lvl2pPr>
-            <a:lvl3pPr marL="914400" indent="0">
-              <a:buNone/>
-              <a:defRPr sz="1800" b="1"/>
+            <a:lvl3pPr marL="1219170" indent="0">
+              <a:buNone/>
+              <a:defRPr sz="2400" b="1"/>
             </a:lvl3pPr>
-            <a:lvl4pPr marL="1371600" indent="0">
-              <a:buNone/>
-              <a:defRPr sz="1600" b="1"/>
+            <a:lvl4pPr marL="1828754" indent="0">
+              <a:buNone/>
+              <a:defRPr sz="2133" b="1"/>
             </a:lvl4pPr>
-            <a:lvl5pPr marL="1828800" indent="0">
-              <a:buNone/>
-              <a:defRPr sz="1600" b="1"/>
+            <a:lvl5pPr marL="2438339" indent="0">
+              <a:buNone/>
+              <a:defRPr sz="2133" b="1"/>
             </a:lvl5pPr>
-            <a:lvl6pPr marL="2286000" indent="0">
-              <a:buNone/>
-              <a:defRPr sz="1600" b="1"/>
+            <a:lvl6pPr marL="3047924" indent="0">
+              <a:buNone/>
+              <a:defRPr sz="2133" b="1"/>
             </a:lvl6pPr>
-            <a:lvl7pPr marL="2743200" indent="0">
-              <a:buNone/>
-              <a:defRPr sz="1600" b="1"/>
+            <a:lvl7pPr marL="3657509" indent="0">
+              <a:buNone/>
+              <a:defRPr sz="2133" b="1"/>
             </a:lvl7pPr>
-            <a:lvl8pPr marL="3200400" indent="0">
-              <a:buNone/>
-              <a:defRPr sz="1600" b="1"/>
+            <a:lvl8pPr marL="4267093" indent="0">
+              <a:buNone/>
+              <a:defRPr sz="2133" b="1"/>
             </a:lvl8pPr>
-            <a:lvl9pPr marL="3657600" indent="0">
-              <a:buNone/>
-              <a:defRPr sz="1600" b="1"/>
+            <a:lvl9pPr marL="4876678" indent="0">
+              <a:buNone/>
+              <a:defRPr sz="2133" b="1"/>
             </a:lvl9pPr>
           </a:lstStyle>
           <a:p>
             <a:pPr lvl="0"/>
             <a:r>
-              <a:rPr lang="zh-TW" altLang="en-US" smtClean="0"/>
-              <a:t>按一下以編輯母片文字樣式</a:t>
-            </a:r>
-          </a:p>
-        </p:txBody>
-      </p:sp>
-      <p:sp>
-        <p:nvSpPr>
-          <p:cNvPr id="6" name="Content Placeholder 5"/>
+              <a:rPr lang="en-US" altLang="zh-TW" smtClean="0"/>
+              <a:t>Edit Master text styles</a:t>
+            </a:r>
+          </a:p>
+        </p:txBody>
+      </p:sp>
+      <p:sp>
+        <p:nvSpPr>
+          <p:cNvPr id="6" name="內容版面配置區 5"/>
           <p:cNvSpPr>
             <a:spLocks noGrp="1"/>
           </p:cNvSpPr>
@@ -2421,201 +2429,82 @@
         </p:nvSpPr>
         <p:spPr>
           <a:xfrm>
-            <a:off x="5029200" y="1371600"/>
-            <a:ext cx="3273552" cy="2743200"/>
+            <a:off x="6193369" y="2174875"/>
+            <a:ext cx="5389033" cy="3951288"/>
           </a:xfrm>
         </p:spPr>
         <p:txBody>
-          <a:bodyPr anchor="t"/>
+          <a:bodyPr/>
           <a:lstStyle>
             <a:lvl1pPr>
-              <a:defRPr sz="2400"/>
+              <a:defRPr sz="3200"/>
             </a:lvl1pPr>
             <a:lvl2pPr>
-              <a:defRPr sz="2000"/>
+              <a:defRPr sz="2667"/>
             </a:lvl2pPr>
             <a:lvl3pPr>
-              <a:defRPr sz="1800"/>
+              <a:defRPr sz="2400"/>
             </a:lvl3pPr>
             <a:lvl4pPr>
-              <a:defRPr sz="1600"/>
+              <a:defRPr sz="2133"/>
             </a:lvl4pPr>
             <a:lvl5pPr>
-              <a:defRPr sz="1600"/>
+              <a:defRPr sz="2133"/>
             </a:lvl5pPr>
             <a:lvl6pPr>
-              <a:defRPr sz="1600"/>
+              <a:defRPr sz="2133"/>
             </a:lvl6pPr>
             <a:lvl7pPr>
-              <a:defRPr sz="1600"/>
+              <a:defRPr sz="2133"/>
             </a:lvl7pPr>
             <a:lvl8pPr>
-              <a:defRPr sz="1600"/>
+              <a:defRPr sz="2133"/>
             </a:lvl8pPr>
             <a:lvl9pPr>
-              <a:defRPr sz="1600"/>
+              <a:defRPr sz="2133"/>
             </a:lvl9pPr>
           </a:lstStyle>
           <a:p>
             <a:pPr lvl="0"/>
             <a:r>
-              <a:rPr lang="zh-TW" altLang="en-US" smtClean="0"/>
-              <a:t>按一下以編輯母片文字樣式</a:t>
+              <a:rPr lang="en-US" altLang="zh-TW" smtClean="0"/>
+              <a:t>Edit Master text styles</a:t>
             </a:r>
           </a:p>
           <a:p>
             <a:pPr lvl="1"/>
             <a:r>
-              <a:rPr lang="zh-TW" altLang="en-US" smtClean="0"/>
-              <a:t>第二層</a:t>
+              <a:rPr lang="en-US" altLang="zh-TW" smtClean="0"/>
+              <a:t>Second level</a:t>
             </a:r>
           </a:p>
           <a:p>
             <a:pPr lvl="2"/>
             <a:r>
-              <a:rPr lang="zh-TW" altLang="en-US" smtClean="0"/>
-              <a:t>第三層</a:t>
+              <a:rPr lang="en-US" altLang="zh-TW" smtClean="0"/>
+              <a:t>Third level</a:t>
             </a:r>
           </a:p>
           <a:p>
             <a:pPr lvl="3"/>
             <a:r>
-              <a:rPr lang="zh-TW" altLang="en-US" smtClean="0"/>
-              <a:t>第四層</a:t>
+              <a:rPr lang="en-US" altLang="zh-TW" smtClean="0"/>
+              <a:t>Fourth level</a:t>
             </a:r>
           </a:p>
           <a:p>
             <a:pPr lvl="4"/>
             <a:r>
-              <a:rPr lang="zh-TW" altLang="en-US" smtClean="0"/>
-              <a:t>第五層</a:t>
-            </a:r>
-            <a:endParaRPr lang="en-US" dirty="0"/>
-          </a:p>
-        </p:txBody>
-      </p:sp>
-      <p:sp>
-        <p:nvSpPr>
-          <p:cNvPr id="13" name="TextBox 12"/>
-          <p:cNvSpPr txBox="1"/>
-          <p:nvPr/>
-        </p:nvSpPr>
-        <p:spPr>
-          <a:xfrm>
-            <a:off x="1056640" y="520192"/>
-            <a:ext cx="457200" cy="923330"/>
-          </a:xfrm>
-          <a:prstGeom prst="rect">
-            <a:avLst/>
-          </a:prstGeom>
-          <a:noFill/>
-        </p:spPr>
-        <p:txBody>
-          <a:bodyPr wrap="square" lIns="0" tIns="0" rIns="0" bIns="0" rtlCol="0" anchor="t" anchorCtr="0">
-            <a:spAutoFit/>
-          </a:bodyPr>
-          <a:lstStyle/>
-          <a:p>
-            <a:r>
-              <a:rPr lang="en-US" sz="6000" dirty="0" smtClean="0">
-                <a:effectLst>
-                  <a:outerShdw blurRad="38100" dist="38100" dir="2700000" algn="tl">
-                    <a:srgbClr val="000000">
-                      <a:alpha val="43137"/>
-                    </a:srgbClr>
-                  </a:outerShdw>
-                </a:effectLst>
-                <a:latin typeface="+mn-lt"/>
-              </a:rPr>
-              <a:t>{</a:t>
-            </a:r>
-            <a:endParaRPr lang="en-US" sz="6000" dirty="0">
-              <a:effectLst>
-                <a:outerShdw blurRad="38100" dist="38100" dir="2700000" algn="tl">
-                  <a:srgbClr val="000000">
-                    <a:alpha val="43137"/>
-                  </a:srgbClr>
-                </a:outerShdw>
-              </a:effectLst>
-              <a:latin typeface="+mn-lt"/>
-            </a:endParaRPr>
-          </a:p>
-        </p:txBody>
-      </p:sp>
-      <p:sp>
-        <p:nvSpPr>
-          <p:cNvPr id="18" name="TextBox 17"/>
-          <p:cNvSpPr txBox="1"/>
-          <p:nvPr/>
-        </p:nvSpPr>
-        <p:spPr>
-          <a:xfrm>
-            <a:off x="4780280" y="520192"/>
-            <a:ext cx="457200" cy="923330"/>
-          </a:xfrm>
-          <a:prstGeom prst="rect">
-            <a:avLst/>
-          </a:prstGeom>
-          <a:noFill/>
-        </p:spPr>
-        <p:txBody>
-          <a:bodyPr wrap="square" lIns="0" tIns="0" rIns="0" bIns="0" rtlCol="0" anchor="t" anchorCtr="0">
-            <a:spAutoFit/>
-          </a:bodyPr>
-          <a:lstStyle/>
-          <a:p>
-            <a:r>
-              <a:rPr lang="en-US" sz="6000" dirty="0" smtClean="0">
-                <a:effectLst>
-                  <a:outerShdw blurRad="38100" dist="38100" dir="2700000" algn="tl">
-                    <a:srgbClr val="000000">
-                      <a:alpha val="43137"/>
-                    </a:srgbClr>
-                  </a:outerShdw>
-                </a:effectLst>
-                <a:latin typeface="+mn-lt"/>
-              </a:rPr>
-              <a:t>{</a:t>
-            </a:r>
-            <a:endParaRPr lang="en-US" sz="6000" dirty="0">
-              <a:effectLst>
-                <a:outerShdw blurRad="38100" dist="38100" dir="2700000" algn="tl">
-                  <a:srgbClr val="000000">
-                    <a:alpha val="43137"/>
-                  </a:srgbClr>
-                </a:outerShdw>
-              </a:effectLst>
-              <a:latin typeface="+mn-lt"/>
-            </a:endParaRPr>
-          </a:p>
-        </p:txBody>
-      </p:sp>
-      <p:sp>
-        <p:nvSpPr>
-          <p:cNvPr id="12" name="Title 11"/>
-          <p:cNvSpPr>
-            <a:spLocks noGrp="1"/>
-          </p:cNvSpPr>
-          <p:nvPr>
-            <p:ph type="title"/>
-          </p:nvPr>
-        </p:nvSpPr>
-        <p:spPr/>
-        <p:txBody>
-          <a:bodyPr/>
-          <a:lstStyle/>
-          <a:p>
-            <a:r>
-              <a:rPr lang="zh-TW" altLang="en-US" smtClean="0"/>
-              <a:t>按一下以編輯母片標題樣式</a:t>
-            </a:r>
-            <a:endParaRPr lang="en-US" dirty="0"/>
-          </a:p>
-        </p:txBody>
-      </p:sp>
-      <p:sp>
-        <p:nvSpPr>
-          <p:cNvPr id="14" name="Date Placeholder 13"/>
+              <a:rPr lang="en-US" altLang="zh-TW" smtClean="0"/>
+              <a:t>Fifth level</a:t>
+            </a:r>
+            <a:endParaRPr lang="zh-TW" altLang="en-US"/>
+          </a:p>
+        </p:txBody>
+      </p:sp>
+      <p:sp>
+        <p:nvSpPr>
+          <p:cNvPr id="7" name="日期版面配置區 6"/>
           <p:cNvSpPr>
             <a:spLocks noGrp="1"/>
           </p:cNvSpPr>
@@ -2631,7 +2520,7 @@
             <a:fld id="{6AC36C85-032A-4F88-A352-327B4A999953}" type="datetimeFigureOut">
               <a:rPr lang="zh-TW" altLang="en-US" smtClean="0"/>
               <a:pPr/>
-              <a:t>2013/11/2</a:t>
+              <a:t>2020/5/23</a:t>
             </a:fld>
             <a:endParaRPr lang="zh-TW" altLang="en-US"/>
           </a:p>
@@ -2639,12 +2528,31 @@
       </p:sp>
       <p:sp>
         <p:nvSpPr>
-          <p:cNvPr id="15" name="Slide Number Placeholder 14"/>
-          <p:cNvSpPr>
-            <a:spLocks noGrp="1"/>
-          </p:cNvSpPr>
-          <p:nvPr>
-            <p:ph type="sldNum" sz="quarter" idx="11"/>
+          <p:cNvPr id="8" name="頁尾版面配置區 7"/>
+          <p:cNvSpPr>
+            <a:spLocks noGrp="1"/>
+          </p:cNvSpPr>
+          <p:nvPr>
+            <p:ph type="ftr" sz="quarter" idx="11"/>
+          </p:nvPr>
+        </p:nvSpPr>
+        <p:spPr/>
+        <p:txBody>
+          <a:bodyPr/>
+          <a:lstStyle/>
+          <a:p>
+            <a:endParaRPr lang="zh-TW" altLang="en-US"/>
+          </a:p>
+        </p:txBody>
+      </p:sp>
+      <p:sp>
+        <p:nvSpPr>
+          <p:cNvPr id="9" name="投影片編號版面配置區 8"/>
+          <p:cNvSpPr>
+            <a:spLocks noGrp="1"/>
+          </p:cNvSpPr>
+          <p:nvPr>
+            <p:ph type="sldNum" sz="quarter" idx="12"/>
           </p:nvPr>
         </p:nvSpPr>
         <p:spPr/>
@@ -2661,26 +2569,12 @@
           </a:p>
         </p:txBody>
       </p:sp>
-      <p:sp>
-        <p:nvSpPr>
-          <p:cNvPr id="16" name="Footer Placeholder 15"/>
-          <p:cNvSpPr>
-            <a:spLocks noGrp="1"/>
-          </p:cNvSpPr>
-          <p:nvPr>
-            <p:ph type="ftr" sz="quarter" idx="12"/>
-          </p:nvPr>
-        </p:nvSpPr>
-        <p:spPr/>
-        <p:txBody>
-          <a:bodyPr/>
-          <a:lstStyle/>
-          <a:p>
-            <a:endParaRPr lang="zh-TW" altLang="en-US"/>
-          </a:p>
-        </p:txBody>
-      </p:sp>
     </p:spTree>
+    <p:extLst>
+      <p:ext uri="{BB962C8B-B14F-4D97-AF65-F5344CB8AC3E}">
+        <p14:creationId xmlns:p14="http://schemas.microsoft.com/office/powerpoint/2010/main" val="3439500243"/>
+      </p:ext>
+    </p:extLst>
   </p:cSld>
   <p:clrMapOvr>
     <a:masterClrMapping/>
@@ -2707,7 +2601,7 @@
       </p:grpSpPr>
       <p:sp>
         <p:nvSpPr>
-          <p:cNvPr id="6" name="Title 5"/>
+          <p:cNvPr id="2" name="標題 1"/>
           <p:cNvSpPr>
             <a:spLocks noGrp="1"/>
           </p:cNvSpPr>
@@ -2721,16 +2615,16 @@
           <a:lstStyle/>
           <a:p>
             <a:r>
-              <a:rPr lang="zh-TW" altLang="en-US" smtClean="0"/>
-              <a:t>按一下以編輯母片標題樣式</a:t>
-            </a:r>
-            <a:endParaRPr lang="en-US"/>
-          </a:p>
-        </p:txBody>
-      </p:sp>
-      <p:sp>
-        <p:nvSpPr>
-          <p:cNvPr id="7" name="Date Placeholder 6"/>
+              <a:rPr lang="en-US" altLang="zh-TW" smtClean="0"/>
+              <a:t>Click to edit Master title style</a:t>
+            </a:r>
+            <a:endParaRPr lang="zh-TW" altLang="en-US"/>
+          </a:p>
+        </p:txBody>
+      </p:sp>
+      <p:sp>
+        <p:nvSpPr>
+          <p:cNvPr id="3" name="日期版面配置區 2"/>
           <p:cNvSpPr>
             <a:spLocks noGrp="1"/>
           </p:cNvSpPr>
@@ -2746,7 +2640,7 @@
             <a:fld id="{6AC36C85-032A-4F88-A352-327B4A999953}" type="datetimeFigureOut">
               <a:rPr lang="zh-TW" altLang="en-US" smtClean="0"/>
               <a:pPr/>
-              <a:t>2013/11/2</a:t>
+              <a:t>2020/5/23</a:t>
             </a:fld>
             <a:endParaRPr lang="zh-TW" altLang="en-US"/>
           </a:p>
@@ -2754,12 +2648,31 @@
       </p:sp>
       <p:sp>
         <p:nvSpPr>
-          <p:cNvPr id="8" name="Slide Number Placeholder 7"/>
-          <p:cNvSpPr>
-            <a:spLocks noGrp="1"/>
-          </p:cNvSpPr>
-          <p:nvPr>
-            <p:ph type="sldNum" sz="quarter" idx="11"/>
+          <p:cNvPr id="4" name="頁尾版面配置區 3"/>
+          <p:cNvSpPr>
+            <a:spLocks noGrp="1"/>
+          </p:cNvSpPr>
+          <p:nvPr>
+            <p:ph type="ftr" sz="quarter" idx="11"/>
+          </p:nvPr>
+        </p:nvSpPr>
+        <p:spPr/>
+        <p:txBody>
+          <a:bodyPr/>
+          <a:lstStyle/>
+          <a:p>
+            <a:endParaRPr lang="zh-TW" altLang="en-US"/>
+          </a:p>
+        </p:txBody>
+      </p:sp>
+      <p:sp>
+        <p:nvSpPr>
+          <p:cNvPr id="5" name="投影片編號版面配置區 4"/>
+          <p:cNvSpPr>
+            <a:spLocks noGrp="1"/>
+          </p:cNvSpPr>
+          <p:nvPr>
+            <p:ph type="sldNum" sz="quarter" idx="12"/>
           </p:nvPr>
         </p:nvSpPr>
         <p:spPr/>
@@ -2776,26 +2689,12 @@
           </a:p>
         </p:txBody>
       </p:sp>
-      <p:sp>
-        <p:nvSpPr>
-          <p:cNvPr id="9" name="Footer Placeholder 8"/>
-          <p:cNvSpPr>
-            <a:spLocks noGrp="1"/>
-          </p:cNvSpPr>
-          <p:nvPr>
-            <p:ph type="ftr" sz="quarter" idx="12"/>
-          </p:nvPr>
-        </p:nvSpPr>
-        <p:spPr/>
-        <p:txBody>
-          <a:bodyPr/>
-          <a:lstStyle/>
-          <a:p>
-            <a:endParaRPr lang="zh-TW" altLang="en-US"/>
-          </a:p>
-        </p:txBody>
-      </p:sp>
     </p:spTree>
+    <p:extLst>
+      <p:ext uri="{BB962C8B-B14F-4D97-AF65-F5344CB8AC3E}">
+        <p14:creationId xmlns:p14="http://schemas.microsoft.com/office/powerpoint/2010/main" val="644638881"/>
+      </p:ext>
+    </p:extLst>
   </p:cSld>
   <p:clrMapOvr>
     <a:masterClrMapping/>
@@ -2822,7 +2721,7 @@
       </p:grpSpPr>
       <p:sp>
         <p:nvSpPr>
-          <p:cNvPr id="5" name="Date Placeholder 4"/>
+          <p:cNvPr id="2" name="日期版面配置區 1"/>
           <p:cNvSpPr>
             <a:spLocks noGrp="1"/>
           </p:cNvSpPr>
@@ -2838,7 +2737,7 @@
             <a:fld id="{6AC36C85-032A-4F88-A352-327B4A999953}" type="datetimeFigureOut">
               <a:rPr lang="zh-TW" altLang="en-US" smtClean="0"/>
               <a:pPr/>
-              <a:t>2013/11/2</a:t>
+              <a:t>2020/5/23</a:t>
             </a:fld>
             <a:endParaRPr lang="zh-TW" altLang="en-US"/>
           </a:p>
@@ -2846,12 +2745,31 @@
       </p:sp>
       <p:sp>
         <p:nvSpPr>
-          <p:cNvPr id="6" name="Slide Number Placeholder 5"/>
-          <p:cNvSpPr>
-            <a:spLocks noGrp="1"/>
-          </p:cNvSpPr>
-          <p:nvPr>
-            <p:ph type="sldNum" sz="quarter" idx="11"/>
+          <p:cNvPr id="3" name="頁尾版面配置區 2"/>
+          <p:cNvSpPr>
+            <a:spLocks noGrp="1"/>
+          </p:cNvSpPr>
+          <p:nvPr>
+            <p:ph type="ftr" sz="quarter" idx="11"/>
+          </p:nvPr>
+        </p:nvSpPr>
+        <p:spPr/>
+        <p:txBody>
+          <a:bodyPr/>
+          <a:lstStyle/>
+          <a:p>
+            <a:endParaRPr lang="zh-TW" altLang="en-US"/>
+          </a:p>
+        </p:txBody>
+      </p:sp>
+      <p:sp>
+        <p:nvSpPr>
+          <p:cNvPr id="4" name="投影片編號版面配置區 3"/>
+          <p:cNvSpPr>
+            <a:spLocks noGrp="1"/>
+          </p:cNvSpPr>
+          <p:nvPr>
+            <p:ph type="sldNum" sz="quarter" idx="12"/>
           </p:nvPr>
         </p:nvSpPr>
         <p:spPr/>
@@ -2868,26 +2786,12 @@
           </a:p>
         </p:txBody>
       </p:sp>
-      <p:sp>
-        <p:nvSpPr>
-          <p:cNvPr id="7" name="Footer Placeholder 6"/>
-          <p:cNvSpPr>
-            <a:spLocks noGrp="1"/>
-          </p:cNvSpPr>
-          <p:nvPr>
-            <p:ph type="ftr" sz="quarter" idx="12"/>
-          </p:nvPr>
-        </p:nvSpPr>
-        <p:spPr/>
-        <p:txBody>
-          <a:bodyPr/>
-          <a:lstStyle/>
-          <a:p>
-            <a:endParaRPr lang="zh-TW" altLang="en-US"/>
-          </a:p>
-        </p:txBody>
-      </p:sp>
     </p:spTree>
+    <p:extLst>
+      <p:ext uri="{BB962C8B-B14F-4D97-AF65-F5344CB8AC3E}">
+        <p14:creationId xmlns:p14="http://schemas.microsoft.com/office/powerpoint/2010/main" val="4035677829"/>
+      </p:ext>
+    </p:extLst>
   </p:cSld>
   <p:clrMapOvr>
     <a:masterClrMapping/>
@@ -2914,55 +2818,39 @@
       </p:grpSpPr>
       <p:sp>
         <p:nvSpPr>
-          <p:cNvPr id="9" name="TextBox 8"/>
-          <p:cNvSpPr txBox="1"/>
-          <p:nvPr/>
+          <p:cNvPr id="2" name="標題 1"/>
+          <p:cNvSpPr>
+            <a:spLocks noGrp="1"/>
+          </p:cNvSpPr>
+          <p:nvPr>
+            <p:ph type="title"/>
+          </p:nvPr>
         </p:nvSpPr>
         <p:spPr>
           <a:xfrm>
-            <a:off x="5328920" y="1774588"/>
-            <a:ext cx="457200" cy="1231106"/>
+            <a:off x="609602" y="273049"/>
+            <a:ext cx="4011084" cy="1162051"/>
           </a:xfrm>
-          <a:prstGeom prst="rect">
-            <a:avLst/>
-          </a:prstGeom>
-          <a:noFill/>
         </p:spPr>
         <p:txBody>
-          <a:bodyPr wrap="square" lIns="0" tIns="0" rIns="0" bIns="0" rtlCol="0" anchor="t" anchorCtr="0">
-            <a:spAutoFit/>
-          </a:bodyPr>
-          <a:lstStyle/>
-          <a:p>
-            <a:r>
-              <a:rPr lang="en-US" sz="8000" dirty="0" smtClean="0">
-                <a:effectLst>
-                  <a:outerShdw blurRad="38100" dist="38100" dir="2700000" algn="tl">
-                    <a:srgbClr val="000000">
-                      <a:alpha val="43137"/>
-                    </a:srgbClr>
-                  </a:outerShdw>
-                </a:effectLst>
-                <a:latin typeface="+mn-lt"/>
-              </a:rPr>
-              <a:t>{</a:t>
-            </a:r>
-            <a:endParaRPr lang="en-US" sz="8000" dirty="0">
-              <a:effectLst>
-                <a:outerShdw blurRad="38100" dist="38100" dir="2700000" algn="tl">
-                  <a:srgbClr val="000000">
-                    <a:alpha val="43137"/>
-                  </a:srgbClr>
-                </a:outerShdw>
-              </a:effectLst>
-              <a:latin typeface="+mn-lt"/>
-            </a:endParaRPr>
-          </a:p>
-        </p:txBody>
-      </p:sp>
-      <p:sp>
-        <p:nvSpPr>
-          <p:cNvPr id="3" name="Content Placeholder 2"/>
+          <a:bodyPr anchor="b"/>
+          <a:lstStyle>
+            <a:lvl1pPr algn="l">
+              <a:defRPr sz="2667" b="1"/>
+            </a:lvl1pPr>
+          </a:lstStyle>
+          <a:p>
+            <a:r>
+              <a:rPr lang="en-US" altLang="zh-TW" smtClean="0"/>
+              <a:t>Click to edit Master title style</a:t>
+            </a:r>
+            <a:endParaRPr lang="zh-TW" altLang="en-US"/>
+          </a:p>
+        </p:txBody>
+      </p:sp>
+      <p:sp>
+        <p:nvSpPr>
+          <p:cNvPr id="3" name="內容版面配置區 2"/>
           <p:cNvSpPr>
             <a:spLocks noGrp="1"/>
           </p:cNvSpPr>
@@ -2972,82 +2860,82 @@
         </p:nvSpPr>
         <p:spPr>
           <a:xfrm>
-            <a:off x="838200" y="685801"/>
-            <a:ext cx="4343400" cy="3429000"/>
+            <a:off x="4766733" y="273052"/>
+            <a:ext cx="6815667" cy="5853113"/>
           </a:xfrm>
         </p:spPr>
         <p:txBody>
-          <a:bodyPr anchor="ctr"/>
+          <a:bodyPr/>
           <a:lstStyle>
             <a:lvl1pPr>
-              <a:defRPr sz="2400"/>
+              <a:defRPr sz="4267"/>
             </a:lvl1pPr>
             <a:lvl2pPr>
-              <a:defRPr sz="2200"/>
+              <a:defRPr sz="3733"/>
             </a:lvl2pPr>
             <a:lvl3pPr>
-              <a:defRPr sz="2000"/>
+              <a:defRPr sz="3200"/>
             </a:lvl3pPr>
             <a:lvl4pPr>
-              <a:defRPr sz="1800"/>
+              <a:defRPr sz="2667"/>
             </a:lvl4pPr>
             <a:lvl5pPr>
-              <a:defRPr sz="1800"/>
+              <a:defRPr sz="2667"/>
             </a:lvl5pPr>
             <a:lvl6pPr>
-              <a:defRPr sz="2000"/>
+              <a:defRPr sz="2667"/>
             </a:lvl6pPr>
             <a:lvl7pPr>
-              <a:defRPr sz="2000"/>
+              <a:defRPr sz="2667"/>
             </a:lvl7pPr>
             <a:lvl8pPr>
-              <a:defRPr sz="2000"/>
+              <a:defRPr sz="2667"/>
             </a:lvl8pPr>
             <a:lvl9pPr>
-              <a:defRPr sz="2000"/>
+              <a:defRPr sz="2667"/>
             </a:lvl9pPr>
           </a:lstStyle>
           <a:p>
             <a:pPr lvl="0"/>
             <a:r>
-              <a:rPr lang="zh-TW" altLang="en-US" smtClean="0"/>
-              <a:t>按一下以編輯母片文字樣式</a:t>
+              <a:rPr lang="en-US" altLang="zh-TW" smtClean="0"/>
+              <a:t>Edit Master text styles</a:t>
             </a:r>
           </a:p>
           <a:p>
             <a:pPr lvl="1"/>
             <a:r>
-              <a:rPr lang="zh-TW" altLang="en-US" smtClean="0"/>
-              <a:t>第二層</a:t>
+              <a:rPr lang="en-US" altLang="zh-TW" smtClean="0"/>
+              <a:t>Second level</a:t>
             </a:r>
           </a:p>
           <a:p>
             <a:pPr lvl="2"/>
             <a:r>
-              <a:rPr lang="zh-TW" altLang="en-US" smtClean="0"/>
-              <a:t>第三層</a:t>
+              <a:rPr lang="en-US" altLang="zh-TW" smtClean="0"/>
+              <a:t>Third level</a:t>
             </a:r>
           </a:p>
           <a:p>
             <a:pPr lvl="3"/>
             <a:r>
-              <a:rPr lang="zh-TW" altLang="en-US" smtClean="0"/>
-              <a:t>第四層</a:t>
+              <a:rPr lang="en-US" altLang="zh-TW" smtClean="0"/>
+              <a:t>Fourth level</a:t>
             </a:r>
           </a:p>
           <a:p>
             <a:pPr lvl="4"/>
             <a:r>
-              <a:rPr lang="zh-TW" altLang="en-US" smtClean="0"/>
-              <a:t>第五層</a:t>
-            </a:r>
-            <a:endParaRPr lang="en-US" dirty="0"/>
-          </a:p>
-        </p:txBody>
-      </p:sp>
-      <p:sp>
-        <p:nvSpPr>
-          <p:cNvPr id="4" name="Text Placeholder 3"/>
+              <a:rPr lang="en-US" altLang="zh-TW" smtClean="0"/>
+              <a:t>Fifth level</a:t>
+            </a:r>
+            <a:endParaRPr lang="zh-TW" altLang="en-US"/>
+          </a:p>
+        </p:txBody>
+      </p:sp>
+      <p:sp>
+        <p:nvSpPr>
+          <p:cNvPr id="4" name="文字版面配置區 3"/>
           <p:cNvSpPr>
             <a:spLocks noGrp="1"/>
           </p:cNvSpPr>
@@ -3057,64 +2945,62 @@
         </p:nvSpPr>
         <p:spPr>
           <a:xfrm>
-            <a:off x="5715000" y="685801"/>
-            <a:ext cx="2590800" cy="3429000"/>
+            <a:off x="609602" y="1435102"/>
+            <a:ext cx="4011084" cy="4691063"/>
           </a:xfrm>
         </p:spPr>
         <p:txBody>
-          <a:bodyPr anchor="ctr">
-            <a:normAutofit/>
-          </a:bodyPr>
+          <a:bodyPr/>
           <a:lstStyle>
             <a:lvl1pPr marL="0" indent="0">
               <a:buNone/>
+              <a:defRPr sz="1867"/>
+            </a:lvl1pPr>
+            <a:lvl2pPr marL="609585" indent="0">
+              <a:buNone/>
               <a:defRPr sz="1600"/>
-            </a:lvl1pPr>
-            <a:lvl2pPr marL="457200" indent="0">
+            </a:lvl2pPr>
+            <a:lvl3pPr marL="1219170" indent="0">
+              <a:buNone/>
+              <a:defRPr sz="1333"/>
+            </a:lvl3pPr>
+            <a:lvl4pPr marL="1828754" indent="0">
               <a:buNone/>
               <a:defRPr sz="1200"/>
-            </a:lvl2pPr>
-            <a:lvl3pPr marL="914400" indent="0">
-              <a:buNone/>
-              <a:defRPr sz="1000"/>
-            </a:lvl3pPr>
-            <a:lvl4pPr marL="1371600" indent="0">
-              <a:buNone/>
-              <a:defRPr sz="900"/>
             </a:lvl4pPr>
-            <a:lvl5pPr marL="1828800" indent="0">
-              <a:buNone/>
-              <a:defRPr sz="900"/>
+            <a:lvl5pPr marL="2438339" indent="0">
+              <a:buNone/>
+              <a:defRPr sz="1200"/>
             </a:lvl5pPr>
-            <a:lvl6pPr marL="2286000" indent="0">
-              <a:buNone/>
-              <a:defRPr sz="900"/>
+            <a:lvl6pPr marL="3047924" indent="0">
+              <a:buNone/>
+              <a:defRPr sz="1200"/>
             </a:lvl6pPr>
-            <a:lvl7pPr marL="2743200" indent="0">
-              <a:buNone/>
-              <a:defRPr sz="900"/>
+            <a:lvl7pPr marL="3657509" indent="0">
+              <a:buNone/>
+              <a:defRPr sz="1200"/>
             </a:lvl7pPr>
-            <a:lvl8pPr marL="3200400" indent="0">
-              <a:buNone/>
-              <a:defRPr sz="900"/>
+            <a:lvl8pPr marL="4267093" indent="0">
+              <a:buNone/>
+              <a:defRPr sz="1200"/>
             </a:lvl8pPr>
-            <a:lvl9pPr marL="3657600" indent="0">
-              <a:buNone/>
-              <a:defRPr sz="900"/>
+            <a:lvl9pPr marL="4876678" indent="0">
+              <a:buNone/>
+              <a:defRPr sz="1200"/>
             </a:lvl9pPr>
           </a:lstStyle>
           <a:p>
             <a:pPr lvl="0"/>
             <a:r>
-              <a:rPr lang="zh-TW" altLang="en-US" smtClean="0"/>
-              <a:t>按一下以編輯母片文字樣式</a:t>
-            </a:r>
-          </a:p>
-        </p:txBody>
-      </p:sp>
-      <p:sp>
-        <p:nvSpPr>
-          <p:cNvPr id="15" name="Date Placeholder 14"/>
+              <a:rPr lang="en-US" altLang="zh-TW" smtClean="0"/>
+              <a:t>Edit Master text styles</a:t>
+            </a:r>
+          </a:p>
+        </p:txBody>
+      </p:sp>
+      <p:sp>
+        <p:nvSpPr>
+          <p:cNvPr id="5" name="日期版面配置區 4"/>
           <p:cNvSpPr>
             <a:spLocks noGrp="1"/>
           </p:cNvSpPr>
@@ -3130,7 +3016,7 @@
             <a:fld id="{6AC36C85-032A-4F88-A352-327B4A999953}" type="datetimeFigureOut">
               <a:rPr lang="zh-TW" altLang="en-US" smtClean="0"/>
               <a:pPr/>
-              <a:t>2013/11/2</a:t>
+              <a:t>2020/5/23</a:t>
             </a:fld>
             <a:endParaRPr lang="zh-TW" altLang="en-US"/>
           </a:p>
@@ -3138,12 +3024,31 @@
       </p:sp>
       <p:sp>
         <p:nvSpPr>
-          <p:cNvPr id="16" name="Slide Number Placeholder 15"/>
-          <p:cNvSpPr>
-            <a:spLocks noGrp="1"/>
-          </p:cNvSpPr>
-          <p:nvPr>
-            <p:ph type="sldNum" sz="quarter" idx="11"/>
+          <p:cNvPr id="6" name="頁尾版面配置區 5"/>
+          <p:cNvSpPr>
+            <a:spLocks noGrp="1"/>
+          </p:cNvSpPr>
+          <p:nvPr>
+            <p:ph type="ftr" sz="quarter" idx="11"/>
+          </p:nvPr>
+        </p:nvSpPr>
+        <p:spPr/>
+        <p:txBody>
+          <a:bodyPr/>
+          <a:lstStyle/>
+          <a:p>
+            <a:endParaRPr lang="zh-TW" altLang="en-US"/>
+          </a:p>
+        </p:txBody>
+      </p:sp>
+      <p:sp>
+        <p:nvSpPr>
+          <p:cNvPr id="7" name="投影片編號版面配置區 6"/>
+          <p:cNvSpPr>
+            <a:spLocks noGrp="1"/>
+          </p:cNvSpPr>
+          <p:nvPr>
+            <p:ph type="sldNum" sz="quarter" idx="12"/>
           </p:nvPr>
         </p:nvSpPr>
         <p:spPr/>
@@ -3160,49 +3065,12 @@
           </a:p>
         </p:txBody>
       </p:sp>
-      <p:sp>
-        <p:nvSpPr>
-          <p:cNvPr id="17" name="Footer Placeholder 16"/>
-          <p:cNvSpPr>
-            <a:spLocks noGrp="1"/>
-          </p:cNvSpPr>
-          <p:nvPr>
-            <p:ph type="ftr" sz="quarter" idx="12"/>
-          </p:nvPr>
-        </p:nvSpPr>
-        <p:spPr/>
-        <p:txBody>
-          <a:bodyPr/>
-          <a:lstStyle/>
-          <a:p>
-            <a:endParaRPr lang="zh-TW" altLang="en-US"/>
-          </a:p>
-        </p:txBody>
-      </p:sp>
-      <p:sp>
-        <p:nvSpPr>
-          <p:cNvPr id="18" name="Title 17"/>
-          <p:cNvSpPr>
-            <a:spLocks noGrp="1"/>
-          </p:cNvSpPr>
-          <p:nvPr>
-            <p:ph type="title"/>
-          </p:nvPr>
-        </p:nvSpPr>
-        <p:spPr/>
-        <p:txBody>
-          <a:bodyPr/>
-          <a:lstStyle/>
-          <a:p>
-            <a:r>
-              <a:rPr lang="zh-TW" altLang="en-US" smtClean="0"/>
-              <a:t>按一下以編輯母片標題樣式</a:t>
-            </a:r>
-            <a:endParaRPr lang="en-US" dirty="0"/>
-          </a:p>
-        </p:txBody>
-      </p:sp>
     </p:spTree>
+    <p:extLst>
+      <p:ext uri="{BB962C8B-B14F-4D97-AF65-F5344CB8AC3E}">
+        <p14:creationId xmlns:p14="http://schemas.microsoft.com/office/powerpoint/2010/main" val="1981806513"/>
+      </p:ext>
+    </p:extLst>
   </p:cSld>
   <p:clrMapOvr>
     <a:masterClrMapping/>
@@ -3229,79 +3097,104 @@
       </p:grpSpPr>
       <p:sp>
         <p:nvSpPr>
-          <p:cNvPr id="3" name="Picture Placeholder 2"/>
-          <p:cNvSpPr>
-            <a:spLocks noGrp="1"/>
-          </p:cNvSpPr>
-          <p:nvPr>
-            <p:ph type="pic" idx="1"/>
+          <p:cNvPr id="2" name="標題 1"/>
+          <p:cNvSpPr>
+            <a:spLocks noGrp="1"/>
+          </p:cNvSpPr>
+          <p:nvPr>
+            <p:ph type="title"/>
           </p:nvPr>
         </p:nvSpPr>
         <p:spPr>
           <a:xfrm>
-            <a:off x="1219200" y="612775"/>
-            <a:ext cx="6705600" cy="2546985"/>
+            <a:off x="2389717" y="4800600"/>
+            <a:ext cx="7315200" cy="566739"/>
           </a:xfrm>
-          <a:effectLst>
-            <a:outerShdw blurRad="152400" dist="317500" dir="5400000" sx="90000" sy="-19000" rotWithShape="0">
-              <a:prstClr val="black">
-                <a:alpha val="15000"/>
-              </a:prstClr>
-            </a:outerShdw>
-          </a:effectLst>
+        </p:spPr>
+        <p:txBody>
+          <a:bodyPr anchor="b"/>
+          <a:lstStyle>
+            <a:lvl1pPr algn="l">
+              <a:defRPr sz="2667" b="1"/>
+            </a:lvl1pPr>
+          </a:lstStyle>
+          <a:p>
+            <a:r>
+              <a:rPr lang="en-US" altLang="zh-TW" smtClean="0"/>
+              <a:t>Click to edit Master title style</a:t>
+            </a:r>
+            <a:endParaRPr lang="zh-TW" altLang="en-US"/>
+          </a:p>
+        </p:txBody>
+      </p:sp>
+      <p:sp>
+        <p:nvSpPr>
+          <p:cNvPr id="3" name="圖片版面配置區 2"/>
+          <p:cNvSpPr>
+            <a:spLocks noGrp="1"/>
+          </p:cNvSpPr>
+          <p:nvPr>
+            <p:ph type="pic" idx="1"/>
+          </p:nvPr>
+        </p:nvSpPr>
+        <p:spPr>
+          <a:xfrm>
+            <a:off x="2389717" y="612775"/>
+            <a:ext cx="7315200" cy="4114800"/>
+          </a:xfrm>
         </p:spPr>
         <p:txBody>
           <a:bodyPr/>
           <a:lstStyle>
             <a:lvl1pPr marL="0" indent="0">
               <a:buNone/>
+              <a:defRPr sz="4267"/>
+            </a:lvl1pPr>
+            <a:lvl2pPr marL="609585" indent="0">
+              <a:buNone/>
+              <a:defRPr sz="3733"/>
+            </a:lvl2pPr>
+            <a:lvl3pPr marL="1219170" indent="0">
+              <a:buNone/>
               <a:defRPr sz="3200"/>
-            </a:lvl1pPr>
-            <a:lvl2pPr marL="457200" indent="0">
-              <a:buNone/>
-              <a:defRPr sz="2800"/>
-            </a:lvl2pPr>
-            <a:lvl3pPr marL="914400" indent="0">
-              <a:buNone/>
-              <a:defRPr sz="2400"/>
             </a:lvl3pPr>
-            <a:lvl4pPr marL="1371600" indent="0">
-              <a:buNone/>
-              <a:defRPr sz="2000"/>
+            <a:lvl4pPr marL="1828754" indent="0">
+              <a:buNone/>
+              <a:defRPr sz="2667"/>
             </a:lvl4pPr>
-            <a:lvl5pPr marL="1828800" indent="0">
-              <a:buNone/>
-              <a:defRPr sz="2000"/>
+            <a:lvl5pPr marL="2438339" indent="0">
+              <a:buNone/>
+              <a:defRPr sz="2667"/>
             </a:lvl5pPr>
-            <a:lvl6pPr marL="2286000" indent="0">
-              <a:buNone/>
-              <a:defRPr sz="2000"/>
+            <a:lvl6pPr marL="3047924" indent="0">
+              <a:buNone/>
+              <a:defRPr sz="2667"/>
             </a:lvl6pPr>
-            <a:lvl7pPr marL="2743200" indent="0">
-              <a:buNone/>
-              <a:defRPr sz="2000"/>
+            <a:lvl7pPr marL="3657509" indent="0">
+              <a:buNone/>
+              <a:defRPr sz="2667"/>
             </a:lvl7pPr>
-            <a:lvl8pPr marL="3200400" indent="0">
-              <a:buNone/>
-              <a:defRPr sz="2000"/>
+            <a:lvl8pPr marL="4267093" indent="0">
+              <a:buNone/>
+              <a:defRPr sz="2667"/>
             </a:lvl8pPr>
-            <a:lvl9pPr marL="3657600" indent="0">
-              <a:buNone/>
-              <a:defRPr sz="2000"/>
+            <a:lvl9pPr marL="4876678" indent="0">
+              <a:buNone/>
+              <a:defRPr sz="2667"/>
             </a:lvl9pPr>
           </a:lstStyle>
           <a:p>
             <a:r>
-              <a:rPr lang="zh-TW" altLang="en-US" smtClean="0"/>
-              <a:t>按一下圖示以新增圖片</a:t>
-            </a:r>
-            <a:endParaRPr lang="en-US"/>
-          </a:p>
-        </p:txBody>
-      </p:sp>
-      <p:sp>
-        <p:nvSpPr>
-          <p:cNvPr id="4" name="Text Placeholder 3"/>
+              <a:rPr lang="en-US" altLang="zh-TW" smtClean="0"/>
+              <a:t>Click icon to add picture</a:t>
+            </a:r>
+            <a:endParaRPr lang="zh-TW" altLang="en-US"/>
+          </a:p>
+        </p:txBody>
+      </p:sp>
+      <p:sp>
+        <p:nvSpPr>
+          <p:cNvPr id="4" name="文字版面配置區 3"/>
           <p:cNvSpPr>
             <a:spLocks noGrp="1"/>
           </p:cNvSpPr>
@@ -3311,135 +3204,62 @@
         </p:nvSpPr>
         <p:spPr>
           <a:xfrm>
-            <a:off x="2743200" y="3453047"/>
-            <a:ext cx="5029200" cy="720804"/>
+            <a:off x="2389717" y="5367338"/>
+            <a:ext cx="7315200" cy="804863"/>
           </a:xfrm>
         </p:spPr>
         <p:txBody>
-          <a:bodyPr anchor="ctr">
-            <a:normAutofit/>
-          </a:bodyPr>
+          <a:bodyPr/>
           <a:lstStyle>
             <a:lvl1pPr marL="0" indent="0">
               <a:buNone/>
+              <a:defRPr sz="1867"/>
+            </a:lvl1pPr>
+            <a:lvl2pPr marL="609585" indent="0">
+              <a:buNone/>
               <a:defRPr sz="1600"/>
-            </a:lvl1pPr>
-            <a:lvl2pPr marL="457200" indent="0">
+            </a:lvl2pPr>
+            <a:lvl3pPr marL="1219170" indent="0">
+              <a:buNone/>
+              <a:defRPr sz="1333"/>
+            </a:lvl3pPr>
+            <a:lvl4pPr marL="1828754" indent="0">
               <a:buNone/>
               <a:defRPr sz="1200"/>
-            </a:lvl2pPr>
-            <a:lvl3pPr marL="914400" indent="0">
-              <a:buNone/>
-              <a:defRPr sz="1000"/>
-            </a:lvl3pPr>
-            <a:lvl4pPr marL="1371600" indent="0">
-              <a:buNone/>
-              <a:defRPr sz="900"/>
             </a:lvl4pPr>
-            <a:lvl5pPr marL="1828800" indent="0">
-              <a:buNone/>
-              <a:defRPr sz="900"/>
+            <a:lvl5pPr marL="2438339" indent="0">
+              <a:buNone/>
+              <a:defRPr sz="1200"/>
             </a:lvl5pPr>
-            <a:lvl6pPr marL="2286000" indent="0">
-              <a:buNone/>
-              <a:defRPr sz="900"/>
+            <a:lvl6pPr marL="3047924" indent="0">
+              <a:buNone/>
+              <a:defRPr sz="1200"/>
             </a:lvl6pPr>
-            <a:lvl7pPr marL="2743200" indent="0">
-              <a:buNone/>
-              <a:defRPr sz="900"/>
+            <a:lvl7pPr marL="3657509" indent="0">
+              <a:buNone/>
+              <a:defRPr sz="1200"/>
             </a:lvl7pPr>
-            <a:lvl8pPr marL="3200400" indent="0">
-              <a:buNone/>
-              <a:defRPr sz="900"/>
+            <a:lvl8pPr marL="4267093" indent="0">
+              <a:buNone/>
+              <a:defRPr sz="1200"/>
             </a:lvl8pPr>
-            <a:lvl9pPr marL="3657600" indent="0">
-              <a:buNone/>
-              <a:defRPr sz="900"/>
+            <a:lvl9pPr marL="4876678" indent="0">
+              <a:buNone/>
+              <a:defRPr sz="1200"/>
             </a:lvl9pPr>
           </a:lstStyle>
           <a:p>
             <a:pPr lvl="0"/>
             <a:r>
-              <a:rPr lang="zh-TW" altLang="en-US" smtClean="0"/>
-              <a:t>按一下以編輯母片文字樣式</a:t>
-            </a:r>
-          </a:p>
-        </p:txBody>
-      </p:sp>
-      <p:sp>
-        <p:nvSpPr>
-          <p:cNvPr id="9" name="TextBox 8"/>
-          <p:cNvSpPr txBox="1"/>
-          <p:nvPr/>
-        </p:nvSpPr>
-        <p:spPr>
-          <a:xfrm>
-            <a:off x="2435352" y="3331464"/>
-            <a:ext cx="457200" cy="923330"/>
-          </a:xfrm>
-          <a:prstGeom prst="rect">
-            <a:avLst/>
-          </a:prstGeom>
-          <a:noFill/>
-        </p:spPr>
-        <p:txBody>
-          <a:bodyPr wrap="square" lIns="0" tIns="0" rIns="0" bIns="0" rtlCol="0" anchor="t" anchorCtr="0">
-            <a:spAutoFit/>
-          </a:bodyPr>
-          <a:lstStyle/>
-          <a:p>
-            <a:r>
-              <a:rPr lang="en-US" sz="6000" dirty="0" smtClean="0">
-                <a:effectLst>
-                  <a:outerShdw blurRad="38100" dist="38100" dir="2700000" algn="tl">
-                    <a:srgbClr val="000000">
-                      <a:alpha val="43137"/>
-                    </a:srgbClr>
-                  </a:outerShdw>
-                </a:effectLst>
-                <a:latin typeface="+mn-lt"/>
-              </a:rPr>
-              <a:t>{</a:t>
-            </a:r>
-            <a:endParaRPr lang="en-US" sz="6000" dirty="0">
-              <a:effectLst>
-                <a:outerShdw blurRad="38100" dist="38100" dir="2700000" algn="tl">
-                  <a:srgbClr val="000000">
-                    <a:alpha val="43137"/>
-                  </a:srgbClr>
-                </a:outerShdw>
-              </a:effectLst>
-              <a:latin typeface="+mn-lt"/>
-            </a:endParaRPr>
-          </a:p>
-        </p:txBody>
-      </p:sp>
-      <p:sp>
-        <p:nvSpPr>
-          <p:cNvPr id="11" name="Title 10"/>
-          <p:cNvSpPr>
-            <a:spLocks noGrp="1"/>
-          </p:cNvSpPr>
-          <p:nvPr>
-            <p:ph type="title"/>
-          </p:nvPr>
-        </p:nvSpPr>
-        <p:spPr/>
-        <p:txBody>
-          <a:bodyPr/>
-          <a:lstStyle/>
-          <a:p>
-            <a:r>
-              <a:rPr lang="zh-TW" altLang="en-US" smtClean="0"/>
-              <a:t>按一下以編輯母片標題樣式</a:t>
-            </a:r>
-            <a:endParaRPr lang="en-US"/>
-          </a:p>
-        </p:txBody>
-      </p:sp>
-      <p:sp>
-        <p:nvSpPr>
-          <p:cNvPr id="13" name="Date Placeholder 12"/>
+              <a:rPr lang="en-US" altLang="zh-TW" smtClean="0"/>
+              <a:t>Edit Master text styles</a:t>
+            </a:r>
+          </a:p>
+        </p:txBody>
+      </p:sp>
+      <p:sp>
+        <p:nvSpPr>
+          <p:cNvPr id="5" name="日期版面配置區 4"/>
           <p:cNvSpPr>
             <a:spLocks noGrp="1"/>
           </p:cNvSpPr>
@@ -3455,7 +3275,7 @@
             <a:fld id="{6AC36C85-032A-4F88-A352-327B4A999953}" type="datetimeFigureOut">
               <a:rPr lang="zh-TW" altLang="en-US" smtClean="0"/>
               <a:pPr/>
-              <a:t>2013/11/2</a:t>
+              <a:t>2020/5/23</a:t>
             </a:fld>
             <a:endParaRPr lang="zh-TW" altLang="en-US"/>
           </a:p>
@@ -3463,12 +3283,31 @@
       </p:sp>
       <p:sp>
         <p:nvSpPr>
-          <p:cNvPr id="14" name="Slide Number Placeholder 13"/>
-          <p:cNvSpPr>
-            <a:spLocks noGrp="1"/>
-          </p:cNvSpPr>
-          <p:nvPr>
-            <p:ph type="sldNum" sz="quarter" idx="11"/>
+          <p:cNvPr id="6" name="頁尾版面配置區 5"/>
+          <p:cNvSpPr>
+            <a:spLocks noGrp="1"/>
+          </p:cNvSpPr>
+          <p:nvPr>
+            <p:ph type="ftr" sz="quarter" idx="11"/>
+          </p:nvPr>
+        </p:nvSpPr>
+        <p:spPr/>
+        <p:txBody>
+          <a:bodyPr/>
+          <a:lstStyle/>
+          <a:p>
+            <a:endParaRPr lang="zh-TW" altLang="en-US"/>
+          </a:p>
+        </p:txBody>
+      </p:sp>
+      <p:sp>
+        <p:nvSpPr>
+          <p:cNvPr id="7" name="投影片編號版面配置區 6"/>
+          <p:cNvSpPr>
+            <a:spLocks noGrp="1"/>
+          </p:cNvSpPr>
+          <p:nvPr>
+            <p:ph type="sldNum" sz="quarter" idx="12"/>
           </p:nvPr>
         </p:nvSpPr>
         <p:spPr/>
@@ -3485,26 +3324,12 @@
           </a:p>
         </p:txBody>
       </p:sp>
-      <p:sp>
-        <p:nvSpPr>
-          <p:cNvPr id="15" name="Footer Placeholder 14"/>
-          <p:cNvSpPr>
-            <a:spLocks noGrp="1"/>
-          </p:cNvSpPr>
-          <p:nvPr>
-            <p:ph type="ftr" sz="quarter" idx="12"/>
-          </p:nvPr>
-        </p:nvSpPr>
-        <p:spPr/>
-        <p:txBody>
-          <a:bodyPr/>
-          <a:lstStyle/>
-          <a:p>
-            <a:endParaRPr lang="zh-TW" altLang="en-US"/>
-          </a:p>
-        </p:txBody>
-      </p:sp>
     </p:spTree>
+    <p:extLst>
+      <p:ext uri="{BB962C8B-B14F-4D97-AF65-F5344CB8AC3E}">
+        <p14:creationId xmlns:p14="http://schemas.microsoft.com/office/powerpoint/2010/main" val="1580967370"/>
+      </p:ext>
+    </p:extLst>
   </p:cSld>
   <p:clrMapOvr>
     <a:masterClrMapping/>
@@ -3516,9 +3341,14 @@
 <p:sldMaster xmlns:a="http://schemas.openxmlformats.org/drawingml/2006/main" xmlns:r="http://schemas.openxmlformats.org/officeDocument/2006/relationships" xmlns:p="http://schemas.openxmlformats.org/presentationml/2006/main">
   <p:cSld>
     <p:bg>
-      <p:bgRef idx="1003">
-        <a:schemeClr val="bg2"/>
-      </p:bgRef>
+      <p:bgPr>
+        <a:blipFill dpi="0" rotWithShape="1">
+          <a:blip r:embed="rId13"/>
+          <a:srcRect/>
+          <a:tile tx="0" ty="0" sx="100000" sy="100000" flip="none" algn="tl"/>
+        </a:blipFill>
+        <a:effectLst/>
+      </p:bgPr>
     </p:bg>
     <p:spTree>
       <p:nvGrpSpPr>
@@ -3536,274 +3366,26 @@
       </p:grpSpPr>
       <p:sp>
         <p:nvSpPr>
-          <p:cNvPr id="7" name="Rectangle 6"/>
-          <p:cNvSpPr/>
-          <p:nvPr/>
+          <p:cNvPr id="2" name="標題版面配置區 1"/>
+          <p:cNvSpPr>
+            <a:spLocks noGrp="1"/>
+          </p:cNvSpPr>
+          <p:nvPr>
+            <p:ph type="title"/>
+          </p:nvPr>
         </p:nvSpPr>
         <p:spPr>
           <a:xfrm>
-            <a:off x="0" y="0"/>
-            <a:ext cx="9144000" cy="6858000"/>
-          </a:xfrm>
-          <a:prstGeom prst="rect">
-            <a:avLst/>
-          </a:prstGeom>
-          <a:gradFill>
-            <a:gsLst>
-              <a:gs pos="0">
-                <a:schemeClr val="accent6">
-                  <a:lumMod val="50000"/>
-                  <a:alpha val="36000"/>
-                </a:schemeClr>
-              </a:gs>
-              <a:gs pos="100000">
-                <a:schemeClr val="bg2">
-                  <a:alpha val="10000"/>
-                </a:schemeClr>
-              </a:gs>
-            </a:gsLst>
-            <a:lin ang="5400000" scaled="0"/>
-          </a:gradFill>
-          <a:ln>
-            <a:noFill/>
-          </a:ln>
-        </p:spPr>
-        <p:style>
-          <a:lnRef idx="2">
-            <a:schemeClr val="accent1">
-              <a:shade val="50000"/>
-            </a:schemeClr>
-          </a:lnRef>
-          <a:fillRef idx="1">
-            <a:schemeClr val="accent1"/>
-          </a:fillRef>
-          <a:effectRef idx="0">
-            <a:schemeClr val="accent1"/>
-          </a:effectRef>
-          <a:fontRef idx="minor">
-            <a:schemeClr val="lt1"/>
-          </a:fontRef>
-        </p:style>
-        <p:txBody>
-          <a:bodyPr rtlCol="0" anchor="ctr"/>
-          <a:lstStyle/>
-          <a:p>
-            <a:pPr algn="ctr"/>
-            <a:endParaRPr lang="en-US"/>
-          </a:p>
-        </p:txBody>
-      </p:sp>
-      <p:sp>
-        <p:nvSpPr>
-          <p:cNvPr id="8" name="Oval 7"/>
-          <p:cNvSpPr/>
-          <p:nvPr/>
-        </p:nvSpPr>
-        <p:spPr>
-          <a:xfrm rot="19724275">
-            <a:off x="1373221" y="1038440"/>
-            <a:ext cx="7240620" cy="5706987"/>
-          </a:xfrm>
-          <a:prstGeom prst="ellipse">
-            <a:avLst/>
-          </a:prstGeom>
-          <a:gradFill flip="none" rotWithShape="1">
-            <a:gsLst>
-              <a:gs pos="0">
-                <a:schemeClr val="accent6">
-                  <a:lumMod val="60000"/>
-                  <a:lumOff val="40000"/>
-                  <a:alpha val="7000"/>
-                </a:schemeClr>
-              </a:gs>
-              <a:gs pos="58000">
-                <a:schemeClr val="bg2">
-                  <a:alpha val="0"/>
-                </a:schemeClr>
-              </a:gs>
-            </a:gsLst>
-            <a:path path="circle">
-              <a:fillToRect l="50000" t="50000" r="50000" b="50000"/>
-            </a:path>
-            <a:tileRect/>
-          </a:gradFill>
-          <a:ln>
-            <a:noFill/>
-          </a:ln>
-        </p:spPr>
-        <p:style>
-          <a:lnRef idx="2">
-            <a:schemeClr val="accent1">
-              <a:shade val="50000"/>
-            </a:schemeClr>
-          </a:lnRef>
-          <a:fillRef idx="1">
-            <a:schemeClr val="accent1"/>
-          </a:fillRef>
-          <a:effectRef idx="0">
-            <a:schemeClr val="accent1"/>
-          </a:effectRef>
-          <a:fontRef idx="minor">
-            <a:schemeClr val="lt1"/>
-          </a:fontRef>
-        </p:style>
-        <p:txBody>
-          <a:bodyPr rtlCol="0" anchor="ctr"/>
-          <a:lstStyle/>
-          <a:p>
-            <a:pPr algn="ctr"/>
-            <a:endParaRPr lang="en-US"/>
-          </a:p>
-        </p:txBody>
-      </p:sp>
-      <p:sp>
-        <p:nvSpPr>
-          <p:cNvPr id="9" name="Oval 8"/>
-          <p:cNvSpPr/>
-          <p:nvPr/>
-        </p:nvSpPr>
-        <p:spPr>
-          <a:xfrm rot="17656910">
-            <a:off x="-274211" y="1165875"/>
-            <a:ext cx="5538472" cy="4480459"/>
-          </a:xfrm>
-          <a:prstGeom prst="ellipse">
-            <a:avLst/>
-          </a:prstGeom>
-          <a:gradFill flip="none" rotWithShape="1">
-            <a:gsLst>
-              <a:gs pos="0">
-                <a:schemeClr val="accent6">
-                  <a:lumMod val="60000"/>
-                  <a:lumOff val="40000"/>
-                  <a:alpha val="8000"/>
-                </a:schemeClr>
-              </a:gs>
-              <a:gs pos="58000">
-                <a:schemeClr val="bg2">
-                  <a:alpha val="0"/>
-                </a:schemeClr>
-              </a:gs>
-            </a:gsLst>
-            <a:path path="circle">
-              <a:fillToRect l="50000" t="50000" r="50000" b="50000"/>
-            </a:path>
-            <a:tileRect/>
-          </a:gradFill>
-          <a:ln>
-            <a:noFill/>
-          </a:ln>
-        </p:spPr>
-        <p:style>
-          <a:lnRef idx="2">
-            <a:schemeClr val="accent1">
-              <a:shade val="50000"/>
-            </a:schemeClr>
-          </a:lnRef>
-          <a:fillRef idx="1">
-            <a:schemeClr val="accent1"/>
-          </a:fillRef>
-          <a:effectRef idx="0">
-            <a:schemeClr val="accent1"/>
-          </a:effectRef>
-          <a:fontRef idx="minor">
-            <a:schemeClr val="lt1"/>
-          </a:fontRef>
-        </p:style>
-        <p:txBody>
-          <a:bodyPr rtlCol="0" anchor="ctr"/>
-          <a:lstStyle/>
-          <a:p>
-            <a:pPr algn="ctr"/>
-            <a:endParaRPr lang="en-US"/>
-          </a:p>
-        </p:txBody>
-      </p:sp>
-      <p:sp>
-        <p:nvSpPr>
-          <p:cNvPr id="10" name="Oval 9"/>
-          <p:cNvSpPr/>
-          <p:nvPr/>
-        </p:nvSpPr>
-        <p:spPr>
-          <a:xfrm rot="19724275">
-            <a:off x="3277955" y="116854"/>
-            <a:ext cx="6479362" cy="4754757"/>
-          </a:xfrm>
-          <a:prstGeom prst="ellipse">
-            <a:avLst/>
-          </a:prstGeom>
-          <a:gradFill flip="none" rotWithShape="1">
-            <a:gsLst>
-              <a:gs pos="0">
-                <a:schemeClr val="accent6">
-                  <a:lumMod val="60000"/>
-                  <a:lumOff val="40000"/>
-                  <a:alpha val="8000"/>
-                </a:schemeClr>
-              </a:gs>
-              <a:gs pos="58000">
-                <a:schemeClr val="bg2">
-                  <a:alpha val="0"/>
-                </a:schemeClr>
-              </a:gs>
-            </a:gsLst>
-            <a:path path="circle">
-              <a:fillToRect l="50000" t="50000" r="50000" b="50000"/>
-            </a:path>
-            <a:tileRect/>
-          </a:gradFill>
-          <a:ln>
-            <a:noFill/>
-          </a:ln>
-        </p:spPr>
-        <p:style>
-          <a:lnRef idx="2">
-            <a:schemeClr val="accent1">
-              <a:shade val="50000"/>
-            </a:schemeClr>
-          </a:lnRef>
-          <a:fillRef idx="1">
-            <a:schemeClr val="accent1"/>
-          </a:fillRef>
-          <a:effectRef idx="0">
-            <a:schemeClr val="accent1"/>
-          </a:effectRef>
-          <a:fontRef idx="minor">
-            <a:schemeClr val="lt1"/>
-          </a:fontRef>
-        </p:style>
-        <p:txBody>
-          <a:bodyPr rtlCol="0" anchor="ctr"/>
-          <a:lstStyle/>
-          <a:p>
-            <a:pPr algn="ctr"/>
-            <a:endParaRPr lang="en-US"/>
-          </a:p>
-        </p:txBody>
-      </p:sp>
-      <p:sp>
-        <p:nvSpPr>
-          <p:cNvPr id="2" name="Title Placeholder 1"/>
-          <p:cNvSpPr>
-            <a:spLocks noGrp="1"/>
-          </p:cNvSpPr>
-          <p:nvPr>
-            <p:ph type="title"/>
-          </p:nvPr>
-        </p:nvSpPr>
-        <p:spPr>
-          <a:xfrm>
-            <a:off x="777240" y="4876800"/>
-            <a:ext cx="7543800" cy="914400"/>
+            <a:off x="609600" y="274639"/>
+            <a:ext cx="10972800" cy="1143000"/>
           </a:xfrm>
           <a:prstGeom prst="rect">
             <a:avLst/>
           </a:prstGeom>
         </p:spPr>
         <p:txBody>
-          <a:bodyPr vert="horz" lIns="91440" tIns="45720" rIns="91440" bIns="45720" rtlCol="0" anchor="b">
-            <a:noAutofit/>
+          <a:bodyPr vert="horz" lIns="91440" tIns="45720" rIns="91440" bIns="45720" rtlCol="0" anchor="ctr">
+            <a:normAutofit/>
           </a:bodyPr>
           <a:lstStyle/>
           <a:p>
@@ -3811,13 +3393,13 @@
               <a:rPr lang="zh-TW" altLang="en-US" smtClean="0"/>
               <a:t>按一下以編輯母片標題樣式</a:t>
             </a:r>
-            <a:endParaRPr lang="en-US" dirty="0"/>
-          </a:p>
-        </p:txBody>
-      </p:sp>
-      <p:sp>
-        <p:nvSpPr>
-          <p:cNvPr id="3" name="Text Placeholder 2"/>
+            <a:endParaRPr lang="zh-TW" altLang="en-US"/>
+          </a:p>
+        </p:txBody>
+      </p:sp>
+      <p:sp>
+        <p:nvSpPr>
+          <p:cNvPr id="3" name="文字版面配置區 2"/>
           <p:cNvSpPr>
             <a:spLocks noGrp="1"/>
           </p:cNvSpPr>
@@ -3827,15 +3409,15 @@
         </p:nvSpPr>
         <p:spPr>
           <a:xfrm>
-            <a:off x="2133600" y="685801"/>
-            <a:ext cx="6096000" cy="3657599"/>
+            <a:off x="609600" y="1600201"/>
+            <a:ext cx="10972800" cy="4525963"/>
           </a:xfrm>
           <a:prstGeom prst="rect">
             <a:avLst/>
           </a:prstGeom>
         </p:spPr>
         <p:txBody>
-          <a:bodyPr vert="horz" lIns="91440" tIns="45720" rIns="91440" bIns="45720" rtlCol="0" anchor="ctr">
+          <a:bodyPr vert="horz" lIns="91440" tIns="45720" rIns="91440" bIns="45720" rtlCol="0">
             <a:normAutofit/>
           </a:bodyPr>
           <a:lstStyle/>
@@ -3873,13 +3455,13 @@
               <a:rPr lang="zh-TW" altLang="en-US" smtClean="0"/>
               <a:t>第五層</a:t>
             </a:r>
-            <a:endParaRPr lang="en-US" dirty="0"/>
-          </a:p>
-        </p:txBody>
-      </p:sp>
-      <p:sp>
-        <p:nvSpPr>
-          <p:cNvPr id="4" name="Date Placeholder 3"/>
+            <a:endParaRPr lang="zh-TW" altLang="en-US"/>
+          </a:p>
+        </p:txBody>
+      </p:sp>
+      <p:sp>
+        <p:nvSpPr>
+          <p:cNvPr id="4" name="日期版面配置區 3"/>
           <p:cNvSpPr>
             <a:spLocks noGrp="1"/>
           </p:cNvSpPr>
@@ -3889,24 +3471,23 @@
         </p:nvSpPr>
         <p:spPr>
           <a:xfrm>
-            <a:off x="6172200" y="6154738"/>
-            <a:ext cx="2133600" cy="365125"/>
+            <a:off x="609600" y="6356351"/>
+            <a:ext cx="2844800" cy="365125"/>
           </a:xfrm>
           <a:prstGeom prst="rect">
             <a:avLst/>
           </a:prstGeom>
         </p:spPr>
         <p:txBody>
-          <a:bodyPr vert="horz" lIns="91440" tIns="45720" rIns="91440" bIns="45720" rtlCol="0" anchor="t"/>
+          <a:bodyPr vert="horz" lIns="91440" tIns="45720" rIns="91440" bIns="45720" rtlCol="0" anchor="ctr"/>
           <a:lstStyle>
-            <a:lvl1pPr algn="r">
-              <a:defRPr sz="1100">
+            <a:lvl1pPr algn="l">
+              <a:defRPr sz="1600">
                 <a:solidFill>
                   <a:schemeClr val="tx1">
-                    <a:alpha val="60000"/>
+                    <a:tint val="75000"/>
                   </a:schemeClr>
                 </a:solidFill>
-                <a:effectLst/>
               </a:defRPr>
             </a:lvl1pPr>
           </a:lstStyle>
@@ -3914,7 +3495,7 @@
             <a:fld id="{6AC36C85-032A-4F88-A352-327B4A999953}" type="datetimeFigureOut">
               <a:rPr lang="zh-TW" altLang="en-US" smtClean="0"/>
               <a:pPr/>
-              <a:t>2013/11/2</a:t>
+              <a:t>2020/5/23</a:t>
             </a:fld>
             <a:endParaRPr lang="zh-TW" altLang="en-US"/>
           </a:p>
@@ -3922,7 +3503,7 @@
       </p:sp>
       <p:sp>
         <p:nvSpPr>
-          <p:cNvPr id="5" name="Footer Placeholder 4"/>
+          <p:cNvPr id="5" name="頁尾版面配置區 4"/>
           <p:cNvSpPr>
             <a:spLocks noGrp="1"/>
           </p:cNvSpPr>
@@ -3932,24 +3513,23 @@
         </p:nvSpPr>
         <p:spPr>
           <a:xfrm>
-            <a:off x="822960" y="6154738"/>
-            <a:ext cx="4572000" cy="365125"/>
+            <a:off x="4165600" y="6356351"/>
+            <a:ext cx="3860800" cy="365125"/>
           </a:xfrm>
           <a:prstGeom prst="rect">
             <a:avLst/>
           </a:prstGeom>
         </p:spPr>
         <p:txBody>
-          <a:bodyPr vert="horz" lIns="91440" tIns="45720" rIns="91440" bIns="45720" rtlCol="0" anchor="t"/>
+          <a:bodyPr vert="horz" lIns="91440" tIns="45720" rIns="91440" bIns="45720" rtlCol="0" anchor="ctr"/>
           <a:lstStyle>
-            <a:lvl1pPr algn="l">
-              <a:defRPr sz="1100">
+            <a:lvl1pPr algn="ctr">
+              <a:defRPr sz="1600">
                 <a:solidFill>
                   <a:schemeClr val="tx1">
-                    <a:alpha val="60000"/>
+                    <a:tint val="75000"/>
                   </a:schemeClr>
                 </a:solidFill>
-                <a:effectLst/>
               </a:defRPr>
             </a:lvl1pPr>
           </a:lstStyle>
@@ -3960,7 +3540,7 @@
       </p:sp>
       <p:sp>
         <p:nvSpPr>
-          <p:cNvPr id="6" name="Slide Number Placeholder 5"/>
+          <p:cNvPr id="6" name="投影片編號版面配置區 5"/>
           <p:cNvSpPr>
             <a:spLocks noGrp="1"/>
           </p:cNvSpPr>
@@ -3970,24 +3550,23 @@
         </p:nvSpPr>
         <p:spPr>
           <a:xfrm>
-            <a:off x="822960" y="5842000"/>
-            <a:ext cx="2133600" cy="304800"/>
+            <a:off x="8737600" y="6356351"/>
+            <a:ext cx="2844800" cy="365125"/>
           </a:xfrm>
           <a:prstGeom prst="rect">
             <a:avLst/>
           </a:prstGeom>
         </p:spPr>
         <p:txBody>
-          <a:bodyPr vert="horz" lIns="91440" tIns="45720" rIns="91440" bIns="9144" rtlCol="0" anchor="b"/>
+          <a:bodyPr vert="horz" lIns="91440" tIns="45720" rIns="91440" bIns="45720" rtlCol="0" anchor="ctr"/>
           <a:lstStyle>
-            <a:lvl1pPr algn="l">
+            <a:lvl1pPr algn="r">
               <a:defRPr sz="1600">
                 <a:solidFill>
                   <a:schemeClr val="tx1">
-                    <a:alpha val="60000"/>
+                    <a:tint val="75000"/>
                   </a:schemeClr>
                 </a:solidFill>
-                <a:effectLst/>
               </a:defRPr>
             </a:lvl1pPr>
           </a:lstStyle>
@@ -4002,307 +3581,174 @@
         </p:txBody>
       </p:sp>
     </p:spTree>
+    <p:extLst>
+      <p:ext uri="{BB962C8B-B14F-4D97-AF65-F5344CB8AC3E}">
+        <p14:creationId xmlns:p14="http://schemas.microsoft.com/office/powerpoint/2010/main" val="4079506797"/>
+      </p:ext>
+    </p:extLst>
   </p:cSld>
-  <p:clrMap bg1="dk1" tx1="lt1" bg2="dk2" tx2="lt2" accent1="accent1" accent2="accent2" accent3="accent3" accent4="accent4" accent5="accent5" accent6="accent6" hlink="hlink" folHlink="folHlink"/>
+  <p:clrMap bg1="lt1" tx1="dk1" bg2="lt2" tx2="dk2" accent1="accent1" accent2="accent2" accent3="accent3" accent4="accent4" accent5="accent5" accent6="accent6" hlink="hlink" folHlink="folHlink"/>
   <p:sldLayoutIdLst>
-    <p:sldLayoutId id="2147483673" r:id="rId1"/>
-    <p:sldLayoutId id="2147483674" r:id="rId2"/>
-    <p:sldLayoutId id="2147483675" r:id="rId3"/>
-    <p:sldLayoutId id="2147483676" r:id="rId4"/>
-    <p:sldLayoutId id="2147483677" r:id="rId5"/>
-    <p:sldLayoutId id="2147483678" r:id="rId6"/>
-    <p:sldLayoutId id="2147483679" r:id="rId7"/>
-    <p:sldLayoutId id="2147483680" r:id="rId8"/>
-    <p:sldLayoutId id="2147483681" r:id="rId9"/>
-    <p:sldLayoutId id="2147483682" r:id="rId10"/>
-    <p:sldLayoutId id="2147483683" r:id="rId11"/>
+    <p:sldLayoutId id="2147483685" r:id="rId1"/>
+    <p:sldLayoutId id="2147483686" r:id="rId2"/>
+    <p:sldLayoutId id="2147483687" r:id="rId3"/>
+    <p:sldLayoutId id="2147483688" r:id="rId4"/>
+    <p:sldLayoutId id="2147483689" r:id="rId5"/>
+    <p:sldLayoutId id="2147483690" r:id="rId6"/>
+    <p:sldLayoutId id="2147483691" r:id="rId7"/>
+    <p:sldLayoutId id="2147483692" r:id="rId8"/>
+    <p:sldLayoutId id="2147483693" r:id="rId9"/>
+    <p:sldLayoutId id="2147483694" r:id="rId10"/>
+    <p:sldLayoutId id="2147483695" r:id="rId11"/>
   </p:sldLayoutIdLst>
   <p:txStyles>
     <p:titleStyle>
-      <a:lvl1pPr algn="l" defTabSz="914400" rtl="0" eaLnBrk="1" latinLnBrk="0" hangingPunct="1">
+      <a:lvl1pPr algn="ctr" defTabSz="1219170" rtl="0" eaLnBrk="1" latinLnBrk="0" hangingPunct="1">
         <a:spcBef>
           <a:spcPct val="0"/>
         </a:spcBef>
         <a:buNone/>
-        <a:defRPr sz="4900" kern="1200">
+        <a:defRPr sz="5867" kern="1200">
           <a:solidFill>
             <a:schemeClr val="tx1"/>
           </a:solidFill>
-          <a:effectLst>
-            <a:outerShdw blurRad="38100" dist="38100" dir="2700000" algn="tl">
-              <a:srgbClr val="000000">
-                <a:alpha val="43137"/>
-              </a:srgbClr>
-            </a:outerShdw>
-          </a:effectLst>
           <a:latin typeface="+mj-lt"/>
           <a:ea typeface="+mj-ea"/>
           <a:cs typeface="+mj-cs"/>
         </a:defRPr>
       </a:lvl1pPr>
-      <a:lvl2pPr eaLnBrk="1" hangingPunct="1">
-        <a:defRPr>
-          <a:solidFill>
-            <a:schemeClr val="tx2"/>
-          </a:solidFill>
-        </a:defRPr>
-      </a:lvl2pPr>
-      <a:lvl3pPr eaLnBrk="1" hangingPunct="1">
-        <a:defRPr>
-          <a:solidFill>
-            <a:schemeClr val="tx2"/>
-          </a:solidFill>
-        </a:defRPr>
-      </a:lvl3pPr>
-      <a:lvl4pPr eaLnBrk="1" hangingPunct="1">
-        <a:defRPr>
-          <a:solidFill>
-            <a:schemeClr val="tx2"/>
-          </a:solidFill>
-        </a:defRPr>
-      </a:lvl4pPr>
-      <a:lvl5pPr eaLnBrk="1" hangingPunct="1">
-        <a:defRPr>
-          <a:solidFill>
-            <a:schemeClr val="tx2"/>
-          </a:solidFill>
-        </a:defRPr>
-      </a:lvl5pPr>
-      <a:lvl6pPr eaLnBrk="1" hangingPunct="1">
-        <a:defRPr>
-          <a:solidFill>
-            <a:schemeClr val="tx2"/>
-          </a:solidFill>
-        </a:defRPr>
-      </a:lvl6pPr>
-      <a:lvl7pPr eaLnBrk="1" hangingPunct="1">
-        <a:defRPr>
-          <a:solidFill>
-            <a:schemeClr val="tx2"/>
-          </a:solidFill>
-        </a:defRPr>
-      </a:lvl7pPr>
-      <a:lvl8pPr eaLnBrk="1" hangingPunct="1">
-        <a:defRPr>
-          <a:solidFill>
-            <a:schemeClr val="tx2"/>
-          </a:solidFill>
-        </a:defRPr>
-      </a:lvl8pPr>
-      <a:lvl9pPr eaLnBrk="1" hangingPunct="1">
-        <a:defRPr>
-          <a:solidFill>
-            <a:schemeClr val="tx2"/>
-          </a:solidFill>
-        </a:defRPr>
-      </a:lvl9pPr>
     </p:titleStyle>
     <p:bodyStyle>
-      <a:lvl1pPr marL="274320" indent="-256032" algn="l" defTabSz="914400" rtl="0" eaLnBrk="1" latinLnBrk="0" hangingPunct="1">
+      <a:lvl1pPr marL="457189" indent="-457189" algn="l" defTabSz="1219170" rtl="0" eaLnBrk="1" latinLnBrk="0" hangingPunct="1">
         <a:spcBef>
           <a:spcPct val="20000"/>
         </a:spcBef>
-        <a:spcAft>
-          <a:spcPts val="0"/>
-        </a:spcAft>
-        <a:buSzPct val="60000"/>
-        <a:buFont typeface="Wingdings" pitchFamily="2" charset="2"/>
-        <a:buChar char=""/>
-        <a:defRPr sz="2100" kern="1200">
+        <a:buFont typeface="Arial" pitchFamily="34" charset="0"/>
+        <a:buChar char="•"/>
+        <a:defRPr sz="4267" kern="1200">
           <a:solidFill>
             <a:schemeClr val="tx1"/>
           </a:solidFill>
-          <a:effectLst>
-            <a:outerShdw blurRad="38100" dist="38100" dir="2700000" algn="tl">
-              <a:srgbClr val="000000">
-                <a:alpha val="43137"/>
-              </a:srgbClr>
-            </a:outerShdw>
-          </a:effectLst>
           <a:latin typeface="+mn-lt"/>
           <a:ea typeface="+mn-ea"/>
           <a:cs typeface="+mn-cs"/>
         </a:defRPr>
       </a:lvl1pPr>
-      <a:lvl2pPr marL="640080" indent="-256032" algn="l" defTabSz="914400" rtl="0" eaLnBrk="1" latinLnBrk="0" hangingPunct="1">
+      <a:lvl2pPr marL="990575" indent="-380990" algn="l" defTabSz="1219170" rtl="0" eaLnBrk="1" latinLnBrk="0" hangingPunct="1">
         <a:spcBef>
           <a:spcPct val="20000"/>
         </a:spcBef>
-        <a:buSzPct val="60000"/>
-        <a:buFont typeface="Wingdings" pitchFamily="2" charset="2"/>
-        <a:buChar char=""/>
-        <a:defRPr sz="1900" kern="1200">
+        <a:buFont typeface="Arial" pitchFamily="34" charset="0"/>
+        <a:buChar char="–"/>
+        <a:defRPr sz="3733" kern="1200">
           <a:solidFill>
             <a:schemeClr val="tx1"/>
           </a:solidFill>
-          <a:effectLst>
-            <a:outerShdw blurRad="38100" dist="38100" dir="2700000" algn="tl">
-              <a:srgbClr val="000000">
-                <a:alpha val="43137"/>
-              </a:srgbClr>
-            </a:outerShdw>
-          </a:effectLst>
           <a:latin typeface="+mn-lt"/>
           <a:ea typeface="+mn-ea"/>
           <a:cs typeface="+mn-cs"/>
         </a:defRPr>
       </a:lvl2pPr>
-      <a:lvl3pPr marL="1005840" indent="-256032" algn="l" defTabSz="914400" rtl="0" eaLnBrk="1" latinLnBrk="0" hangingPunct="1">
+      <a:lvl3pPr marL="1523962" indent="-304792" algn="l" defTabSz="1219170" rtl="0" eaLnBrk="1" latinLnBrk="0" hangingPunct="1">
         <a:spcBef>
           <a:spcPct val="20000"/>
         </a:spcBef>
-        <a:buSzPct val="60000"/>
-        <a:buFont typeface="Wingdings" pitchFamily="2" charset="2"/>
-        <a:buChar char=""/>
-        <a:defRPr sz="1700" kern="1200">
+        <a:buFont typeface="Arial" pitchFamily="34" charset="0"/>
+        <a:buChar char="•"/>
+        <a:defRPr sz="3200" kern="1200">
           <a:solidFill>
             <a:schemeClr val="tx1"/>
           </a:solidFill>
-          <a:effectLst>
-            <a:outerShdw blurRad="38100" dist="38100" dir="2700000" algn="tl">
-              <a:srgbClr val="000000">
-                <a:alpha val="43137"/>
-              </a:srgbClr>
-            </a:outerShdw>
-          </a:effectLst>
           <a:latin typeface="+mn-lt"/>
           <a:ea typeface="+mn-ea"/>
           <a:cs typeface="+mn-cs"/>
         </a:defRPr>
       </a:lvl3pPr>
-      <a:lvl4pPr marL="1371600" indent="-256032" algn="l" defTabSz="914400" rtl="0" eaLnBrk="1" latinLnBrk="0" hangingPunct="1">
+      <a:lvl4pPr marL="2133547" indent="-304792" algn="l" defTabSz="1219170" rtl="0" eaLnBrk="1" latinLnBrk="0" hangingPunct="1">
         <a:spcBef>
           <a:spcPct val="20000"/>
         </a:spcBef>
-        <a:buSzPct val="60000"/>
-        <a:buFont typeface="Wingdings" pitchFamily="2" charset="2"/>
-        <a:buChar char=""/>
-        <a:defRPr sz="1600" kern="1200">
+        <a:buFont typeface="Arial" pitchFamily="34" charset="0"/>
+        <a:buChar char="–"/>
+        <a:defRPr sz="2667" kern="1200">
           <a:solidFill>
             <a:schemeClr val="tx1"/>
           </a:solidFill>
-          <a:effectLst>
-            <a:outerShdw blurRad="38100" dist="38100" dir="2700000" algn="tl">
-              <a:srgbClr val="000000">
-                <a:alpha val="43137"/>
-              </a:srgbClr>
-            </a:outerShdw>
-          </a:effectLst>
           <a:latin typeface="+mn-lt"/>
           <a:ea typeface="+mn-ea"/>
           <a:cs typeface="+mn-cs"/>
         </a:defRPr>
       </a:lvl4pPr>
-      <a:lvl5pPr marL="1645920" indent="-256032" algn="l" defTabSz="914400" rtl="0" eaLnBrk="1" latinLnBrk="0" hangingPunct="1">
+      <a:lvl5pPr marL="2743131" indent="-304792" algn="l" defTabSz="1219170" rtl="0" eaLnBrk="1" latinLnBrk="0" hangingPunct="1">
         <a:spcBef>
           <a:spcPct val="20000"/>
         </a:spcBef>
-        <a:buSzPct val="60000"/>
-        <a:buFont typeface="Wingdings" pitchFamily="2" charset="2"/>
-        <a:buChar char=""/>
-        <a:defRPr sz="1500" kern="1200">
+        <a:buFont typeface="Arial" pitchFamily="34" charset="0"/>
+        <a:buChar char="»"/>
+        <a:defRPr sz="2667" kern="1200">
           <a:solidFill>
             <a:schemeClr val="tx1"/>
           </a:solidFill>
-          <a:effectLst>
-            <a:outerShdw blurRad="38100" dist="38100" dir="2700000" algn="tl">
-              <a:srgbClr val="000000">
-                <a:alpha val="43137"/>
-              </a:srgbClr>
-            </a:outerShdw>
-          </a:effectLst>
           <a:latin typeface="+mn-lt"/>
           <a:ea typeface="+mn-ea"/>
           <a:cs typeface="+mn-cs"/>
         </a:defRPr>
       </a:lvl5pPr>
-      <a:lvl6pPr marL="1965960" indent="-256032" algn="l" defTabSz="914400" rtl="0" eaLnBrk="1" latinLnBrk="0" hangingPunct="1">
+      <a:lvl6pPr marL="3352716" indent="-304792" algn="l" defTabSz="1219170" rtl="0" eaLnBrk="1" latinLnBrk="0" hangingPunct="1">
         <a:spcBef>
           <a:spcPct val="20000"/>
         </a:spcBef>
-        <a:buSzPct val="60000"/>
-        <a:buFont typeface="Wingdings" pitchFamily="2" charset="2"/>
-        <a:buChar char=""/>
-        <a:defRPr sz="1400" kern="1200">
+        <a:buFont typeface="Arial" pitchFamily="34" charset="0"/>
+        <a:buChar char="•"/>
+        <a:defRPr sz="2667" kern="1200">
           <a:solidFill>
             <a:schemeClr val="tx1"/>
           </a:solidFill>
-          <a:effectLst>
-            <a:outerShdw blurRad="38100" dist="38100" dir="2700000" algn="ctr" rotWithShape="0">
-              <a:srgbClr val="000000">
-                <a:alpha val="43000"/>
-              </a:srgbClr>
-            </a:outerShdw>
-          </a:effectLst>
           <a:latin typeface="+mn-lt"/>
           <a:ea typeface="+mn-ea"/>
           <a:cs typeface="+mn-cs"/>
         </a:defRPr>
       </a:lvl6pPr>
-      <a:lvl7pPr marL="2240280" indent="-256032" algn="l" defTabSz="914400" rtl="0" eaLnBrk="1" latinLnBrk="0" hangingPunct="1">
+      <a:lvl7pPr marL="3962301" indent="-304792" algn="l" defTabSz="1219170" rtl="0" eaLnBrk="1" latinLnBrk="0" hangingPunct="1">
         <a:spcBef>
           <a:spcPct val="20000"/>
         </a:spcBef>
-        <a:buSzPct val="60000"/>
-        <a:buFont typeface="Wingdings" pitchFamily="2" charset="2"/>
-        <a:buChar char=""/>
-        <a:defRPr sz="1400" kern="1200">
+        <a:buFont typeface="Arial" pitchFamily="34" charset="0"/>
+        <a:buChar char="•"/>
+        <a:defRPr sz="2667" kern="1200">
           <a:solidFill>
             <a:schemeClr val="tx1"/>
           </a:solidFill>
-          <a:effectLst>
-            <a:outerShdw blurRad="38100" dist="38100" dir="2700000" algn="ctr" rotWithShape="0">
-              <a:srgbClr val="000000">
-                <a:alpha val="43000"/>
-              </a:srgbClr>
-            </a:outerShdw>
-          </a:effectLst>
           <a:latin typeface="+mn-lt"/>
           <a:ea typeface="+mn-ea"/>
           <a:cs typeface="+mn-cs"/>
         </a:defRPr>
       </a:lvl7pPr>
-      <a:lvl8pPr marL="2514600" indent="-256032" algn="l" defTabSz="914400" rtl="0" eaLnBrk="1" latinLnBrk="0" hangingPunct="1">
+      <a:lvl8pPr marL="4571886" indent="-304792" algn="l" defTabSz="1219170" rtl="0" eaLnBrk="1" latinLnBrk="0" hangingPunct="1">
         <a:spcBef>
           <a:spcPct val="20000"/>
         </a:spcBef>
-        <a:buSzPct val="60000"/>
-        <a:buFont typeface="Wingdings" pitchFamily="2" charset="2"/>
-        <a:buChar char=""/>
-        <a:defRPr sz="1400" kern="1200">
+        <a:buFont typeface="Arial" pitchFamily="34" charset="0"/>
+        <a:buChar char="•"/>
+        <a:defRPr sz="2667" kern="1200">
           <a:solidFill>
             <a:schemeClr val="tx1"/>
           </a:solidFill>
-          <a:effectLst>
-            <a:outerShdw blurRad="38100" dist="38100" dir="2700000" algn="ctr" rotWithShape="0">
-              <a:srgbClr val="000000">
-                <a:alpha val="43000"/>
-              </a:srgbClr>
-            </a:outerShdw>
-          </a:effectLst>
           <a:latin typeface="+mn-lt"/>
           <a:ea typeface="+mn-ea"/>
           <a:cs typeface="+mn-cs"/>
         </a:defRPr>
       </a:lvl8pPr>
-      <a:lvl9pPr marL="2834640" indent="-256032" algn="l" defTabSz="914400" rtl="0" eaLnBrk="1" latinLnBrk="0" hangingPunct="1">
+      <a:lvl9pPr marL="5181470" indent="-304792" algn="l" defTabSz="1219170" rtl="0" eaLnBrk="1" latinLnBrk="0" hangingPunct="1">
         <a:spcBef>
           <a:spcPct val="20000"/>
         </a:spcBef>
-        <a:buSzPct val="60000"/>
-        <a:buFont typeface="Wingdings" pitchFamily="2" charset="2"/>
-        <a:buChar char=""/>
-        <a:defRPr sz="1400" kern="1200">
+        <a:buFont typeface="Arial" pitchFamily="34" charset="0"/>
+        <a:buChar char="•"/>
+        <a:defRPr sz="2667" kern="1200">
           <a:solidFill>
             <a:schemeClr val="tx1"/>
           </a:solidFill>
-          <a:effectLst>
-            <a:outerShdw blurRad="38100" dist="38100" dir="2700000" algn="ctr" rotWithShape="0">
-              <a:srgbClr val="000000">
-                <a:alpha val="43000"/>
-              </a:srgbClr>
-            </a:outerShdw>
-          </a:effectLst>
           <a:latin typeface="+mn-lt"/>
           <a:ea typeface="+mn-ea"/>
           <a:cs typeface="+mn-cs"/>
@@ -4311,10 +3757,10 @@
     </p:bodyStyle>
     <p:otherStyle>
       <a:defPPr>
-        <a:defRPr lang="en-US"/>
+        <a:defRPr lang="zh-TW"/>
       </a:defPPr>
-      <a:lvl1pPr marL="0" algn="l" defTabSz="914400" rtl="0" eaLnBrk="1" latinLnBrk="0" hangingPunct="1">
-        <a:defRPr sz="1800" kern="1200">
+      <a:lvl1pPr marL="0" algn="l" defTabSz="1219170" rtl="0" eaLnBrk="1" latinLnBrk="0" hangingPunct="1">
+        <a:defRPr sz="2400" kern="1200">
           <a:solidFill>
             <a:schemeClr val="tx1"/>
           </a:solidFill>
@@ -4323,8 +3769,8 @@
           <a:cs typeface="+mn-cs"/>
         </a:defRPr>
       </a:lvl1pPr>
-      <a:lvl2pPr marL="457200" algn="l" defTabSz="914400" rtl="0" eaLnBrk="1" latinLnBrk="0" hangingPunct="1">
-        <a:defRPr sz="1800" kern="1200">
+      <a:lvl2pPr marL="609585" algn="l" defTabSz="1219170" rtl="0" eaLnBrk="1" latinLnBrk="0" hangingPunct="1">
+        <a:defRPr sz="2400" kern="1200">
           <a:solidFill>
             <a:schemeClr val="tx1"/>
           </a:solidFill>
@@ -4333,8 +3779,8 @@
           <a:cs typeface="+mn-cs"/>
         </a:defRPr>
       </a:lvl2pPr>
-      <a:lvl3pPr marL="914400" algn="l" defTabSz="914400" rtl="0" eaLnBrk="1" latinLnBrk="0" hangingPunct="1">
-        <a:defRPr sz="1800" kern="1200">
+      <a:lvl3pPr marL="1219170" algn="l" defTabSz="1219170" rtl="0" eaLnBrk="1" latinLnBrk="0" hangingPunct="1">
+        <a:defRPr sz="2400" kern="1200">
           <a:solidFill>
             <a:schemeClr val="tx1"/>
           </a:solidFill>
@@ -4343,8 +3789,8 @@
           <a:cs typeface="+mn-cs"/>
         </a:defRPr>
       </a:lvl3pPr>
-      <a:lvl4pPr marL="1371600" algn="l" defTabSz="914400" rtl="0" eaLnBrk="1" latinLnBrk="0" hangingPunct="1">
-        <a:defRPr sz="1800" kern="1200">
+      <a:lvl4pPr marL="1828754" algn="l" defTabSz="1219170" rtl="0" eaLnBrk="1" latinLnBrk="0" hangingPunct="1">
+        <a:defRPr sz="2400" kern="1200">
           <a:solidFill>
             <a:schemeClr val="tx1"/>
           </a:solidFill>
@@ -4353,8 +3799,8 @@
           <a:cs typeface="+mn-cs"/>
         </a:defRPr>
       </a:lvl4pPr>
-      <a:lvl5pPr marL="1828800" algn="l" defTabSz="914400" rtl="0" eaLnBrk="1" latinLnBrk="0" hangingPunct="1">
-        <a:defRPr sz="1800" kern="1200">
+      <a:lvl5pPr marL="2438339" algn="l" defTabSz="1219170" rtl="0" eaLnBrk="1" latinLnBrk="0" hangingPunct="1">
+        <a:defRPr sz="2400" kern="1200">
           <a:solidFill>
             <a:schemeClr val="tx1"/>
           </a:solidFill>
@@ -4363,8 +3809,8 @@
           <a:cs typeface="+mn-cs"/>
         </a:defRPr>
       </a:lvl5pPr>
-      <a:lvl6pPr marL="2286000" algn="l" defTabSz="914400" rtl="0" eaLnBrk="1" latinLnBrk="0" hangingPunct="1">
-        <a:defRPr sz="1800" kern="1200">
+      <a:lvl6pPr marL="3047924" algn="l" defTabSz="1219170" rtl="0" eaLnBrk="1" latinLnBrk="0" hangingPunct="1">
+        <a:defRPr sz="2400" kern="1200">
           <a:solidFill>
             <a:schemeClr val="tx1"/>
           </a:solidFill>
@@ -4373,8 +3819,8 @@
           <a:cs typeface="+mn-cs"/>
         </a:defRPr>
       </a:lvl6pPr>
-      <a:lvl7pPr marL="2743200" algn="l" defTabSz="914400" rtl="0" eaLnBrk="1" latinLnBrk="0" hangingPunct="1">
-        <a:defRPr sz="1800" kern="1200">
+      <a:lvl7pPr marL="3657509" algn="l" defTabSz="1219170" rtl="0" eaLnBrk="1" latinLnBrk="0" hangingPunct="1">
+        <a:defRPr sz="2400" kern="1200">
           <a:solidFill>
             <a:schemeClr val="tx1"/>
           </a:solidFill>
@@ -4383,8 +3829,8 @@
           <a:cs typeface="+mn-cs"/>
         </a:defRPr>
       </a:lvl7pPr>
-      <a:lvl8pPr marL="3200400" algn="l" defTabSz="914400" rtl="0" eaLnBrk="1" latinLnBrk="0" hangingPunct="1">
-        <a:defRPr sz="1800" kern="1200">
+      <a:lvl8pPr marL="4267093" algn="l" defTabSz="1219170" rtl="0" eaLnBrk="1" latinLnBrk="0" hangingPunct="1">
+        <a:defRPr sz="2400" kern="1200">
           <a:solidFill>
             <a:schemeClr val="tx1"/>
           </a:solidFill>
@@ -4393,8 +3839,8 @@
           <a:cs typeface="+mn-cs"/>
         </a:defRPr>
       </a:lvl8pPr>
-      <a:lvl9pPr marL="3657600" algn="l" defTabSz="914400" rtl="0" eaLnBrk="1" latinLnBrk="0" hangingPunct="1">
-        <a:defRPr sz="1800" kern="1200">
+      <a:lvl9pPr marL="4876678" algn="l" defTabSz="1219170" rtl="0" eaLnBrk="1" latinLnBrk="0" hangingPunct="1">
+        <a:defRPr sz="2400" kern="1200">
           <a:solidFill>
             <a:schemeClr val="tx1"/>
           </a:solidFill>
@@ -4427,253 +3873,30 @@
       </p:grpSpPr>
       <p:sp>
         <p:nvSpPr>
-          <p:cNvPr id="7169" name="Rectangle 1"/>
+          <p:cNvPr id="7170" name="Rectangle 2"/>
           <p:cNvSpPr>
             <a:spLocks noGrp="1" noChangeArrowheads="1"/>
           </p:cNvSpPr>
           <p:nvPr>
-            <p:ph idx="1"/>
+            <p:ph type="title"/>
           </p:nvPr>
         </p:nvSpPr>
         <p:spPr>
           <a:xfrm>
-            <a:off x="250825" y="1484313"/>
-            <a:ext cx="8712200" cy="4140200"/>
+            <a:off x="0" y="476672"/>
+            <a:ext cx="12191999" cy="719137"/>
           </a:xfrm>
         </p:spPr>
         <p:txBody>
-          <a:bodyPr anchor="t">
+          <a:bodyPr anchor="ctr">
             <a:noAutofit/>
           </a:bodyPr>
           <a:lstStyle/>
           <a:p>
-            <a:pPr marL="338138" indent="-338138" eaLnBrk="1" hangingPunct="1">
-              <a:lnSpc>
-                <a:spcPct val="100000"/>
-              </a:lnSpc>
-              <a:spcBef>
-                <a:spcPts val="900"/>
-              </a:spcBef>
-              <a:buClr>
-                <a:srgbClr val="660066"/>
-              </a:buClr>
-              <a:buFont typeface="標楷體" pitchFamily="65" charset="-120"/>
-              <a:buNone/>
-              <a:tabLst>
-                <a:tab pos="444500" algn="l"/>
-                <a:tab pos="893763" algn="l"/>
-                <a:tab pos="1343025" algn="l"/>
-                <a:tab pos="1792288" algn="l"/>
-                <a:tab pos="2241550" algn="l"/>
-                <a:tab pos="2690813" algn="l"/>
-                <a:tab pos="3140075" algn="l"/>
-                <a:tab pos="3589338" algn="l"/>
-                <a:tab pos="4038600" algn="l"/>
-                <a:tab pos="4487863" algn="l"/>
-                <a:tab pos="4937125" algn="l"/>
-                <a:tab pos="5386388" algn="l"/>
-                <a:tab pos="5835650" algn="l"/>
-                <a:tab pos="6284913" algn="l"/>
-                <a:tab pos="6734175" algn="l"/>
-                <a:tab pos="7183438" algn="l"/>
-                <a:tab pos="7632700" algn="l"/>
-                <a:tab pos="8081963" algn="l"/>
-                <a:tab pos="8531225" algn="l"/>
-                <a:tab pos="8980488" algn="l"/>
-              </a:tabLst>
-            </a:pPr>
-            <a:r>
-              <a:rPr lang="zh-TW" altLang="en-GB" sz="5400" dirty="0" smtClean="0">
-                <a:latin typeface="標楷體" pitchFamily="65" charset="-120"/>
-                <a:ea typeface="標楷體" pitchFamily="65" charset="-120"/>
-              </a:rPr>
-              <a:t>天空裡散聚雲片片</a:t>
-            </a:r>
-            <a:endParaRPr lang="en-US" altLang="zh-TW" sz="5400" dirty="0" smtClean="0">
-              <a:latin typeface="標楷體" pitchFamily="65" charset="-120"/>
-              <a:ea typeface="標楷體" pitchFamily="65" charset="-120"/>
-            </a:endParaRPr>
-          </a:p>
-          <a:p>
-            <a:pPr marL="338138" indent="-338138" eaLnBrk="1" hangingPunct="1">
-              <a:lnSpc>
-                <a:spcPct val="100000"/>
-              </a:lnSpc>
-              <a:spcBef>
-                <a:spcPts val="900"/>
-              </a:spcBef>
-              <a:buClr>
-                <a:srgbClr val="660066"/>
-              </a:buClr>
-              <a:buFont typeface="標楷體" pitchFamily="65" charset="-120"/>
-              <a:buNone/>
-              <a:tabLst>
-                <a:tab pos="444500" algn="l"/>
-                <a:tab pos="893763" algn="l"/>
-                <a:tab pos="1343025" algn="l"/>
-                <a:tab pos="1792288" algn="l"/>
-                <a:tab pos="2241550" algn="l"/>
-                <a:tab pos="2690813" algn="l"/>
-                <a:tab pos="3140075" algn="l"/>
-                <a:tab pos="3589338" algn="l"/>
-                <a:tab pos="4038600" algn="l"/>
-                <a:tab pos="4487863" algn="l"/>
-                <a:tab pos="4937125" algn="l"/>
-                <a:tab pos="5386388" algn="l"/>
-                <a:tab pos="5835650" algn="l"/>
-                <a:tab pos="6284913" algn="l"/>
-                <a:tab pos="6734175" algn="l"/>
-                <a:tab pos="7183438" algn="l"/>
-                <a:tab pos="7632700" algn="l"/>
-                <a:tab pos="8081963" algn="l"/>
-                <a:tab pos="8531225" algn="l"/>
-                <a:tab pos="8980488" algn="l"/>
-              </a:tabLst>
-            </a:pPr>
-            <a:r>
-              <a:rPr lang="zh-CN" altLang="en-US" sz="5400" smtClean="0">
-                <a:latin typeface="標楷體" pitchFamily="65" charset="-120"/>
-                <a:ea typeface="標楷體" pitchFamily="65" charset="-120"/>
-              </a:rPr>
-              <a:t>無奈</a:t>
-            </a:r>
-            <a:r>
-              <a:rPr lang="zh-TW" altLang="en-GB" sz="5400" smtClean="0">
-                <a:latin typeface="標楷體" pitchFamily="65" charset="-120"/>
-                <a:ea typeface="標楷體" pitchFamily="65" charset="-120"/>
-              </a:rPr>
-              <a:t>月</a:t>
-            </a:r>
-            <a:r>
-              <a:rPr lang="zh-TW" altLang="en-GB" sz="5400" dirty="0" smtClean="0">
-                <a:latin typeface="標楷體" pitchFamily="65" charset="-120"/>
-                <a:ea typeface="標楷體" pitchFamily="65" charset="-120"/>
-              </a:rPr>
-              <a:t>明星不閃</a:t>
-            </a:r>
-          </a:p>
-          <a:p>
-            <a:pPr marL="338138" indent="-338138" eaLnBrk="1" hangingPunct="1">
-              <a:lnSpc>
-                <a:spcPct val="100000"/>
-              </a:lnSpc>
-              <a:spcBef>
-                <a:spcPts val="900"/>
-              </a:spcBef>
-              <a:buClr>
-                <a:srgbClr val="660066"/>
-              </a:buClr>
-              <a:buFont typeface="標楷體" pitchFamily="65" charset="-120"/>
-              <a:buNone/>
-              <a:tabLst>
-                <a:tab pos="444500" algn="l"/>
-                <a:tab pos="893763" algn="l"/>
-                <a:tab pos="1343025" algn="l"/>
-                <a:tab pos="1792288" algn="l"/>
-                <a:tab pos="2241550" algn="l"/>
-                <a:tab pos="2690813" algn="l"/>
-                <a:tab pos="3140075" algn="l"/>
-                <a:tab pos="3589338" algn="l"/>
-                <a:tab pos="4038600" algn="l"/>
-                <a:tab pos="4487863" algn="l"/>
-                <a:tab pos="4937125" algn="l"/>
-                <a:tab pos="5386388" algn="l"/>
-                <a:tab pos="5835650" algn="l"/>
-                <a:tab pos="6284913" algn="l"/>
-                <a:tab pos="6734175" algn="l"/>
-                <a:tab pos="7183438" algn="l"/>
-                <a:tab pos="7632700" algn="l"/>
-                <a:tab pos="8081963" algn="l"/>
-                <a:tab pos="8531225" algn="l"/>
-                <a:tab pos="8980488" algn="l"/>
-              </a:tabLst>
-            </a:pPr>
-            <a:r>
-              <a:rPr lang="zh-TW" altLang="en-GB" sz="5400" dirty="0" smtClean="0">
-                <a:latin typeface="標楷體" pitchFamily="65" charset="-120"/>
-                <a:ea typeface="標楷體" pitchFamily="65" charset="-120"/>
-              </a:rPr>
-              <a:t>莫流淚悲歡合離是難免</a:t>
-            </a:r>
-          </a:p>
-          <a:p>
-            <a:pPr marL="338138" indent="-338138" eaLnBrk="1" hangingPunct="1">
-              <a:lnSpc>
-                <a:spcPct val="100000"/>
-              </a:lnSpc>
-              <a:spcBef>
-                <a:spcPts val="900"/>
-              </a:spcBef>
-              <a:buClr>
-                <a:srgbClr val="660066"/>
-              </a:buClr>
-              <a:buFont typeface="標楷體" pitchFamily="65" charset="-120"/>
-              <a:buNone/>
-              <a:tabLst>
-                <a:tab pos="444500" algn="l"/>
-                <a:tab pos="893763" algn="l"/>
-                <a:tab pos="1343025" algn="l"/>
-                <a:tab pos="1792288" algn="l"/>
-                <a:tab pos="2241550" algn="l"/>
-                <a:tab pos="2690813" algn="l"/>
-                <a:tab pos="3140075" algn="l"/>
-                <a:tab pos="3589338" algn="l"/>
-                <a:tab pos="4038600" algn="l"/>
-                <a:tab pos="4487863" algn="l"/>
-                <a:tab pos="4937125" algn="l"/>
-                <a:tab pos="5386388" algn="l"/>
-                <a:tab pos="5835650" algn="l"/>
-                <a:tab pos="6284913" algn="l"/>
-                <a:tab pos="6734175" algn="l"/>
-                <a:tab pos="7183438" algn="l"/>
-                <a:tab pos="7632700" algn="l"/>
-                <a:tab pos="8081963" algn="l"/>
-                <a:tab pos="8531225" algn="l"/>
-                <a:tab pos="8980488" algn="l"/>
-              </a:tabLst>
-            </a:pPr>
-            <a:r>
-              <a:rPr lang="zh-TW" altLang="en-GB" sz="5400" dirty="0" smtClean="0">
-                <a:latin typeface="標楷體" pitchFamily="65" charset="-120"/>
-                <a:ea typeface="標楷體" pitchFamily="65" charset="-120"/>
-              </a:rPr>
-              <a:t>祈求上主恩每一刻能抹淚面</a:t>
-            </a:r>
-          </a:p>
-        </p:txBody>
-      </p:sp>
-      <p:sp>
-        <p:nvSpPr>
-          <p:cNvPr id="7170" name="Rectangle 2"/>
-          <p:cNvSpPr>
-            <a:spLocks noGrp="1" noChangeArrowheads="1"/>
-          </p:cNvSpPr>
-          <p:nvPr>
-            <p:ph type="title"/>
-          </p:nvPr>
-        </p:nvSpPr>
-        <p:spPr>
-          <a:xfrm>
-            <a:off x="250825" y="188913"/>
-            <a:ext cx="3529013" cy="719137"/>
-          </a:xfrm>
-        </p:spPr>
-        <p:txBody>
-          <a:bodyPr anchor="ctr"/>
-          <a:lstStyle/>
-          <a:p>
-            <a:pPr marL="0" indent="0" eaLnBrk="1" hangingPunct="1">
-              <a:lnSpc>
-                <a:spcPct val="100000"/>
-              </a:lnSpc>
-              <a:spcBef>
-                <a:spcPct val="0"/>
-              </a:spcBef>
+            <a:pPr>
               <a:buClr>
                 <a:srgbClr val="333399"/>
               </a:buClr>
-              <a:buFont typeface="Arial" charset="0"/>
-              <a:buNone/>
               <a:tabLst>
                 <a:tab pos="0" algn="l"/>
                 <a:tab pos="447675" algn="l"/>
@@ -4700,20 +3923,219 @@
               <a:defRPr/>
             </a:pPr>
             <a:r>
-              <a:rPr lang="en-GB" sz="4000" u="sng" smtClean="0">
-                <a:effectLst>
-                  <a:outerShdw blurRad="38100" dist="38100" dir="2700000" algn="tl">
-                    <a:srgbClr val="C0C0C0"/>
-                  </a:outerShdw>
-                </a:effectLst>
-                <a:ea typeface="標楷體" pitchFamily="65" charset="-120"/>
+              <a:rPr lang="en-GB" sz="4800" b="1" dirty="0" err="1">
+                <a:latin typeface="Microsoft JhengHei" panose="020B0604030504040204" pitchFamily="34" charset="-120"/>
+                <a:ea typeface="Microsoft JhengHei" panose="020B0604030504040204" pitchFamily="34" charset="-120"/>
               </a:rPr>
               <a:t>心靈的迴響</a:t>
             </a:r>
+            <a:endParaRPr lang="en-GB" sz="4800" b="1" dirty="0">
+              <a:latin typeface="Microsoft JhengHei" panose="020B0604030504040204" pitchFamily="34" charset="-120"/>
+              <a:ea typeface="Microsoft JhengHei" panose="020B0604030504040204" pitchFamily="34" charset="-120"/>
+            </a:endParaRPr>
+          </a:p>
+        </p:txBody>
+      </p:sp>
+      <p:sp>
+        <p:nvSpPr>
+          <p:cNvPr id="7169" name="Rectangle 1"/>
+          <p:cNvSpPr>
+            <a:spLocks noGrp="1" noChangeArrowheads="1"/>
+          </p:cNvSpPr>
+          <p:nvPr>
+            <p:ph idx="1"/>
+          </p:nvPr>
+        </p:nvSpPr>
+        <p:spPr>
+          <a:xfrm>
+            <a:off x="0" y="1484313"/>
+            <a:ext cx="12191999" cy="4140200"/>
+          </a:xfrm>
+        </p:spPr>
+        <p:txBody>
+          <a:bodyPr anchor="t">
+            <a:normAutofit/>
+          </a:bodyPr>
+          <a:lstStyle/>
+          <a:p>
+            <a:pPr marL="338138" indent="-338138" algn="ctr">
+              <a:spcBef>
+                <a:spcPts val="900"/>
+              </a:spcBef>
+              <a:buClr>
+                <a:srgbClr val="660066"/>
+              </a:buClr>
+              <a:buNone/>
+              <a:tabLst>
+                <a:tab pos="444500" algn="l"/>
+                <a:tab pos="893763" algn="l"/>
+                <a:tab pos="1343025" algn="l"/>
+                <a:tab pos="1792288" algn="l"/>
+                <a:tab pos="2241550" algn="l"/>
+                <a:tab pos="2690813" algn="l"/>
+                <a:tab pos="3140075" algn="l"/>
+                <a:tab pos="3589338" algn="l"/>
+                <a:tab pos="4038600" algn="l"/>
+                <a:tab pos="4487863" algn="l"/>
+                <a:tab pos="4937125" algn="l"/>
+                <a:tab pos="5386388" algn="l"/>
+                <a:tab pos="5835650" algn="l"/>
+                <a:tab pos="6284913" algn="l"/>
+                <a:tab pos="6734175" algn="l"/>
+                <a:tab pos="7183438" algn="l"/>
+                <a:tab pos="7632700" algn="l"/>
+                <a:tab pos="8081963" algn="l"/>
+                <a:tab pos="8531225" algn="l"/>
+                <a:tab pos="8980488" algn="l"/>
+              </a:tabLst>
+            </a:pPr>
+            <a:r>
+              <a:rPr lang="zh-TW" altLang="en-GB" sz="5400" b="1" dirty="0">
+                <a:latin typeface="Microsoft JhengHei" panose="020B0604030504040204" pitchFamily="34" charset="-120"/>
+                <a:ea typeface="Microsoft JhengHei" panose="020B0604030504040204" pitchFamily="34" charset="-120"/>
+              </a:rPr>
+              <a:t>天空裡散聚雲片片</a:t>
+            </a:r>
+            <a:endParaRPr lang="en-US" altLang="zh-TW" sz="5400" b="1" dirty="0">
+              <a:latin typeface="Microsoft JhengHei" panose="020B0604030504040204" pitchFamily="34" charset="-120"/>
+              <a:ea typeface="Microsoft JhengHei" panose="020B0604030504040204" pitchFamily="34" charset="-120"/>
+            </a:endParaRPr>
+          </a:p>
+          <a:p>
+            <a:pPr marL="338138" indent="-338138" algn="ctr">
+              <a:spcBef>
+                <a:spcPts val="900"/>
+              </a:spcBef>
+              <a:buClr>
+                <a:srgbClr val="660066"/>
+              </a:buClr>
+              <a:buNone/>
+              <a:tabLst>
+                <a:tab pos="444500" algn="l"/>
+                <a:tab pos="893763" algn="l"/>
+                <a:tab pos="1343025" algn="l"/>
+                <a:tab pos="1792288" algn="l"/>
+                <a:tab pos="2241550" algn="l"/>
+                <a:tab pos="2690813" algn="l"/>
+                <a:tab pos="3140075" algn="l"/>
+                <a:tab pos="3589338" algn="l"/>
+                <a:tab pos="4038600" algn="l"/>
+                <a:tab pos="4487863" algn="l"/>
+                <a:tab pos="4937125" algn="l"/>
+                <a:tab pos="5386388" algn="l"/>
+                <a:tab pos="5835650" algn="l"/>
+                <a:tab pos="6284913" algn="l"/>
+                <a:tab pos="6734175" algn="l"/>
+                <a:tab pos="7183438" algn="l"/>
+                <a:tab pos="7632700" algn="l"/>
+                <a:tab pos="8081963" algn="l"/>
+                <a:tab pos="8531225" algn="l"/>
+                <a:tab pos="8980488" algn="l"/>
+              </a:tabLst>
+            </a:pPr>
+            <a:r>
+              <a:rPr lang="zh-CN" altLang="en-US" sz="5400" b="1" dirty="0">
+                <a:latin typeface="Microsoft JhengHei" panose="020B0604030504040204" pitchFamily="34" charset="-120"/>
+                <a:ea typeface="Microsoft JhengHei" panose="020B0604030504040204" pitchFamily="34" charset="-120"/>
+              </a:rPr>
+              <a:t>無奈</a:t>
+            </a:r>
+            <a:r>
+              <a:rPr lang="zh-TW" altLang="en-GB" sz="5400" b="1" dirty="0">
+                <a:latin typeface="Microsoft JhengHei" panose="020B0604030504040204" pitchFamily="34" charset="-120"/>
+                <a:ea typeface="Microsoft JhengHei" panose="020B0604030504040204" pitchFamily="34" charset="-120"/>
+              </a:rPr>
+              <a:t>月明星不閃</a:t>
+            </a:r>
+          </a:p>
+          <a:p>
+            <a:pPr marL="338138" indent="-338138" algn="ctr">
+              <a:spcBef>
+                <a:spcPts val="900"/>
+              </a:spcBef>
+              <a:buClr>
+                <a:srgbClr val="660066"/>
+              </a:buClr>
+              <a:buNone/>
+              <a:tabLst>
+                <a:tab pos="444500" algn="l"/>
+                <a:tab pos="893763" algn="l"/>
+                <a:tab pos="1343025" algn="l"/>
+                <a:tab pos="1792288" algn="l"/>
+                <a:tab pos="2241550" algn="l"/>
+                <a:tab pos="2690813" algn="l"/>
+                <a:tab pos="3140075" algn="l"/>
+                <a:tab pos="3589338" algn="l"/>
+                <a:tab pos="4038600" algn="l"/>
+                <a:tab pos="4487863" algn="l"/>
+                <a:tab pos="4937125" algn="l"/>
+                <a:tab pos="5386388" algn="l"/>
+                <a:tab pos="5835650" algn="l"/>
+                <a:tab pos="6284913" algn="l"/>
+                <a:tab pos="6734175" algn="l"/>
+                <a:tab pos="7183438" algn="l"/>
+                <a:tab pos="7632700" algn="l"/>
+                <a:tab pos="8081963" algn="l"/>
+                <a:tab pos="8531225" algn="l"/>
+                <a:tab pos="8980488" algn="l"/>
+              </a:tabLst>
+            </a:pPr>
+            <a:r>
+              <a:rPr lang="zh-TW" altLang="en-GB" sz="5400" b="1" dirty="0">
+                <a:latin typeface="Microsoft JhengHei" panose="020B0604030504040204" pitchFamily="34" charset="-120"/>
+                <a:ea typeface="Microsoft JhengHei" panose="020B0604030504040204" pitchFamily="34" charset="-120"/>
+              </a:rPr>
+              <a:t>莫流淚悲歡合離是難免</a:t>
+            </a:r>
+          </a:p>
+          <a:p>
+            <a:pPr marL="338138" indent="-338138" algn="ctr">
+              <a:spcBef>
+                <a:spcPts val="900"/>
+              </a:spcBef>
+              <a:buClr>
+                <a:srgbClr val="660066"/>
+              </a:buClr>
+              <a:buNone/>
+              <a:tabLst>
+                <a:tab pos="444500" algn="l"/>
+                <a:tab pos="893763" algn="l"/>
+                <a:tab pos="1343025" algn="l"/>
+                <a:tab pos="1792288" algn="l"/>
+                <a:tab pos="2241550" algn="l"/>
+                <a:tab pos="2690813" algn="l"/>
+                <a:tab pos="3140075" algn="l"/>
+                <a:tab pos="3589338" algn="l"/>
+                <a:tab pos="4038600" algn="l"/>
+                <a:tab pos="4487863" algn="l"/>
+                <a:tab pos="4937125" algn="l"/>
+                <a:tab pos="5386388" algn="l"/>
+                <a:tab pos="5835650" algn="l"/>
+                <a:tab pos="6284913" algn="l"/>
+                <a:tab pos="6734175" algn="l"/>
+                <a:tab pos="7183438" algn="l"/>
+                <a:tab pos="7632700" algn="l"/>
+                <a:tab pos="8081963" algn="l"/>
+                <a:tab pos="8531225" algn="l"/>
+                <a:tab pos="8980488" algn="l"/>
+              </a:tabLst>
+            </a:pPr>
+            <a:r>
+              <a:rPr lang="zh-TW" altLang="en-GB" sz="5400" b="1" dirty="0">
+                <a:latin typeface="Microsoft JhengHei" panose="020B0604030504040204" pitchFamily="34" charset="-120"/>
+                <a:ea typeface="Microsoft JhengHei" panose="020B0604030504040204" pitchFamily="34" charset="-120"/>
+              </a:rPr>
+              <a:t>祈求上主恩每一刻能抹淚面</a:t>
+            </a:r>
           </a:p>
         </p:txBody>
       </p:sp>
     </p:spTree>
+    <p:extLst>
+      <p:ext uri="{BB962C8B-B14F-4D97-AF65-F5344CB8AC3E}">
+        <p14:creationId xmlns:p14="http://schemas.microsoft.com/office/powerpoint/2010/main" val="793979360"/>
+      </p:ext>
+    </p:extLst>
   </p:cSld>
   <p:clrMapOvr>
     <a:masterClrMapping/>
@@ -4748,239 +4170,30 @@
       </p:grpSpPr>
       <p:sp>
         <p:nvSpPr>
-          <p:cNvPr id="7169" name="Rectangle 1"/>
+          <p:cNvPr id="7170" name="Rectangle 2"/>
           <p:cNvSpPr>
             <a:spLocks noGrp="1" noChangeArrowheads="1"/>
           </p:cNvSpPr>
           <p:nvPr>
-            <p:ph idx="1"/>
+            <p:ph type="title"/>
           </p:nvPr>
         </p:nvSpPr>
         <p:spPr>
           <a:xfrm>
-            <a:off x="250825" y="1484313"/>
-            <a:ext cx="8712200" cy="4140200"/>
+            <a:off x="0" y="476672"/>
+            <a:ext cx="12191999" cy="719137"/>
           </a:xfrm>
         </p:spPr>
         <p:txBody>
-          <a:bodyPr anchor="t">
-            <a:normAutofit/>
+          <a:bodyPr anchor="ctr">
+            <a:noAutofit/>
           </a:bodyPr>
           <a:lstStyle/>
           <a:p>
-            <a:pPr marL="338138" indent="-338138" eaLnBrk="1" hangingPunct="1">
-              <a:lnSpc>
-                <a:spcPct val="100000"/>
-              </a:lnSpc>
-              <a:spcBef>
-                <a:spcPts val="900"/>
-              </a:spcBef>
-              <a:buClr>
-                <a:srgbClr val="660066"/>
-              </a:buClr>
-              <a:buFont typeface="標楷體" pitchFamily="65" charset="-120"/>
-              <a:buNone/>
-              <a:tabLst>
-                <a:tab pos="444500" algn="l"/>
-                <a:tab pos="893763" algn="l"/>
-                <a:tab pos="1343025" algn="l"/>
-                <a:tab pos="1792288" algn="l"/>
-                <a:tab pos="2241550" algn="l"/>
-                <a:tab pos="2690813" algn="l"/>
-                <a:tab pos="3140075" algn="l"/>
-                <a:tab pos="3589338" algn="l"/>
-                <a:tab pos="4038600" algn="l"/>
-                <a:tab pos="4487863" algn="l"/>
-                <a:tab pos="4937125" algn="l"/>
-                <a:tab pos="5386388" algn="l"/>
-                <a:tab pos="5835650" algn="l"/>
-                <a:tab pos="6284913" algn="l"/>
-                <a:tab pos="6734175" algn="l"/>
-                <a:tab pos="7183438" algn="l"/>
-                <a:tab pos="7632700" algn="l"/>
-                <a:tab pos="8081963" algn="l"/>
-                <a:tab pos="8531225" algn="l"/>
-                <a:tab pos="8980488" algn="l"/>
-              </a:tabLst>
-            </a:pPr>
-            <a:r>
-              <a:rPr lang="zh-TW" altLang="en-GB" sz="5400" dirty="0" smtClean="0">
-                <a:latin typeface="標楷體" pitchFamily="65" charset="-120"/>
-                <a:ea typeface="標楷體" pitchFamily="65" charset="-120"/>
-              </a:rPr>
-              <a:t>世途裡恩怨恨愛定會現</a:t>
-            </a:r>
-          </a:p>
-          <a:p>
-            <a:pPr marL="338138" indent="-338138" eaLnBrk="1" hangingPunct="1">
-              <a:lnSpc>
-                <a:spcPct val="100000"/>
-              </a:lnSpc>
-              <a:spcBef>
-                <a:spcPts val="900"/>
-              </a:spcBef>
-              <a:buClr>
-                <a:srgbClr val="660066"/>
-              </a:buClr>
-              <a:buFont typeface="標楷體" pitchFamily="65" charset="-120"/>
-              <a:buNone/>
-              <a:tabLst>
-                <a:tab pos="444500" algn="l"/>
-                <a:tab pos="893763" algn="l"/>
-                <a:tab pos="1343025" algn="l"/>
-                <a:tab pos="1792288" algn="l"/>
-                <a:tab pos="2241550" algn="l"/>
-                <a:tab pos="2690813" algn="l"/>
-                <a:tab pos="3140075" algn="l"/>
-                <a:tab pos="3589338" algn="l"/>
-                <a:tab pos="4038600" algn="l"/>
-                <a:tab pos="4487863" algn="l"/>
-                <a:tab pos="4937125" algn="l"/>
-                <a:tab pos="5386388" algn="l"/>
-                <a:tab pos="5835650" algn="l"/>
-                <a:tab pos="6284913" algn="l"/>
-                <a:tab pos="6734175" algn="l"/>
-                <a:tab pos="7183438" algn="l"/>
-                <a:tab pos="7632700" algn="l"/>
-                <a:tab pos="8081963" algn="l"/>
-                <a:tab pos="8531225" algn="l"/>
-                <a:tab pos="8980488" algn="l"/>
-              </a:tabLst>
-            </a:pPr>
-            <a:r>
-              <a:rPr lang="zh-TW" altLang="en-GB" sz="5400" dirty="0" smtClean="0">
-                <a:latin typeface="標楷體" pitchFamily="65" charset="-120"/>
-                <a:ea typeface="標楷體" pitchFamily="65" charset="-120"/>
-              </a:rPr>
-              <a:t>心靈中多少困倦與掛牽</a:t>
-            </a:r>
-          </a:p>
-          <a:p>
-            <a:pPr marL="338138" indent="-338138" eaLnBrk="1" hangingPunct="1">
-              <a:lnSpc>
-                <a:spcPct val="100000"/>
-              </a:lnSpc>
-              <a:spcBef>
-                <a:spcPts val="900"/>
-              </a:spcBef>
-              <a:buClr>
-                <a:srgbClr val="660066"/>
-              </a:buClr>
-              <a:buFont typeface="標楷體" pitchFamily="65" charset="-120"/>
-              <a:buNone/>
-              <a:tabLst>
-                <a:tab pos="444500" algn="l"/>
-                <a:tab pos="893763" algn="l"/>
-                <a:tab pos="1343025" algn="l"/>
-                <a:tab pos="1792288" algn="l"/>
-                <a:tab pos="2241550" algn="l"/>
-                <a:tab pos="2690813" algn="l"/>
-                <a:tab pos="3140075" algn="l"/>
-                <a:tab pos="3589338" algn="l"/>
-                <a:tab pos="4038600" algn="l"/>
-                <a:tab pos="4487863" algn="l"/>
-                <a:tab pos="4937125" algn="l"/>
-                <a:tab pos="5386388" algn="l"/>
-                <a:tab pos="5835650" algn="l"/>
-                <a:tab pos="6284913" algn="l"/>
-                <a:tab pos="6734175" algn="l"/>
-                <a:tab pos="7183438" algn="l"/>
-                <a:tab pos="7632700" algn="l"/>
-                <a:tab pos="8081963" algn="l"/>
-                <a:tab pos="8531225" algn="l"/>
-                <a:tab pos="8980488" algn="l"/>
-              </a:tabLst>
-            </a:pPr>
-            <a:r>
-              <a:rPr lang="zh-TW" altLang="en-GB" sz="5400" dirty="0" smtClean="0">
-                <a:latin typeface="標楷體" pitchFamily="65" charset="-120"/>
-                <a:ea typeface="標楷體" pitchFamily="65" charset="-120"/>
-              </a:rPr>
-              <a:t>向前去不怕浪裡多風險</a:t>
-            </a:r>
-            <a:endParaRPr lang="en-GB" altLang="zh-TW" sz="5400" dirty="0">
-              <a:latin typeface="標楷體" pitchFamily="65" charset="-120"/>
-              <a:ea typeface="標楷體" pitchFamily="65" charset="-120"/>
-            </a:endParaRPr>
-          </a:p>
-          <a:p>
-            <a:pPr marL="338138" indent="-338138" eaLnBrk="1" hangingPunct="1">
-              <a:lnSpc>
-                <a:spcPct val="100000"/>
-              </a:lnSpc>
-              <a:spcBef>
-                <a:spcPts val="900"/>
-              </a:spcBef>
-              <a:buClr>
-                <a:srgbClr val="660066"/>
-              </a:buClr>
-              <a:buFont typeface="標楷體" pitchFamily="65" charset="-120"/>
-              <a:buNone/>
-              <a:tabLst>
-                <a:tab pos="444500" algn="l"/>
-                <a:tab pos="893763" algn="l"/>
-                <a:tab pos="1343025" algn="l"/>
-                <a:tab pos="1792288" algn="l"/>
-                <a:tab pos="2241550" algn="l"/>
-                <a:tab pos="2690813" algn="l"/>
-                <a:tab pos="3140075" algn="l"/>
-                <a:tab pos="3589338" algn="l"/>
-                <a:tab pos="4038600" algn="l"/>
-                <a:tab pos="4487863" algn="l"/>
-                <a:tab pos="4937125" algn="l"/>
-                <a:tab pos="5386388" algn="l"/>
-                <a:tab pos="5835650" algn="l"/>
-                <a:tab pos="6284913" algn="l"/>
-                <a:tab pos="6734175" algn="l"/>
-                <a:tab pos="7183438" algn="l"/>
-                <a:tab pos="7632700" algn="l"/>
-                <a:tab pos="8081963" algn="l"/>
-                <a:tab pos="8531225" algn="l"/>
-                <a:tab pos="8980488" algn="l"/>
-              </a:tabLst>
-            </a:pPr>
-            <a:r>
-              <a:rPr lang="zh-TW" altLang="en-GB" sz="5400" dirty="0" smtClean="0">
-                <a:latin typeface="標楷體" pitchFamily="65" charset="-120"/>
-                <a:ea typeface="標楷體" pitchFamily="65" charset="-120"/>
-              </a:rPr>
-              <a:t>熱誠共創真美善</a:t>
-            </a:r>
-          </a:p>
-        </p:txBody>
-      </p:sp>
-      <p:sp>
-        <p:nvSpPr>
-          <p:cNvPr id="7170" name="Rectangle 2"/>
-          <p:cNvSpPr>
-            <a:spLocks noGrp="1" noChangeArrowheads="1"/>
-          </p:cNvSpPr>
-          <p:nvPr>
-            <p:ph type="title"/>
-          </p:nvPr>
-        </p:nvSpPr>
-        <p:spPr>
-          <a:xfrm>
-            <a:off x="250825" y="188913"/>
-            <a:ext cx="3529013" cy="719137"/>
-          </a:xfrm>
-        </p:spPr>
-        <p:txBody>
-          <a:bodyPr anchor="ctr"/>
-          <a:lstStyle/>
-          <a:p>
-            <a:pPr marL="0" indent="0" eaLnBrk="1" hangingPunct="1">
-              <a:lnSpc>
-                <a:spcPct val="100000"/>
-              </a:lnSpc>
-              <a:spcBef>
-                <a:spcPct val="0"/>
-              </a:spcBef>
+            <a:pPr>
               <a:buClr>
                 <a:srgbClr val="333399"/>
               </a:buClr>
-              <a:buFont typeface="Arial" charset="0"/>
-              <a:buNone/>
               <a:tabLst>
                 <a:tab pos="0" algn="l"/>
                 <a:tab pos="447675" algn="l"/>
@@ -5007,15 +4220,202 @@
               <a:defRPr/>
             </a:pPr>
             <a:r>
-              <a:rPr lang="en-GB" sz="4000" u="sng" smtClean="0">
-                <a:effectLst>
-                  <a:outerShdw blurRad="38100" dist="38100" dir="2700000" algn="tl">
-                    <a:srgbClr val="C0C0C0"/>
-                  </a:outerShdw>
-                </a:effectLst>
-                <a:ea typeface="標楷體" pitchFamily="65" charset="-120"/>
+              <a:rPr lang="en-GB" sz="4800" b="1" dirty="0" err="1">
+                <a:latin typeface="Microsoft JhengHei" panose="020B0604030504040204" pitchFamily="34" charset="-120"/>
+                <a:ea typeface="Microsoft JhengHei" panose="020B0604030504040204" pitchFamily="34" charset="-120"/>
               </a:rPr>
               <a:t>心靈的迴響</a:t>
+            </a:r>
+            <a:endParaRPr lang="en-GB" sz="4800" b="1" dirty="0">
+              <a:latin typeface="Microsoft JhengHei" panose="020B0604030504040204" pitchFamily="34" charset="-120"/>
+              <a:ea typeface="Microsoft JhengHei" panose="020B0604030504040204" pitchFamily="34" charset="-120"/>
+            </a:endParaRPr>
+          </a:p>
+        </p:txBody>
+      </p:sp>
+      <p:sp>
+        <p:nvSpPr>
+          <p:cNvPr id="7169" name="Rectangle 1"/>
+          <p:cNvSpPr>
+            <a:spLocks noGrp="1" noChangeArrowheads="1"/>
+          </p:cNvSpPr>
+          <p:nvPr>
+            <p:ph idx="1"/>
+          </p:nvPr>
+        </p:nvSpPr>
+        <p:spPr>
+          <a:xfrm>
+            <a:off x="0" y="1484313"/>
+            <a:ext cx="12191999" cy="4140200"/>
+          </a:xfrm>
+        </p:spPr>
+        <p:txBody>
+          <a:bodyPr anchor="t">
+            <a:normAutofit/>
+          </a:bodyPr>
+          <a:lstStyle/>
+          <a:p>
+            <a:pPr marL="338138" indent="-338138" algn="ctr">
+              <a:spcBef>
+                <a:spcPts val="900"/>
+              </a:spcBef>
+              <a:buClr>
+                <a:srgbClr val="660066"/>
+              </a:buClr>
+              <a:buNone/>
+              <a:tabLst>
+                <a:tab pos="444500" algn="l"/>
+                <a:tab pos="893763" algn="l"/>
+                <a:tab pos="1343025" algn="l"/>
+                <a:tab pos="1792288" algn="l"/>
+                <a:tab pos="2241550" algn="l"/>
+                <a:tab pos="2690813" algn="l"/>
+                <a:tab pos="3140075" algn="l"/>
+                <a:tab pos="3589338" algn="l"/>
+                <a:tab pos="4038600" algn="l"/>
+                <a:tab pos="4487863" algn="l"/>
+                <a:tab pos="4937125" algn="l"/>
+                <a:tab pos="5386388" algn="l"/>
+                <a:tab pos="5835650" algn="l"/>
+                <a:tab pos="6284913" algn="l"/>
+                <a:tab pos="6734175" algn="l"/>
+                <a:tab pos="7183438" algn="l"/>
+                <a:tab pos="7632700" algn="l"/>
+                <a:tab pos="8081963" algn="l"/>
+                <a:tab pos="8531225" algn="l"/>
+                <a:tab pos="8980488" algn="l"/>
+              </a:tabLst>
+            </a:pPr>
+            <a:r>
+              <a:rPr lang="zh-TW" altLang="en-GB" sz="5400" b="1" dirty="0">
+                <a:latin typeface="Microsoft JhengHei" panose="020B0604030504040204" pitchFamily="34" charset="-120"/>
+                <a:ea typeface="Microsoft JhengHei" panose="020B0604030504040204" pitchFamily="34" charset="-120"/>
+              </a:rPr>
+              <a:t>世途裡恩怨恨愛定會現</a:t>
+            </a:r>
+          </a:p>
+          <a:p>
+            <a:pPr marL="338138" indent="-338138" algn="ctr">
+              <a:spcBef>
+                <a:spcPts val="900"/>
+              </a:spcBef>
+              <a:buClr>
+                <a:srgbClr val="660066"/>
+              </a:buClr>
+              <a:buNone/>
+              <a:tabLst>
+                <a:tab pos="444500" algn="l"/>
+                <a:tab pos="893763" algn="l"/>
+                <a:tab pos="1343025" algn="l"/>
+                <a:tab pos="1792288" algn="l"/>
+                <a:tab pos="2241550" algn="l"/>
+                <a:tab pos="2690813" algn="l"/>
+                <a:tab pos="3140075" algn="l"/>
+                <a:tab pos="3589338" algn="l"/>
+                <a:tab pos="4038600" algn="l"/>
+                <a:tab pos="4487863" algn="l"/>
+                <a:tab pos="4937125" algn="l"/>
+                <a:tab pos="5386388" algn="l"/>
+                <a:tab pos="5835650" algn="l"/>
+                <a:tab pos="6284913" algn="l"/>
+                <a:tab pos="6734175" algn="l"/>
+                <a:tab pos="7183438" algn="l"/>
+                <a:tab pos="7632700" algn="l"/>
+                <a:tab pos="8081963" algn="l"/>
+                <a:tab pos="8531225" algn="l"/>
+                <a:tab pos="8980488" algn="l"/>
+              </a:tabLst>
+            </a:pPr>
+            <a:r>
+              <a:rPr lang="zh-TW" altLang="en-GB" sz="5400" b="1" dirty="0">
+                <a:latin typeface="Microsoft JhengHei" panose="020B0604030504040204" pitchFamily="34" charset="-120"/>
+                <a:ea typeface="Microsoft JhengHei" panose="020B0604030504040204" pitchFamily="34" charset="-120"/>
+              </a:rPr>
+              <a:t>心靈中多少困倦與掛牽</a:t>
+            </a:r>
+          </a:p>
+          <a:p>
+            <a:pPr marL="338138" indent="-338138" algn="ctr">
+              <a:spcBef>
+                <a:spcPts val="900"/>
+              </a:spcBef>
+              <a:buClr>
+                <a:srgbClr val="660066"/>
+              </a:buClr>
+              <a:buNone/>
+              <a:tabLst>
+                <a:tab pos="444500" algn="l"/>
+                <a:tab pos="893763" algn="l"/>
+                <a:tab pos="1343025" algn="l"/>
+                <a:tab pos="1792288" algn="l"/>
+                <a:tab pos="2241550" algn="l"/>
+                <a:tab pos="2690813" algn="l"/>
+                <a:tab pos="3140075" algn="l"/>
+                <a:tab pos="3589338" algn="l"/>
+                <a:tab pos="4038600" algn="l"/>
+                <a:tab pos="4487863" algn="l"/>
+                <a:tab pos="4937125" algn="l"/>
+                <a:tab pos="5386388" algn="l"/>
+                <a:tab pos="5835650" algn="l"/>
+                <a:tab pos="6284913" algn="l"/>
+                <a:tab pos="6734175" algn="l"/>
+                <a:tab pos="7183438" algn="l"/>
+                <a:tab pos="7632700" algn="l"/>
+                <a:tab pos="8081963" algn="l"/>
+                <a:tab pos="8531225" algn="l"/>
+                <a:tab pos="8980488" algn="l"/>
+              </a:tabLst>
+            </a:pPr>
+            <a:r>
+              <a:rPr lang="zh-TW" altLang="en-GB" sz="5400" b="1" dirty="0">
+                <a:latin typeface="Microsoft JhengHei" panose="020B0604030504040204" pitchFamily="34" charset="-120"/>
+                <a:ea typeface="Microsoft JhengHei" panose="020B0604030504040204" pitchFamily="34" charset="-120"/>
+              </a:rPr>
+              <a:t>向前去不怕浪裡多風險</a:t>
+            </a:r>
+            <a:endParaRPr lang="en-GB" altLang="zh-TW" sz="5400" b="1" dirty="0">
+              <a:latin typeface="Microsoft JhengHei" panose="020B0604030504040204" pitchFamily="34" charset="-120"/>
+              <a:ea typeface="Microsoft JhengHei" panose="020B0604030504040204" pitchFamily="34" charset="-120"/>
+            </a:endParaRPr>
+          </a:p>
+          <a:p>
+            <a:pPr marL="338138" indent="-338138" algn="ctr">
+              <a:spcBef>
+                <a:spcPts val="900"/>
+              </a:spcBef>
+              <a:buClr>
+                <a:srgbClr val="660066"/>
+              </a:buClr>
+              <a:buNone/>
+              <a:tabLst>
+                <a:tab pos="444500" algn="l"/>
+                <a:tab pos="893763" algn="l"/>
+                <a:tab pos="1343025" algn="l"/>
+                <a:tab pos="1792288" algn="l"/>
+                <a:tab pos="2241550" algn="l"/>
+                <a:tab pos="2690813" algn="l"/>
+                <a:tab pos="3140075" algn="l"/>
+                <a:tab pos="3589338" algn="l"/>
+                <a:tab pos="4038600" algn="l"/>
+                <a:tab pos="4487863" algn="l"/>
+                <a:tab pos="4937125" algn="l"/>
+                <a:tab pos="5386388" algn="l"/>
+                <a:tab pos="5835650" algn="l"/>
+                <a:tab pos="6284913" algn="l"/>
+                <a:tab pos="6734175" algn="l"/>
+                <a:tab pos="7183438" algn="l"/>
+                <a:tab pos="7632700" algn="l"/>
+                <a:tab pos="8081963" algn="l"/>
+                <a:tab pos="8531225" algn="l"/>
+                <a:tab pos="8980488" algn="l"/>
+              </a:tabLst>
+            </a:pPr>
+            <a:r>
+              <a:rPr lang="zh-TW" altLang="en-GB" sz="5400" b="1" dirty="0">
+                <a:latin typeface="Microsoft JhengHei" panose="020B0604030504040204" pitchFamily="34" charset="-120"/>
+                <a:ea typeface="Microsoft JhengHei" panose="020B0604030504040204" pitchFamily="34" charset="-120"/>
+              </a:rPr>
+              <a:t>熱誠共創真美善</a:t>
             </a:r>
           </a:p>
         </p:txBody>
@@ -5055,219 +4455,30 @@
       </p:grpSpPr>
       <p:sp>
         <p:nvSpPr>
-          <p:cNvPr id="7169" name="Rectangle 1"/>
+          <p:cNvPr id="7170" name="Rectangle 2"/>
           <p:cNvSpPr>
             <a:spLocks noGrp="1" noChangeArrowheads="1"/>
           </p:cNvSpPr>
           <p:nvPr>
-            <p:ph idx="1"/>
+            <p:ph type="title"/>
           </p:nvPr>
         </p:nvSpPr>
         <p:spPr>
           <a:xfrm>
-            <a:off x="250825" y="1484313"/>
-            <a:ext cx="8712200" cy="4140200"/>
+            <a:off x="0" y="476672"/>
+            <a:ext cx="12191999" cy="719137"/>
           </a:xfrm>
         </p:spPr>
         <p:txBody>
-          <a:bodyPr anchor="t">
-            <a:normAutofit/>
+          <a:bodyPr anchor="ctr">
+            <a:noAutofit/>
           </a:bodyPr>
           <a:lstStyle/>
           <a:p>
-            <a:pPr marL="338138" indent="-338138">
-              <a:spcBef>
-                <a:spcPts val="900"/>
-              </a:spcBef>
-              <a:buClr>
-                <a:srgbClr val="660066"/>
-              </a:buClr>
-              <a:buNone/>
-              <a:tabLst>
-                <a:tab pos="444500" algn="l"/>
-                <a:tab pos="893763" algn="l"/>
-                <a:tab pos="1343025" algn="l"/>
-                <a:tab pos="1792288" algn="l"/>
-                <a:tab pos="2241550" algn="l"/>
-                <a:tab pos="2690813" algn="l"/>
-                <a:tab pos="3140075" algn="l"/>
-                <a:tab pos="3589338" algn="l"/>
-                <a:tab pos="4038600" algn="l"/>
-                <a:tab pos="4487863" algn="l"/>
-                <a:tab pos="4937125" algn="l"/>
-                <a:tab pos="5386388" algn="l"/>
-                <a:tab pos="5835650" algn="l"/>
-                <a:tab pos="6284913" algn="l"/>
-                <a:tab pos="6734175" algn="l"/>
-                <a:tab pos="7183438" algn="l"/>
-                <a:tab pos="7632700" algn="l"/>
-                <a:tab pos="8081963" algn="l"/>
-                <a:tab pos="8531225" algn="l"/>
-                <a:tab pos="8980488" algn="l"/>
-              </a:tabLst>
-            </a:pPr>
-            <a:r>
-              <a:rPr lang="zh-TW" altLang="en-GB" sz="5400" dirty="0" smtClean="0">
-                <a:latin typeface="標楷體" pitchFamily="65" charset="-120"/>
-                <a:ea typeface="標楷體" pitchFamily="65" charset="-120"/>
-              </a:rPr>
-              <a:t>願主愛 常記念</a:t>
-            </a:r>
-          </a:p>
-          <a:p>
-            <a:pPr marL="338138" indent="-338138">
-              <a:spcBef>
-                <a:spcPts val="900"/>
-              </a:spcBef>
-              <a:buClr>
-                <a:srgbClr val="660066"/>
-              </a:buClr>
-              <a:buNone/>
-              <a:tabLst>
-                <a:tab pos="444500" algn="l"/>
-                <a:tab pos="893763" algn="l"/>
-                <a:tab pos="1343025" algn="l"/>
-                <a:tab pos="1792288" algn="l"/>
-                <a:tab pos="2241550" algn="l"/>
-                <a:tab pos="2690813" algn="l"/>
-                <a:tab pos="3140075" algn="l"/>
-                <a:tab pos="3589338" algn="l"/>
-                <a:tab pos="4038600" algn="l"/>
-                <a:tab pos="4487863" algn="l"/>
-                <a:tab pos="4937125" algn="l"/>
-                <a:tab pos="5386388" algn="l"/>
-                <a:tab pos="5835650" algn="l"/>
-                <a:tab pos="6284913" algn="l"/>
-                <a:tab pos="6734175" algn="l"/>
-                <a:tab pos="7183438" algn="l"/>
-                <a:tab pos="7632700" algn="l"/>
-                <a:tab pos="8081963" algn="l"/>
-                <a:tab pos="8531225" algn="l"/>
-                <a:tab pos="8980488" algn="l"/>
-              </a:tabLst>
-            </a:pPr>
-            <a:r>
-              <a:rPr lang="zh-TW" altLang="en-GB" sz="5400" dirty="0" smtClean="0">
-                <a:latin typeface="標楷體" pitchFamily="65" charset="-120"/>
-                <a:ea typeface="標楷體" pitchFamily="65" charset="-120"/>
-              </a:rPr>
-              <a:t>求恩主 引導每一天</a:t>
-            </a:r>
-          </a:p>
-          <a:p>
-            <a:pPr marL="338138" indent="-338138">
-              <a:spcBef>
-                <a:spcPts val="900"/>
-              </a:spcBef>
-              <a:buClr>
-                <a:srgbClr val="660066"/>
-              </a:buClr>
-              <a:buNone/>
-              <a:tabLst>
-                <a:tab pos="444500" algn="l"/>
-                <a:tab pos="893763" algn="l"/>
-                <a:tab pos="1343025" algn="l"/>
-                <a:tab pos="1792288" algn="l"/>
-                <a:tab pos="2241550" algn="l"/>
-                <a:tab pos="2690813" algn="l"/>
-                <a:tab pos="3140075" algn="l"/>
-                <a:tab pos="3589338" algn="l"/>
-                <a:tab pos="4038600" algn="l"/>
-                <a:tab pos="4487863" algn="l"/>
-                <a:tab pos="4937125" algn="l"/>
-                <a:tab pos="5386388" algn="l"/>
-                <a:tab pos="5835650" algn="l"/>
-                <a:tab pos="6284913" algn="l"/>
-                <a:tab pos="6734175" algn="l"/>
-                <a:tab pos="7183438" algn="l"/>
-                <a:tab pos="7632700" algn="l"/>
-                <a:tab pos="8081963" algn="l"/>
-                <a:tab pos="8531225" algn="l"/>
-                <a:tab pos="8980488" algn="l"/>
-              </a:tabLst>
-            </a:pPr>
-            <a:r>
-              <a:rPr lang="zh-TW" altLang="en-GB" sz="5400" dirty="0" smtClean="0">
-                <a:latin typeface="標楷體" pitchFamily="65" charset="-120"/>
-                <a:ea typeface="標楷體" pitchFamily="65" charset="-120"/>
-              </a:rPr>
-              <a:t>願真愛 傳世上</a:t>
-            </a:r>
-          </a:p>
-          <a:p>
-            <a:pPr marL="338138" indent="-338138">
-              <a:spcBef>
-                <a:spcPts val="900"/>
-              </a:spcBef>
-              <a:buClr>
-                <a:srgbClr val="660066"/>
-              </a:buClr>
-              <a:buNone/>
-              <a:tabLst>
-                <a:tab pos="444500" algn="l"/>
-                <a:tab pos="893763" algn="l"/>
-                <a:tab pos="1343025" algn="l"/>
-                <a:tab pos="1792288" algn="l"/>
-                <a:tab pos="2241550" algn="l"/>
-                <a:tab pos="2690813" algn="l"/>
-                <a:tab pos="3140075" algn="l"/>
-                <a:tab pos="3589338" algn="l"/>
-                <a:tab pos="4038600" algn="l"/>
-                <a:tab pos="4487863" algn="l"/>
-                <a:tab pos="4937125" algn="l"/>
-                <a:tab pos="5386388" algn="l"/>
-                <a:tab pos="5835650" algn="l"/>
-                <a:tab pos="6284913" algn="l"/>
-                <a:tab pos="6734175" algn="l"/>
-                <a:tab pos="7183438" algn="l"/>
-                <a:tab pos="7632700" algn="l"/>
-                <a:tab pos="8081963" algn="l"/>
-                <a:tab pos="8531225" algn="l"/>
-                <a:tab pos="8980488" algn="l"/>
-              </a:tabLst>
-            </a:pPr>
-            <a:r>
-              <a:rPr lang="zh-TW" altLang="en-GB" sz="5400" dirty="0" smtClean="0">
-                <a:latin typeface="標楷體" pitchFamily="65" charset="-120"/>
-                <a:ea typeface="標楷體" pitchFamily="65" charset="-120"/>
-              </a:rPr>
-              <a:t>永生福 共享百萬年</a:t>
-            </a:r>
-          </a:p>
-        </p:txBody>
-      </p:sp>
-      <p:sp>
-        <p:nvSpPr>
-          <p:cNvPr id="7170" name="Rectangle 2"/>
-          <p:cNvSpPr>
-            <a:spLocks noGrp="1" noChangeArrowheads="1"/>
-          </p:cNvSpPr>
-          <p:nvPr>
-            <p:ph type="title"/>
-          </p:nvPr>
-        </p:nvSpPr>
-        <p:spPr>
-          <a:xfrm>
-            <a:off x="250825" y="188913"/>
-            <a:ext cx="3529013" cy="719137"/>
-          </a:xfrm>
-        </p:spPr>
-        <p:txBody>
-          <a:bodyPr anchor="ctr"/>
-          <a:lstStyle/>
-          <a:p>
-            <a:pPr marL="0" indent="0" eaLnBrk="1" hangingPunct="1">
-              <a:lnSpc>
-                <a:spcPct val="100000"/>
-              </a:lnSpc>
-              <a:spcBef>
-                <a:spcPct val="0"/>
-              </a:spcBef>
+            <a:pPr>
               <a:buClr>
                 <a:srgbClr val="333399"/>
               </a:buClr>
-              <a:buFont typeface="Arial" charset="0"/>
-              <a:buNone/>
               <a:tabLst>
                 <a:tab pos="0" algn="l"/>
                 <a:tab pos="447675" algn="l"/>
@@ -5294,20 +4505,264 @@
               <a:defRPr/>
             </a:pPr>
             <a:r>
-              <a:rPr lang="en-GB" sz="4000" u="sng" smtClean="0">
-                <a:effectLst>
-                  <a:outerShdw blurRad="38100" dist="38100" dir="2700000" algn="tl">
-                    <a:srgbClr val="C0C0C0"/>
-                  </a:outerShdw>
-                </a:effectLst>
-                <a:ea typeface="標楷體" pitchFamily="65" charset="-120"/>
+              <a:rPr lang="en-GB" sz="4800" b="1" dirty="0" err="1">
+                <a:latin typeface="Microsoft JhengHei" panose="020B0604030504040204" pitchFamily="34" charset="-120"/>
+                <a:ea typeface="Microsoft JhengHei" panose="020B0604030504040204" pitchFamily="34" charset="-120"/>
               </a:rPr>
               <a:t>心靈的迴響</a:t>
             </a:r>
+            <a:endParaRPr lang="en-GB" sz="4800" b="1" dirty="0">
+              <a:latin typeface="Microsoft JhengHei" panose="020B0604030504040204" pitchFamily="34" charset="-120"/>
+              <a:ea typeface="Microsoft JhengHei" panose="020B0604030504040204" pitchFamily="34" charset="-120"/>
+            </a:endParaRPr>
+          </a:p>
+        </p:txBody>
+      </p:sp>
+      <p:sp>
+        <p:nvSpPr>
+          <p:cNvPr id="7169" name="Rectangle 1"/>
+          <p:cNvSpPr>
+            <a:spLocks noGrp="1" noChangeArrowheads="1"/>
+          </p:cNvSpPr>
+          <p:nvPr>
+            <p:ph idx="1"/>
+          </p:nvPr>
+        </p:nvSpPr>
+        <p:spPr>
+          <a:xfrm>
+            <a:off x="0" y="1484313"/>
+            <a:ext cx="12191999" cy="4140200"/>
+          </a:xfrm>
+        </p:spPr>
+        <p:txBody>
+          <a:bodyPr anchor="t">
+            <a:normAutofit/>
+          </a:bodyPr>
+          <a:lstStyle/>
+          <a:p>
+            <a:pPr marL="338138" indent="-338138" algn="ctr">
+              <a:spcBef>
+                <a:spcPts val="900"/>
+              </a:spcBef>
+              <a:buClr>
+                <a:srgbClr val="660066"/>
+              </a:buClr>
+              <a:buNone/>
+              <a:tabLst>
+                <a:tab pos="444500" algn="l"/>
+                <a:tab pos="893763" algn="l"/>
+                <a:tab pos="1343025" algn="l"/>
+                <a:tab pos="1792288" algn="l"/>
+                <a:tab pos="2241550" algn="l"/>
+                <a:tab pos="2690813" algn="l"/>
+                <a:tab pos="3140075" algn="l"/>
+                <a:tab pos="3589338" algn="l"/>
+                <a:tab pos="4038600" algn="l"/>
+                <a:tab pos="4487863" algn="l"/>
+                <a:tab pos="4937125" algn="l"/>
+                <a:tab pos="5386388" algn="l"/>
+                <a:tab pos="5835650" algn="l"/>
+                <a:tab pos="6284913" algn="l"/>
+                <a:tab pos="6734175" algn="l"/>
+                <a:tab pos="7183438" algn="l"/>
+                <a:tab pos="7632700" algn="l"/>
+                <a:tab pos="8081963" algn="l"/>
+                <a:tab pos="8531225" algn="l"/>
+                <a:tab pos="8980488" algn="l"/>
+              </a:tabLst>
+            </a:pPr>
+            <a:r>
+              <a:rPr lang="zh-TW" altLang="en-GB" sz="5400" b="1" dirty="0">
+                <a:latin typeface="Microsoft JhengHei" panose="020B0604030504040204" pitchFamily="34" charset="-120"/>
+                <a:ea typeface="Microsoft JhengHei" panose="020B0604030504040204" pitchFamily="34" charset="-120"/>
+              </a:rPr>
+              <a:t>願主愛 </a:t>
+            </a:r>
+            <a:r>
+              <a:rPr lang="zh-TW" altLang="en-GB" sz="5400" b="1" dirty="0" smtClean="0">
+                <a:latin typeface="Microsoft JhengHei" panose="020B0604030504040204" pitchFamily="34" charset="-120"/>
+                <a:ea typeface="Microsoft JhengHei" panose="020B0604030504040204" pitchFamily="34" charset="-120"/>
+              </a:rPr>
+              <a:t> 常</a:t>
+            </a:r>
+            <a:r>
+              <a:rPr lang="zh-TW" altLang="en-GB" sz="5400" b="1" dirty="0">
+                <a:latin typeface="Microsoft JhengHei" panose="020B0604030504040204" pitchFamily="34" charset="-120"/>
+                <a:ea typeface="Microsoft JhengHei" panose="020B0604030504040204" pitchFamily="34" charset="-120"/>
+              </a:rPr>
+              <a:t>記念</a:t>
+            </a:r>
+          </a:p>
+          <a:p>
+            <a:pPr marL="338138" indent="-338138" algn="ctr">
+              <a:spcBef>
+                <a:spcPts val="900"/>
+              </a:spcBef>
+              <a:buClr>
+                <a:srgbClr val="660066"/>
+              </a:buClr>
+              <a:buNone/>
+              <a:tabLst>
+                <a:tab pos="444500" algn="l"/>
+                <a:tab pos="893763" algn="l"/>
+                <a:tab pos="1343025" algn="l"/>
+                <a:tab pos="1792288" algn="l"/>
+                <a:tab pos="2241550" algn="l"/>
+                <a:tab pos="2690813" algn="l"/>
+                <a:tab pos="3140075" algn="l"/>
+                <a:tab pos="3589338" algn="l"/>
+                <a:tab pos="4038600" algn="l"/>
+                <a:tab pos="4487863" algn="l"/>
+                <a:tab pos="4937125" algn="l"/>
+                <a:tab pos="5386388" algn="l"/>
+                <a:tab pos="5835650" algn="l"/>
+                <a:tab pos="6284913" algn="l"/>
+                <a:tab pos="6734175" algn="l"/>
+                <a:tab pos="7183438" algn="l"/>
+                <a:tab pos="7632700" algn="l"/>
+                <a:tab pos="8081963" algn="l"/>
+                <a:tab pos="8531225" algn="l"/>
+                <a:tab pos="8980488" algn="l"/>
+              </a:tabLst>
+            </a:pPr>
+            <a:r>
+              <a:rPr lang="zh-TW" altLang="en-GB" sz="5400" b="1" dirty="0">
+                <a:latin typeface="Microsoft JhengHei" panose="020B0604030504040204" pitchFamily="34" charset="-120"/>
+                <a:ea typeface="Microsoft JhengHei" panose="020B0604030504040204" pitchFamily="34" charset="-120"/>
+              </a:rPr>
+              <a:t>求恩主 </a:t>
+            </a:r>
+            <a:r>
+              <a:rPr lang="zh-TW" altLang="en-GB" sz="5400" b="1" dirty="0" smtClean="0">
+                <a:latin typeface="Microsoft JhengHei" panose="020B0604030504040204" pitchFamily="34" charset="-120"/>
+                <a:ea typeface="Microsoft JhengHei" panose="020B0604030504040204" pitchFamily="34" charset="-120"/>
+              </a:rPr>
+              <a:t> 引</a:t>
+            </a:r>
+            <a:r>
+              <a:rPr lang="zh-TW" altLang="en-GB" sz="5400" b="1" dirty="0">
+                <a:latin typeface="Microsoft JhengHei" panose="020B0604030504040204" pitchFamily="34" charset="-120"/>
+                <a:ea typeface="Microsoft JhengHei" panose="020B0604030504040204" pitchFamily="34" charset="-120"/>
+              </a:rPr>
+              <a:t>導每一天</a:t>
+            </a:r>
+          </a:p>
+          <a:p>
+            <a:pPr marL="338138" indent="-338138" algn="ctr">
+              <a:spcBef>
+                <a:spcPts val="900"/>
+              </a:spcBef>
+              <a:buClr>
+                <a:srgbClr val="660066"/>
+              </a:buClr>
+              <a:buNone/>
+              <a:tabLst>
+                <a:tab pos="444500" algn="l"/>
+                <a:tab pos="893763" algn="l"/>
+                <a:tab pos="1343025" algn="l"/>
+                <a:tab pos="1792288" algn="l"/>
+                <a:tab pos="2241550" algn="l"/>
+                <a:tab pos="2690813" algn="l"/>
+                <a:tab pos="3140075" algn="l"/>
+                <a:tab pos="3589338" algn="l"/>
+                <a:tab pos="4038600" algn="l"/>
+                <a:tab pos="4487863" algn="l"/>
+                <a:tab pos="4937125" algn="l"/>
+                <a:tab pos="5386388" algn="l"/>
+                <a:tab pos="5835650" algn="l"/>
+                <a:tab pos="6284913" algn="l"/>
+                <a:tab pos="6734175" algn="l"/>
+                <a:tab pos="7183438" algn="l"/>
+                <a:tab pos="7632700" algn="l"/>
+                <a:tab pos="8081963" algn="l"/>
+                <a:tab pos="8531225" algn="l"/>
+                <a:tab pos="8980488" algn="l"/>
+              </a:tabLst>
+            </a:pPr>
+            <a:r>
+              <a:rPr lang="zh-TW" altLang="en-GB" sz="5400" b="1" dirty="0">
+                <a:latin typeface="Microsoft JhengHei" panose="020B0604030504040204" pitchFamily="34" charset="-120"/>
+                <a:ea typeface="Microsoft JhengHei" panose="020B0604030504040204" pitchFamily="34" charset="-120"/>
+              </a:rPr>
+              <a:t>願真愛 </a:t>
+            </a:r>
+            <a:r>
+              <a:rPr lang="zh-TW" altLang="en-GB" sz="5400" b="1" dirty="0" smtClean="0">
+                <a:latin typeface="Microsoft JhengHei" panose="020B0604030504040204" pitchFamily="34" charset="-120"/>
+                <a:ea typeface="Microsoft JhengHei" panose="020B0604030504040204" pitchFamily="34" charset="-120"/>
+              </a:rPr>
+              <a:t> 傳</a:t>
+            </a:r>
+            <a:r>
+              <a:rPr lang="zh-TW" altLang="en-GB" sz="5400" b="1" dirty="0">
+                <a:latin typeface="Microsoft JhengHei" panose="020B0604030504040204" pitchFamily="34" charset="-120"/>
+                <a:ea typeface="Microsoft JhengHei" panose="020B0604030504040204" pitchFamily="34" charset="-120"/>
+              </a:rPr>
+              <a:t>世上</a:t>
+            </a:r>
+          </a:p>
+          <a:p>
+            <a:pPr marL="338138" indent="-338138" algn="ctr">
+              <a:spcBef>
+                <a:spcPts val="900"/>
+              </a:spcBef>
+              <a:buClr>
+                <a:srgbClr val="660066"/>
+              </a:buClr>
+              <a:buNone/>
+              <a:tabLst>
+                <a:tab pos="444500" algn="l"/>
+                <a:tab pos="893763" algn="l"/>
+                <a:tab pos="1343025" algn="l"/>
+                <a:tab pos="1792288" algn="l"/>
+                <a:tab pos="2241550" algn="l"/>
+                <a:tab pos="2690813" algn="l"/>
+                <a:tab pos="3140075" algn="l"/>
+                <a:tab pos="3589338" algn="l"/>
+                <a:tab pos="4038600" algn="l"/>
+                <a:tab pos="4487863" algn="l"/>
+                <a:tab pos="4937125" algn="l"/>
+                <a:tab pos="5386388" algn="l"/>
+                <a:tab pos="5835650" algn="l"/>
+                <a:tab pos="6284913" algn="l"/>
+                <a:tab pos="6734175" algn="l"/>
+                <a:tab pos="7183438" algn="l"/>
+                <a:tab pos="7632700" algn="l"/>
+                <a:tab pos="8081963" algn="l"/>
+                <a:tab pos="8531225" algn="l"/>
+                <a:tab pos="8980488" algn="l"/>
+              </a:tabLst>
+            </a:pPr>
+            <a:r>
+              <a:rPr lang="zh-TW" altLang="en-GB" sz="5400" b="1" dirty="0">
+                <a:latin typeface="Microsoft JhengHei" panose="020B0604030504040204" pitchFamily="34" charset="-120"/>
+                <a:ea typeface="Microsoft JhengHei" panose="020B0604030504040204" pitchFamily="34" charset="-120"/>
+              </a:rPr>
+              <a:t>永生福 </a:t>
+            </a:r>
+            <a:r>
+              <a:rPr lang="zh-TW" altLang="en-GB" sz="5400" b="1" dirty="0" smtClean="0">
+                <a:latin typeface="Microsoft JhengHei" panose="020B0604030504040204" pitchFamily="34" charset="-120"/>
+                <a:ea typeface="Microsoft JhengHei" panose="020B0604030504040204" pitchFamily="34" charset="-120"/>
+              </a:rPr>
+              <a:t> 共</a:t>
+            </a:r>
+            <a:r>
+              <a:rPr lang="zh-TW" altLang="en-GB" sz="5400" b="1" dirty="0">
+                <a:latin typeface="Microsoft JhengHei" panose="020B0604030504040204" pitchFamily="34" charset="-120"/>
+                <a:ea typeface="Microsoft JhengHei" panose="020B0604030504040204" pitchFamily="34" charset="-120"/>
+              </a:rPr>
+              <a:t>享百萬年</a:t>
+            </a:r>
           </a:p>
         </p:txBody>
       </p:sp>
     </p:spTree>
+    <p:extLst>
+      <p:ext uri="{BB962C8B-B14F-4D97-AF65-F5344CB8AC3E}">
+        <p14:creationId xmlns:p14="http://schemas.microsoft.com/office/powerpoint/2010/main" val="414454283"/>
+      </p:ext>
+    </p:extLst>
   </p:cSld>
   <p:clrMapOvr>
     <a:masterClrMapping/>
@@ -5324,9 +4779,9 @@
 </file>
 
 <file path=ppt/theme/theme1.xml><?xml version="1.0" encoding="utf-8"?>
-<a:theme xmlns:a="http://schemas.openxmlformats.org/drawingml/2006/main" name="Theme20">
+<a:theme xmlns:a="http://schemas.openxmlformats.org/drawingml/2006/main" name="Theme1">
   <a:themeElements>
-    <a:clrScheme name="Elemental">
+    <a:clrScheme name="Office">
       <a:dk1>
         <a:sysClr val="windowText" lastClr="000000"/>
       </a:dk1>
@@ -5334,48 +4789,48 @@
         <a:sysClr val="window" lastClr="FFFFFF"/>
       </a:lt1>
       <a:dk2>
-        <a:srgbClr val="242852"/>
+        <a:srgbClr val="1F497D"/>
       </a:dk2>
       <a:lt2>
-        <a:srgbClr val="ACCBF9"/>
+        <a:srgbClr val="EEECE1"/>
       </a:lt2>
       <a:accent1>
-        <a:srgbClr val="629DD1"/>
+        <a:srgbClr val="4F81BD"/>
       </a:accent1>
       <a:accent2>
-        <a:srgbClr val="297FD5"/>
+        <a:srgbClr val="C0504D"/>
       </a:accent2>
       <a:accent3>
-        <a:srgbClr val="7F8FA9"/>
+        <a:srgbClr val="9BBB59"/>
       </a:accent3>
       <a:accent4>
-        <a:srgbClr val="4A66AC"/>
+        <a:srgbClr val="8064A2"/>
       </a:accent4>
       <a:accent5>
-        <a:srgbClr val="5AA2AE"/>
+        <a:srgbClr val="4BACC6"/>
       </a:accent5>
       <a:accent6>
-        <a:srgbClr val="9D90A0"/>
+        <a:srgbClr val="F79646"/>
       </a:accent6>
       <a:hlink>
-        <a:srgbClr val="9454C3"/>
+        <a:srgbClr val="0000FF"/>
       </a:hlink>
       <a:folHlink>
-        <a:srgbClr val="3EBBF0"/>
+        <a:srgbClr val="800080"/>
       </a:folHlink>
     </a:clrScheme>
-    <a:fontScheme name="Elemental">
+    <a:fontScheme name="Office">
       <a:majorFont>
-        <a:latin typeface="Palatino Linotype"/>
+        <a:latin typeface="Calibri"/>
         <a:ea typeface=""/>
         <a:cs typeface=""/>
-        <a:font script="Jpan" typeface="HGS明朝E"/>
+        <a:font script="Jpan" typeface="ＭＳ Ｐゴシック"/>
         <a:font script="Hang" typeface="맑은 고딕"/>
         <a:font script="Hans" typeface="宋体"/>
         <a:font script="Hant" typeface="新細明體"/>
         <a:font script="Arab" typeface="Times New Roman"/>
         <a:font script="Hebr" typeface="Times New Roman"/>
-        <a:font script="Thai" typeface="Browallia New"/>
+        <a:font script="Thai" typeface="Angsana New"/>
         <a:font script="Ethi" typeface="Nyala"/>
         <a:font script="Beng" typeface="Vrinda"/>
         <a:font script="Gujr" typeface="Shruti"/>
@@ -5398,23 +4853,22 @@
         <a:font script="Mong" typeface="Mongolian Baiti"/>
         <a:font script="Viet" typeface="Times New Roman"/>
         <a:font script="Uigh" typeface="Microsoft Uighur"/>
-        <a:font script="Geor" typeface="Sylfaen"/>
       </a:majorFont>
       <a:minorFont>
-        <a:latin typeface="Palatino Linotype"/>
+        <a:latin typeface="Calibri"/>
         <a:ea typeface=""/>
         <a:cs typeface=""/>
-        <a:font script="Jpan" typeface="HGS明朝E"/>
+        <a:font script="Jpan" typeface="ＭＳ Ｐゴシック"/>
         <a:font script="Hang" typeface="맑은 고딕"/>
         <a:font script="Hans" typeface="宋体"/>
         <a:font script="Hant" typeface="新細明體"/>
-        <a:font script="Arab" typeface="Times New Roman"/>
-        <a:font script="Hebr" typeface="Times New Roman"/>
-        <a:font script="Thai" typeface="Browallia New"/>
+        <a:font script="Arab" typeface="Arial"/>
+        <a:font script="Hebr" typeface="Arial"/>
+        <a:font script="Thai" typeface="Cordia New"/>
         <a:font script="Ethi" typeface="Nyala"/>
         <a:font script="Beng" typeface="Vrinda"/>
         <a:font script="Gujr" typeface="Shruti"/>
-        <a:font script="Khmr" typeface="MoolBoran"/>
+        <a:font script="Khmr" typeface="DaunPenh"/>
         <a:font script="Knda" typeface="Tunga"/>
         <a:font script="Guru" typeface="Raavi"/>
         <a:font script="Cans" typeface="Euphemia"/>
@@ -5431,12 +4885,11 @@
         <a:font script="Laoo" typeface="DokChampa"/>
         <a:font script="Sinh" typeface="Iskoola Pota"/>
         <a:font script="Mong" typeface="Mongolian Baiti"/>
-        <a:font script="Viet" typeface="Times New Roman"/>
+        <a:font script="Viet" typeface="Arial"/>
         <a:font script="Uigh" typeface="Microsoft Uighur"/>
-        <a:font script="Geor" typeface="Sylfaen"/>
       </a:minorFont>
     </a:fontScheme>
-    <a:fmtScheme name="Elemental">
+    <a:fmtScheme name="Office">
       <a:fillStyleLst>
         <a:solidFill>
           <a:schemeClr val="phClr"/>
@@ -5445,19 +4898,20 @@
           <a:gsLst>
             <a:gs pos="0">
               <a:schemeClr val="phClr">
-                <a:tint val="90000"/>
+                <a:tint val="50000"/>
+                <a:satMod val="300000"/>
               </a:schemeClr>
             </a:gs>
-            <a:gs pos="48000">
+            <a:gs pos="35000">
               <a:schemeClr val="phClr">
-                <a:tint val="54000"/>
-                <a:satMod val="140000"/>
+                <a:tint val="37000"/>
+                <a:satMod val="300000"/>
               </a:schemeClr>
             </a:gs>
             <a:gs pos="100000">
               <a:schemeClr val="phClr">
-                <a:tint val="24000"/>
-                <a:satMod val="260000"/>
+                <a:tint val="15000"/>
+                <a:satMod val="350000"/>
               </a:schemeClr>
             </a:gs>
           </a:gsLst>
@@ -5466,40 +4920,44 @@
         <a:gradFill rotWithShape="1">
           <a:gsLst>
             <a:gs pos="0">
-              <a:schemeClr val="phClr"/>
+              <a:schemeClr val="phClr">
+                <a:shade val="51000"/>
+                <a:satMod val="130000"/>
+              </a:schemeClr>
             </a:gs>
-            <a:gs pos="100000">
+            <a:gs pos="80000">
               <a:schemeClr val="phClr">
-                <a:shade val="48000"/>
-                <a:satMod val="180000"/>
-                <a:lumMod val="94000"/>
+                <a:shade val="93000"/>
+                <a:satMod val="130000"/>
               </a:schemeClr>
             </a:gs>
             <a:gs pos="100000">
               <a:schemeClr val="phClr">
-                <a:shade val="48000"/>
-                <a:satMod val="180000"/>
-                <a:lumMod val="94000"/>
+                <a:shade val="94000"/>
+                <a:satMod val="135000"/>
               </a:schemeClr>
             </a:gs>
           </a:gsLst>
-          <a:lin ang="4140000" scaled="1"/>
+          <a:lin ang="16200000" scaled="0"/>
         </a:gradFill>
       </a:fillStyleLst>
       <a:lnStyleLst>
-        <a:ln w="12700" cap="flat" cmpd="sng" algn="ctr">
+        <a:ln w="9525" cap="flat" cmpd="sng" algn="ctr">
+          <a:solidFill>
+            <a:schemeClr val="phClr">
+              <a:shade val="95000"/>
+              <a:satMod val="105000"/>
+            </a:schemeClr>
+          </a:solidFill>
+          <a:prstDash val="solid"/>
+        </a:ln>
+        <a:ln w="25400" cap="flat" cmpd="sng" algn="ctr">
           <a:solidFill>
             <a:schemeClr val="phClr"/>
           </a:solidFill>
           <a:prstDash val="solid"/>
         </a:ln>
-        <a:ln w="19050" cap="flat" cmpd="sng" algn="ctr">
-          <a:solidFill>
-            <a:schemeClr val="phClr"/>
-          </a:solidFill>
-          <a:prstDash val="solid"/>
-        </a:ln>
-        <a:ln w="28575" cap="flat" cmpd="sng" algn="ctr">
+        <a:ln w="38100" cap="flat" cmpd="sng" algn="ctr">
           <a:solidFill>
             <a:schemeClr val="phClr"/>
           </a:solidFill>
@@ -5509,38 +4967,27 @@
       <a:effectStyleLst>
         <a:effectStyle>
           <a:effectLst>
-            <a:outerShdw blurRad="63500" dist="12700" dir="5400000" sx="102000" sy="102000" rotWithShape="0">
+            <a:outerShdw blurRad="40000" dist="20000" dir="5400000" rotWithShape="0">
               <a:srgbClr val="000000">
-                <a:alpha val="32000"/>
+                <a:alpha val="38000"/>
               </a:srgbClr>
             </a:outerShdw>
           </a:effectLst>
         </a:effectStyle>
         <a:effectStyle>
           <a:effectLst>
-            <a:outerShdw blurRad="76200" dist="38100" dir="5400000" rotWithShape="0">
+            <a:outerShdw blurRad="40000" dist="23000" dir="5400000" rotWithShape="0">
               <a:srgbClr val="000000">
-                <a:alpha val="60000"/>
+                <a:alpha val="35000"/>
               </a:srgbClr>
             </a:outerShdw>
           </a:effectLst>
-          <a:scene3d>
-            <a:camera prst="orthographicFront">
-              <a:rot lat="0" lon="0" rev="0"/>
-            </a:camera>
-            <a:lightRig rig="glow" dir="tl">
-              <a:rot lat="0" lon="0" rev="19800000"/>
-            </a:lightRig>
-          </a:scene3d>
-          <a:sp3d prstMaterial="metal">
-            <a:bevelT w="38100" h="38100"/>
-          </a:sp3d>
         </a:effectStyle>
         <a:effectStyle>
           <a:effectLst>
-            <a:outerShdw blurRad="114300" dist="114300" dir="5400000" rotWithShape="0">
+            <a:outerShdw blurRad="40000" dist="23000" dir="5400000" rotWithShape="0">
               <a:srgbClr val="000000">
-                <a:alpha val="70000"/>
+                <a:alpha val="35000"/>
               </a:srgbClr>
             </a:outerShdw>
           </a:effectLst>
@@ -5549,11 +4996,11 @@
               <a:rot lat="0" lon="0" rev="0"/>
             </a:camera>
             <a:lightRig rig="threePt" dir="t">
-              <a:rot lat="0" lon="0" rev="19800000"/>
+              <a:rot lat="0" lon="0" rev="1200000"/>
             </a:lightRig>
           </a:scene3d>
-          <a:sp3d prstMaterial="plastic">
-            <a:bevelT w="50800" h="50800"/>
+          <a:sp3d>
+            <a:bevelT w="63500" h="25400"/>
           </a:sp3d>
         </a:effectStyle>
       </a:effectStyleLst>
@@ -5565,38 +5012,57 @@
           <a:gsLst>
             <a:gs pos="0">
               <a:schemeClr val="phClr">
-                <a:tint val="95000"/>
+                <a:tint val="40000"/>
+                <a:satMod val="350000"/>
+              </a:schemeClr>
+            </a:gs>
+            <a:gs pos="40000">
+              <a:schemeClr val="phClr">
+                <a:tint val="45000"/>
+                <a:shade val="99000"/>
+                <a:satMod val="350000"/>
               </a:schemeClr>
             </a:gs>
             <a:gs pos="100000">
               <a:schemeClr val="phClr">
-                <a:shade val="40000"/>
-                <a:satMod val="180000"/>
+                <a:shade val="20000"/>
+                <a:satMod val="255000"/>
               </a:schemeClr>
             </a:gs>
           </a:gsLst>
-          <a:lin ang="5400000" scaled="0"/>
+          <a:path path="circle">
+            <a:fillToRect l="50000" t="-80000" r="50000" b="180000"/>
+          </a:path>
         </a:gradFill>
-        <a:blipFill>
-          <a:blip xmlns:r="http://schemas.openxmlformats.org/officeDocument/2006/relationships" r:embed="rId1">
-            <a:duotone>
+        <a:gradFill rotWithShape="1">
+          <a:gsLst>
+            <a:gs pos="0">
               <a:schemeClr val="phClr">
-                <a:shade val="14000"/>
-                <a:satMod val="280000"/>
+                <a:tint val="80000"/>
+                <a:satMod val="300000"/>
               </a:schemeClr>
+            </a:gs>
+            <a:gs pos="100000">
               <a:schemeClr val="phClr">
-                <a:tint val="60000"/>
-                <a:satMod val="120000"/>
+                <a:shade val="30000"/>
+                <a:satMod val="200000"/>
               </a:schemeClr>
-            </a:duotone>
-          </a:blip>
-          <a:stretch/>
-        </a:blipFill>
+            </a:gs>
+          </a:gsLst>
+          <a:path path="circle">
+            <a:fillToRect l="50000" t="50000" r="50000" b="50000"/>
+          </a:path>
+        </a:gradFill>
       </a:bgFillStyleLst>
     </a:fmtScheme>
   </a:themeElements>
   <a:objectDefaults/>
   <a:extraClrSchemeLst/>
+  <a:extLst>
+    <a:ext uri="{05A4C25C-085E-4340-85A3-A5531E510DB2}">
+      <thm15:themeFamily xmlns:thm15="http://schemas.microsoft.com/office/thememl/2012/main" name="Theme1" id="{AFC7C034-021A-479F-A5B0-F4AE2AC2A6F8}" vid="{E4B01A5C-7C0B-4AB8-8973-047186F18E30}"/>
+    </a:ext>
+  </a:extLst>
 </a:theme>
 </file>
 
